--- a/soutenance/Soutenance.pptx
+++ b/soutenance/Soutenance.pptx
@@ -5,24 +5,23 @@
     <p:sldMasterId id="2147483755" r:id="rId1"/>
   </p:sldMasterIdLst>
   <p:notesMasterIdLst>
-    <p:notesMasterId r:id="rId14"/>
+    <p:notesMasterId r:id="rId13"/>
   </p:notesMasterIdLst>
   <p:handoutMasterIdLst>
-    <p:handoutMasterId r:id="rId15"/>
+    <p:handoutMasterId r:id="rId14"/>
   </p:handoutMasterIdLst>
   <p:sldIdLst>
     <p:sldId id="256" r:id="rId2"/>
     <p:sldId id="259" r:id="rId3"/>
     <p:sldId id="271" r:id="rId4"/>
     <p:sldId id="257" r:id="rId5"/>
-    <p:sldId id="273" r:id="rId6"/>
-    <p:sldId id="269" r:id="rId7"/>
+    <p:sldId id="269" r:id="rId6"/>
+    <p:sldId id="275" r:id="rId7"/>
     <p:sldId id="270" r:id="rId8"/>
-    <p:sldId id="258" r:id="rId9"/>
-    <p:sldId id="272" r:id="rId10"/>
-    <p:sldId id="265" r:id="rId11"/>
-    <p:sldId id="274" r:id="rId12"/>
-    <p:sldId id="262" r:id="rId13"/>
+    <p:sldId id="272" r:id="rId9"/>
+    <p:sldId id="265" r:id="rId10"/>
+    <p:sldId id="274" r:id="rId11"/>
+    <p:sldId id="262" r:id="rId12"/>
   </p:sldIdLst>
   <p:sldSz cx="12192000" cy="6858000"/>
   <p:notesSz cx="6858000" cy="9144000"/>
@@ -122,54 +121,6 @@
     </a:lvl9pPr>
   </p:defaultTextStyle>
   <p:extLst>
-    <p:ext uri="{521415D9-36F7-43E2-AB2F-B90AF26B5E84}">
-      <p14:sectionLst xmlns:p14="http://schemas.microsoft.com/office/powerpoint/2010/main">
-        <p14:section name="Page de garde" id="{17D0A48E-D346-45CF-BE10-6CDA0E541E2F}">
-          <p14:sldIdLst>
-            <p14:sldId id="256"/>
-          </p14:sldIdLst>
-        </p14:section>
-        <p14:section name="Sommaire" id="{4EFD70A8-7E96-4D0C-92B2-1301488AEBBA}">
-          <p14:sldIdLst>
-            <p14:sldId id="259"/>
-          </p14:sldIdLst>
-        </p14:section>
-        <p14:section name="Présentation du sujet" id="{3E684987-0981-4AFF-8468-BEF80262557F}">
-          <p14:sldIdLst>
-            <p14:sldId id="271"/>
-          </p14:sldIdLst>
-        </p14:section>
-        <p14:section name="Les objectifs du site" id="{646E0B0F-32BF-4221-8026-935A6CF02DD6}">
-          <p14:sldIdLst>
-            <p14:sldId id="257"/>
-            <p14:sldId id="273"/>
-          </p14:sldIdLst>
-        </p14:section>
-        <p14:section name="Choix graphiques" id="{F0F30F9D-98C3-4027-A1D1-DAC5A8B08531}">
-          <p14:sldIdLst>
-            <p14:sldId id="269"/>
-            <p14:sldId id="270"/>
-          </p14:sldIdLst>
-        </p14:section>
-        <p14:section name="Choix ergonomiques" id="{8948FF4F-258C-417E-9AB3-51948BA0CCF3}">
-          <p14:sldIdLst>
-            <p14:sldId id="258"/>
-          </p14:sldIdLst>
-        </p14:section>
-        <p14:section name="Organisation du groupe" id="{3F37421D-8A22-442E-9B33-073C0109A508}">
-          <p14:sldIdLst>
-            <p14:sldId id="272"/>
-            <p14:sldId id="265"/>
-            <p14:sldId id="274"/>
-          </p14:sldIdLst>
-        </p14:section>
-        <p14:section name="Difficultés rencontrées" id="{949E5FDD-2B29-4B50-B0B0-6D3A00AD542F}">
-          <p14:sldIdLst>
-            <p14:sldId id="262"/>
-          </p14:sldIdLst>
-        </p14:section>
-      </p14:sectionLst>
-    </p:ext>
     <p:ext uri="{EFAFB233-063F-42B5-8137-9DF3F51BA10A}">
       <p15:sldGuideLst xmlns:p15="http://schemas.microsoft.com/office/powerpoint/2012/main"/>
     </p:ext>
@@ -5095,111 +5046,6 @@
 </p:notes>
 </file>
 
-<file path=ppt/notesSlides/notesSlide3.xml><?xml version="1.0" encoding="utf-8"?>
-<p:notes xmlns:a="http://schemas.openxmlformats.org/drawingml/2006/main" xmlns:r="http://schemas.openxmlformats.org/officeDocument/2006/relationships" xmlns:p="http://schemas.openxmlformats.org/presentationml/2006/main">
-  <p:cSld>
-    <p:spTree>
-      <p:nvGrpSpPr>
-        <p:cNvPr id="1" name=""/>
-        <p:cNvGrpSpPr/>
-        <p:nvPr/>
-      </p:nvGrpSpPr>
-      <p:grpSpPr>
-        <a:xfrm>
-          <a:off x="0" y="0"/>
-          <a:ext cx="0" cy="0"/>
-          <a:chOff x="0" y="0"/>
-          <a:chExt cx="0" cy="0"/>
-        </a:xfrm>
-      </p:grpSpPr>
-      <p:sp>
-        <p:nvSpPr>
-          <p:cNvPr id="2" name="Espace réservé de l'image des diapositives 1"/>
-          <p:cNvSpPr>
-            <a:spLocks noGrp="1" noRot="1" noChangeAspect="1"/>
-          </p:cNvSpPr>
-          <p:nvPr>
-            <p:ph type="sldImg"/>
-          </p:nvPr>
-        </p:nvSpPr>
-        <p:spPr/>
-      </p:sp>
-      <p:sp>
-        <p:nvSpPr>
-          <p:cNvPr id="3" name="Espace réservé des commentaires 2"/>
-          <p:cNvSpPr>
-            <a:spLocks noGrp="1"/>
-          </p:cNvSpPr>
-          <p:nvPr>
-            <p:ph type="body" idx="1"/>
-          </p:nvPr>
-        </p:nvSpPr>
-        <p:spPr/>
-        <p:txBody>
-          <a:bodyPr/>
-          <a:lstStyle/>
-          <a:p>
-            <a:r>
-              <a:rPr lang="fr-FR" dirty="0"/>
-              <a:t>Menus</a:t>
-            </a:r>
-          </a:p>
-          <a:p>
-            <a:r>
-              <a:rPr lang="fr-FR" dirty="0"/>
-              <a:t> onglets</a:t>
-            </a:r>
-          </a:p>
-          <a:p>
-            <a:r>
-              <a:rPr lang="fr-FR" dirty="0"/>
-              <a:t> scroll</a:t>
-            </a:r>
-          </a:p>
-          <a:p>
-            <a:r>
-              <a:rPr lang="fr-FR" dirty="0"/>
-              <a:t> fil d’Ariane</a:t>
-            </a:r>
-          </a:p>
-        </p:txBody>
-      </p:sp>
-      <p:sp>
-        <p:nvSpPr>
-          <p:cNvPr id="4" name="Espace réservé du numéro de diapositive 3"/>
-          <p:cNvSpPr>
-            <a:spLocks noGrp="1"/>
-          </p:cNvSpPr>
-          <p:nvPr>
-            <p:ph type="sldNum" sz="quarter" idx="10"/>
-          </p:nvPr>
-        </p:nvSpPr>
-        <p:spPr/>
-        <p:txBody>
-          <a:bodyPr/>
-          <a:lstStyle/>
-          <a:p>
-            <a:fld id="{BE088187-F6A5-46D0-9EBB-134E196C577B}" type="slidenum">
-              <a:rPr lang="fr-FR" smtClean="0"/>
-              <a:t>8</a:t>
-            </a:fld>
-            <a:endParaRPr lang="fr-FR"/>
-          </a:p>
-        </p:txBody>
-      </p:sp>
-    </p:spTree>
-    <p:extLst>
-      <p:ext uri="{BB962C8B-B14F-4D97-AF65-F5344CB8AC3E}">
-        <p14:creationId xmlns:p14="http://schemas.microsoft.com/office/powerpoint/2010/main" val="1249466266"/>
-      </p:ext>
-    </p:extLst>
-  </p:cSld>
-  <p:clrMapOvr>
-    <a:masterClrMapping/>
-  </p:clrMapOvr>
-</p:notes>
-</file>
-
 <file path=ppt/slideLayouts/slideLayout1.xml><?xml version="1.0" encoding="utf-8"?>
 <p:sldLayout xmlns:a="http://schemas.openxmlformats.org/drawingml/2006/main" xmlns:r="http://schemas.openxmlformats.org/officeDocument/2006/relationships" xmlns:p="http://schemas.openxmlformats.org/presentationml/2006/main" type="title" preserve="1">
   <p:cSld name="Diapositive de titre">
@@ -11410,2114 +11256,6 @@
           </a:p>
         </p:txBody>
       </p:sp>
-      <p:graphicFrame>
-        <p:nvGraphicFramePr>
-          <p:cNvPr id="10" name="Espace réservé du contenu 9"/>
-          <p:cNvGraphicFramePr>
-            <a:graphicFrameLocks noGrp="1"/>
-          </p:cNvGraphicFramePr>
-          <p:nvPr>
-            <p:ph idx="1"/>
-            <p:extLst>
-              <p:ext uri="{D42A27DB-BD31-4B8C-83A1-F6EECF244321}">
-                <p14:modId xmlns:p14="http://schemas.microsoft.com/office/powerpoint/2010/main" val="1896119014"/>
-              </p:ext>
-            </p:extLst>
-          </p:nvPr>
-        </p:nvGraphicFramePr>
-        <p:xfrm>
-          <a:off x="1001713" y="2052638"/>
-          <a:ext cx="8947150" cy="3154680"/>
-        </p:xfrm>
-        <a:graphic>
-          <a:graphicData uri="http://schemas.openxmlformats.org/drawingml/2006/table">
-            <a:tbl>
-              <a:tblPr firstRow="1" firstCol="1" bandRow="1">
-                <a:tableStyleId>{D27102A9-8310-4765-A935-A1911B00CA55}</a:tableStyleId>
-              </a:tblPr>
-              <a:tblGrid>
-                <a:gridCol w="1789430">
-                  <a:extLst>
-                    <a:ext uri="{9D8B030D-6E8A-4147-A177-3AD203B41FA5}">
-                      <a16:colId xmlns:a16="http://schemas.microsoft.com/office/drawing/2014/main" val="20000"/>
-                    </a:ext>
-                  </a:extLst>
-                </a:gridCol>
-                <a:gridCol w="1789430">
-                  <a:extLst>
-                    <a:ext uri="{9D8B030D-6E8A-4147-A177-3AD203B41FA5}">
-                      <a16:colId xmlns:a16="http://schemas.microsoft.com/office/drawing/2014/main" val="20001"/>
-                    </a:ext>
-                  </a:extLst>
-                </a:gridCol>
-                <a:gridCol w="1789430">
-                  <a:extLst>
-                    <a:ext uri="{9D8B030D-6E8A-4147-A177-3AD203B41FA5}">
-                      <a16:colId xmlns:a16="http://schemas.microsoft.com/office/drawing/2014/main" val="20002"/>
-                    </a:ext>
-                  </a:extLst>
-                </a:gridCol>
-                <a:gridCol w="1789430">
-                  <a:extLst>
-                    <a:ext uri="{9D8B030D-6E8A-4147-A177-3AD203B41FA5}">
-                      <a16:colId xmlns:a16="http://schemas.microsoft.com/office/drawing/2014/main" val="20003"/>
-                    </a:ext>
-                  </a:extLst>
-                </a:gridCol>
-                <a:gridCol w="1789430">
-                  <a:extLst>
-                    <a:ext uri="{9D8B030D-6E8A-4147-A177-3AD203B41FA5}">
-                      <a16:colId xmlns:a16="http://schemas.microsoft.com/office/drawing/2014/main" val="20004"/>
-                    </a:ext>
-                  </a:extLst>
-                </a:gridCol>
-              </a:tblGrid>
-              <a:tr h="370840">
-                <a:tc>
-                  <a:txBody>
-                    <a:bodyPr/>
-                    <a:lstStyle/>
-                    <a:p>
-                      <a:endParaRPr lang="fr-FR" sz="1600" dirty="0"/>
-                    </a:p>
-                  </a:txBody>
-                  <a:tcPr>
-                    <a:lnL w="12700" cap="flat" cmpd="sng" algn="ctr">
-                      <a:solidFill>
-                        <a:schemeClr val="accent4">
-                          <a:lumMod val="40000"/>
-                          <a:lumOff val="60000"/>
-                        </a:schemeClr>
-                      </a:solidFill>
-                      <a:prstDash val="solid"/>
-                      <a:round/>
-                      <a:headEnd type="none" w="med" len="med"/>
-                      <a:tailEnd type="none" w="med" len="med"/>
-                    </a:lnL>
-                    <a:lnR w="12700" cap="flat" cmpd="sng" algn="ctr">
-                      <a:solidFill>
-                        <a:schemeClr val="accent4">
-                          <a:lumMod val="40000"/>
-                          <a:lumOff val="60000"/>
-                        </a:schemeClr>
-                      </a:solidFill>
-                      <a:prstDash val="solid"/>
-                      <a:round/>
-                      <a:headEnd type="none" w="med" len="med"/>
-                      <a:tailEnd type="none" w="med" len="med"/>
-                    </a:lnR>
-                    <a:lnT w="12700" cap="flat" cmpd="sng" algn="ctr">
-                      <a:solidFill>
-                        <a:schemeClr val="accent4">
-                          <a:lumMod val="40000"/>
-                          <a:lumOff val="60000"/>
-                        </a:schemeClr>
-                      </a:solidFill>
-                      <a:prstDash val="solid"/>
-                      <a:round/>
-                      <a:headEnd type="none" w="med" len="med"/>
-                      <a:tailEnd type="none" w="med" len="med"/>
-                    </a:lnT>
-                    <a:lnB w="12700" cap="flat" cmpd="sng" algn="ctr">
-                      <a:solidFill>
-                        <a:schemeClr val="accent4">
-                          <a:lumMod val="40000"/>
-                          <a:lumOff val="60000"/>
-                        </a:schemeClr>
-                      </a:solidFill>
-                      <a:prstDash val="solid"/>
-                      <a:round/>
-                      <a:headEnd type="none" w="med" len="med"/>
-                      <a:tailEnd type="none" w="med" len="med"/>
-                    </a:lnB>
-                  </a:tcPr>
-                </a:tc>
-                <a:tc>
-                  <a:txBody>
-                    <a:bodyPr/>
-                    <a:lstStyle/>
-                    <a:p>
-                      <a:r>
-                        <a:rPr lang="fr-FR" sz="1600" dirty="0"/>
-                        <a:t>Fei</a:t>
-                      </a:r>
-                      <a:r>
-                        <a:rPr lang="fr-FR" sz="1600" baseline="0" dirty="0"/>
-                        <a:t> MENG</a:t>
-                      </a:r>
-                      <a:endParaRPr lang="fr-FR" sz="1600" dirty="0"/>
-                    </a:p>
-                  </a:txBody>
-                  <a:tcPr>
-                    <a:lnL w="12700" cap="flat" cmpd="sng" algn="ctr">
-                      <a:solidFill>
-                        <a:schemeClr val="accent4">
-                          <a:lumMod val="40000"/>
-                          <a:lumOff val="60000"/>
-                        </a:schemeClr>
-                      </a:solidFill>
-                      <a:prstDash val="solid"/>
-                      <a:round/>
-                      <a:headEnd type="none" w="med" len="med"/>
-                      <a:tailEnd type="none" w="med" len="med"/>
-                    </a:lnL>
-                    <a:lnR w="12700" cap="flat" cmpd="sng" algn="ctr">
-                      <a:solidFill>
-                        <a:schemeClr val="accent4">
-                          <a:lumMod val="40000"/>
-                          <a:lumOff val="60000"/>
-                        </a:schemeClr>
-                      </a:solidFill>
-                      <a:prstDash val="solid"/>
-                      <a:round/>
-                      <a:headEnd type="none" w="med" len="med"/>
-                      <a:tailEnd type="none" w="med" len="med"/>
-                    </a:lnR>
-                    <a:lnT w="12700" cap="flat" cmpd="sng" algn="ctr">
-                      <a:solidFill>
-                        <a:schemeClr val="accent4">
-                          <a:lumMod val="40000"/>
-                          <a:lumOff val="60000"/>
-                        </a:schemeClr>
-                      </a:solidFill>
-                      <a:prstDash val="solid"/>
-                      <a:round/>
-                      <a:headEnd type="none" w="med" len="med"/>
-                      <a:tailEnd type="none" w="med" len="med"/>
-                    </a:lnT>
-                    <a:lnB w="12700" cap="flat" cmpd="sng" algn="ctr">
-                      <a:solidFill>
-                        <a:schemeClr val="accent4">
-                          <a:lumMod val="40000"/>
-                          <a:lumOff val="60000"/>
-                        </a:schemeClr>
-                      </a:solidFill>
-                      <a:prstDash val="solid"/>
-                      <a:round/>
-                      <a:headEnd type="none" w="med" len="med"/>
-                      <a:tailEnd type="none" w="med" len="med"/>
-                    </a:lnB>
-                  </a:tcPr>
-                </a:tc>
-                <a:tc>
-                  <a:txBody>
-                    <a:bodyPr/>
-                    <a:lstStyle/>
-                    <a:p>
-                      <a:r>
-                        <a:rPr lang="fr-FR" sz="1600" dirty="0"/>
-                        <a:t>Walid</a:t>
-                      </a:r>
-                      <a:r>
-                        <a:rPr lang="fr-FR" sz="1600" baseline="0" dirty="0"/>
-                        <a:t> EL KHAOUA</a:t>
-                      </a:r>
-                      <a:endParaRPr lang="fr-FR" sz="1600" dirty="0"/>
-                    </a:p>
-                  </a:txBody>
-                  <a:tcPr>
-                    <a:lnL w="12700" cap="flat" cmpd="sng" algn="ctr">
-                      <a:solidFill>
-                        <a:schemeClr val="accent4">
-                          <a:lumMod val="40000"/>
-                          <a:lumOff val="60000"/>
-                        </a:schemeClr>
-                      </a:solidFill>
-                      <a:prstDash val="solid"/>
-                      <a:round/>
-                      <a:headEnd type="none" w="med" len="med"/>
-                      <a:tailEnd type="none" w="med" len="med"/>
-                    </a:lnL>
-                    <a:lnR w="12700" cap="flat" cmpd="sng" algn="ctr">
-                      <a:solidFill>
-                        <a:schemeClr val="accent4">
-                          <a:lumMod val="40000"/>
-                          <a:lumOff val="60000"/>
-                        </a:schemeClr>
-                      </a:solidFill>
-                      <a:prstDash val="solid"/>
-                      <a:round/>
-                      <a:headEnd type="none" w="med" len="med"/>
-                      <a:tailEnd type="none" w="med" len="med"/>
-                    </a:lnR>
-                    <a:lnT w="12700" cap="flat" cmpd="sng" algn="ctr">
-                      <a:solidFill>
-                        <a:schemeClr val="accent4">
-                          <a:lumMod val="40000"/>
-                          <a:lumOff val="60000"/>
-                        </a:schemeClr>
-                      </a:solidFill>
-                      <a:prstDash val="solid"/>
-                      <a:round/>
-                      <a:headEnd type="none" w="med" len="med"/>
-                      <a:tailEnd type="none" w="med" len="med"/>
-                    </a:lnT>
-                    <a:lnB w="12700" cap="flat" cmpd="sng" algn="ctr">
-                      <a:solidFill>
-                        <a:schemeClr val="accent4">
-                          <a:lumMod val="40000"/>
-                          <a:lumOff val="60000"/>
-                        </a:schemeClr>
-                      </a:solidFill>
-                      <a:prstDash val="solid"/>
-                      <a:round/>
-                      <a:headEnd type="none" w="med" len="med"/>
-                      <a:tailEnd type="none" w="med" len="med"/>
-                    </a:lnB>
-                  </a:tcPr>
-                </a:tc>
-                <a:tc>
-                  <a:txBody>
-                    <a:bodyPr/>
-                    <a:lstStyle/>
-                    <a:p>
-                      <a:r>
-                        <a:rPr lang="fr-FR" sz="1600" dirty="0"/>
-                        <a:t>Chloé HENRY</a:t>
-                      </a:r>
-                    </a:p>
-                  </a:txBody>
-                  <a:tcPr>
-                    <a:lnL w="12700" cap="flat" cmpd="sng" algn="ctr">
-                      <a:solidFill>
-                        <a:schemeClr val="accent4">
-                          <a:lumMod val="40000"/>
-                          <a:lumOff val="60000"/>
-                        </a:schemeClr>
-                      </a:solidFill>
-                      <a:prstDash val="solid"/>
-                      <a:round/>
-                      <a:headEnd type="none" w="med" len="med"/>
-                      <a:tailEnd type="none" w="med" len="med"/>
-                    </a:lnL>
-                    <a:lnR w="12700" cap="flat" cmpd="sng" algn="ctr">
-                      <a:solidFill>
-                        <a:schemeClr val="accent4">
-                          <a:lumMod val="40000"/>
-                          <a:lumOff val="60000"/>
-                        </a:schemeClr>
-                      </a:solidFill>
-                      <a:prstDash val="solid"/>
-                      <a:round/>
-                      <a:headEnd type="none" w="med" len="med"/>
-                      <a:tailEnd type="none" w="med" len="med"/>
-                    </a:lnR>
-                    <a:lnT w="12700" cap="flat" cmpd="sng" algn="ctr">
-                      <a:solidFill>
-                        <a:schemeClr val="accent4">
-                          <a:lumMod val="40000"/>
-                          <a:lumOff val="60000"/>
-                        </a:schemeClr>
-                      </a:solidFill>
-                      <a:prstDash val="solid"/>
-                      <a:round/>
-                      <a:headEnd type="none" w="med" len="med"/>
-                      <a:tailEnd type="none" w="med" len="med"/>
-                    </a:lnT>
-                    <a:lnB w="12700" cap="flat" cmpd="sng" algn="ctr">
-                      <a:solidFill>
-                        <a:schemeClr val="accent4">
-                          <a:lumMod val="40000"/>
-                          <a:lumOff val="60000"/>
-                        </a:schemeClr>
-                      </a:solidFill>
-                      <a:prstDash val="solid"/>
-                      <a:round/>
-                      <a:headEnd type="none" w="med" len="med"/>
-                      <a:tailEnd type="none" w="med" len="med"/>
-                    </a:lnB>
-                  </a:tcPr>
-                </a:tc>
-                <a:tc>
-                  <a:txBody>
-                    <a:bodyPr/>
-                    <a:lstStyle/>
-                    <a:p>
-                      <a:r>
-                        <a:rPr lang="fr-FR" sz="1600" dirty="0"/>
-                        <a:t>Quentin AVRAIN</a:t>
-                      </a:r>
-                    </a:p>
-                  </a:txBody>
-                  <a:tcPr>
-                    <a:lnL w="12700" cap="flat" cmpd="sng" algn="ctr">
-                      <a:solidFill>
-                        <a:schemeClr val="accent4">
-                          <a:lumMod val="40000"/>
-                          <a:lumOff val="60000"/>
-                        </a:schemeClr>
-                      </a:solidFill>
-                      <a:prstDash val="solid"/>
-                      <a:round/>
-                      <a:headEnd type="none" w="med" len="med"/>
-                      <a:tailEnd type="none" w="med" len="med"/>
-                    </a:lnL>
-                    <a:lnR w="12700" cap="flat" cmpd="sng" algn="ctr">
-                      <a:solidFill>
-                        <a:schemeClr val="accent4">
-                          <a:lumMod val="40000"/>
-                          <a:lumOff val="60000"/>
-                        </a:schemeClr>
-                      </a:solidFill>
-                      <a:prstDash val="solid"/>
-                      <a:round/>
-                      <a:headEnd type="none" w="med" len="med"/>
-                      <a:tailEnd type="none" w="med" len="med"/>
-                    </a:lnR>
-                    <a:lnT w="12700" cap="flat" cmpd="sng" algn="ctr">
-                      <a:solidFill>
-                        <a:schemeClr val="accent4">
-                          <a:lumMod val="40000"/>
-                          <a:lumOff val="60000"/>
-                        </a:schemeClr>
-                      </a:solidFill>
-                      <a:prstDash val="solid"/>
-                      <a:round/>
-                      <a:headEnd type="none" w="med" len="med"/>
-                      <a:tailEnd type="none" w="med" len="med"/>
-                    </a:lnT>
-                    <a:lnB w="12700" cap="flat" cmpd="sng" algn="ctr">
-                      <a:solidFill>
-                        <a:schemeClr val="accent4">
-                          <a:lumMod val="40000"/>
-                          <a:lumOff val="60000"/>
-                        </a:schemeClr>
-                      </a:solidFill>
-                      <a:prstDash val="solid"/>
-                      <a:round/>
-                      <a:headEnd type="none" w="med" len="med"/>
-                      <a:tailEnd type="none" w="med" len="med"/>
-                    </a:lnB>
-                  </a:tcPr>
-                </a:tc>
-                <a:extLst>
-                  <a:ext uri="{0D108BD9-81ED-4DB2-BD59-A6C34878D82A}">
-                    <a16:rowId xmlns:a16="http://schemas.microsoft.com/office/drawing/2014/main" val="10000"/>
-                  </a:ext>
-                </a:extLst>
-              </a:tr>
-              <a:tr h="370840">
-                <a:tc>
-                  <a:txBody>
-                    <a:bodyPr/>
-                    <a:lstStyle/>
-                    <a:p>
-                      <a:r>
-                        <a:rPr lang="fr-FR" sz="1600" dirty="0"/>
-                        <a:t>Création du site</a:t>
-                      </a:r>
-                    </a:p>
-                  </a:txBody>
-                  <a:tcPr>
-                    <a:lnL w="12700" cap="flat" cmpd="sng" algn="ctr">
-                      <a:solidFill>
-                        <a:schemeClr val="accent4">
-                          <a:lumMod val="40000"/>
-                          <a:lumOff val="60000"/>
-                        </a:schemeClr>
-                      </a:solidFill>
-                      <a:prstDash val="solid"/>
-                      <a:round/>
-                      <a:headEnd type="none" w="med" len="med"/>
-                      <a:tailEnd type="none" w="med" len="med"/>
-                    </a:lnL>
-                    <a:lnR w="12700" cap="flat" cmpd="sng" algn="ctr">
-                      <a:solidFill>
-                        <a:schemeClr val="accent4">
-                          <a:lumMod val="40000"/>
-                          <a:lumOff val="60000"/>
-                        </a:schemeClr>
-                      </a:solidFill>
-                      <a:prstDash val="solid"/>
-                      <a:round/>
-                      <a:headEnd type="none" w="med" len="med"/>
-                      <a:tailEnd type="none" w="med" len="med"/>
-                    </a:lnR>
-                    <a:lnT w="12700" cap="flat" cmpd="sng" algn="ctr">
-                      <a:solidFill>
-                        <a:schemeClr val="accent4">
-                          <a:lumMod val="40000"/>
-                          <a:lumOff val="60000"/>
-                        </a:schemeClr>
-                      </a:solidFill>
-                      <a:prstDash val="solid"/>
-                      <a:round/>
-                      <a:headEnd type="none" w="med" len="med"/>
-                      <a:tailEnd type="none" w="med" len="med"/>
-                    </a:lnT>
-                    <a:lnB w="12700" cap="flat" cmpd="sng" algn="ctr">
-                      <a:solidFill>
-                        <a:schemeClr val="accent4">
-                          <a:lumMod val="40000"/>
-                          <a:lumOff val="60000"/>
-                        </a:schemeClr>
-                      </a:solidFill>
-                      <a:prstDash val="solid"/>
-                      <a:round/>
-                      <a:headEnd type="none" w="med" len="med"/>
-                      <a:tailEnd type="none" w="med" len="med"/>
-                    </a:lnB>
-                  </a:tcPr>
-                </a:tc>
-                <a:tc gridSpan="4">
-                  <a:txBody>
-                    <a:bodyPr/>
-                    <a:lstStyle/>
-                    <a:p>
-                      <a:pPr algn="ctr"/>
-                      <a:r>
-                        <a:rPr lang="fr-FR" sz="1600" dirty="0"/>
-                        <a:t>(prévu)</a:t>
-                      </a:r>
-                      <a:r>
-                        <a:rPr lang="fr-FR" sz="1600" baseline="0" dirty="0"/>
-                        <a:t> : code</a:t>
-                      </a:r>
-                      <a:endParaRPr lang="fr-FR" sz="1600" dirty="0"/>
-                    </a:p>
-                  </a:txBody>
-                  <a:tcPr anchor="ctr">
-                    <a:lnL w="12700" cap="flat" cmpd="sng" algn="ctr">
-                      <a:solidFill>
-                        <a:schemeClr val="accent4">
-                          <a:lumMod val="40000"/>
-                          <a:lumOff val="60000"/>
-                        </a:schemeClr>
-                      </a:solidFill>
-                      <a:prstDash val="solid"/>
-                      <a:round/>
-                      <a:headEnd type="none" w="med" len="med"/>
-                      <a:tailEnd type="none" w="med" len="med"/>
-                    </a:lnL>
-                    <a:lnR w="12700" cap="flat" cmpd="sng" algn="ctr">
-                      <a:solidFill>
-                        <a:schemeClr val="accent4">
-                          <a:lumMod val="40000"/>
-                          <a:lumOff val="60000"/>
-                        </a:schemeClr>
-                      </a:solidFill>
-                      <a:prstDash val="solid"/>
-                      <a:round/>
-                      <a:headEnd type="none" w="med" len="med"/>
-                      <a:tailEnd type="none" w="med" len="med"/>
-                    </a:lnR>
-                    <a:lnT w="12700" cap="flat" cmpd="sng" algn="ctr">
-                      <a:solidFill>
-                        <a:schemeClr val="accent4">
-                          <a:lumMod val="40000"/>
-                          <a:lumOff val="60000"/>
-                        </a:schemeClr>
-                      </a:solidFill>
-                      <a:prstDash val="solid"/>
-                      <a:round/>
-                      <a:headEnd type="none" w="med" len="med"/>
-                      <a:tailEnd type="none" w="med" len="med"/>
-                    </a:lnT>
-                    <a:lnB w="12700" cap="flat" cmpd="sng" algn="ctr">
-                      <a:solidFill>
-                        <a:schemeClr val="accent4">
-                          <a:lumMod val="40000"/>
-                          <a:lumOff val="60000"/>
-                        </a:schemeClr>
-                      </a:solidFill>
-                      <a:prstDash val="solid"/>
-                      <a:round/>
-                      <a:headEnd type="none" w="med" len="med"/>
-                      <a:tailEnd type="none" w="med" len="med"/>
-                    </a:lnB>
-                  </a:tcPr>
-                </a:tc>
-                <a:tc hMerge="1">
-                  <a:txBody>
-                    <a:bodyPr/>
-                    <a:lstStyle/>
-                    <a:p>
-                      <a:pPr marL="0" marR="0" lvl="0" indent="0" algn="l" defTabSz="457200" rtl="0" eaLnBrk="1" fontAlgn="auto" latinLnBrk="0" hangingPunct="1">
-                        <a:lnSpc>
-                          <a:spcPct val="100000"/>
-                        </a:lnSpc>
-                        <a:spcBef>
-                          <a:spcPts val="0"/>
-                        </a:spcBef>
-                        <a:spcAft>
-                          <a:spcPts val="0"/>
-                        </a:spcAft>
-                        <a:buClrTx/>
-                        <a:buSzTx/>
-                        <a:buFontTx/>
-                        <a:buNone/>
-                        <a:tabLst/>
-                        <a:defRPr/>
-                      </a:pPr>
-                      <a:endParaRPr lang="fr-FR" sz="1600" dirty="0"/>
-                    </a:p>
-                  </a:txBody>
-                  <a:tcPr/>
-                </a:tc>
-                <a:tc hMerge="1">
-                  <a:txBody>
-                    <a:bodyPr/>
-                    <a:lstStyle/>
-                    <a:p>
-                      <a:pPr marL="0" marR="0" lvl="0" indent="0" algn="l" defTabSz="457200" rtl="0" eaLnBrk="1" fontAlgn="auto" latinLnBrk="0" hangingPunct="1">
-                        <a:lnSpc>
-                          <a:spcPct val="100000"/>
-                        </a:lnSpc>
-                        <a:spcBef>
-                          <a:spcPts val="0"/>
-                        </a:spcBef>
-                        <a:spcAft>
-                          <a:spcPts val="0"/>
-                        </a:spcAft>
-                        <a:buClrTx/>
-                        <a:buSzTx/>
-                        <a:buFontTx/>
-                        <a:buNone/>
-                        <a:tabLst/>
-                        <a:defRPr/>
-                      </a:pPr>
-                      <a:endParaRPr lang="fr-FR" sz="1600" dirty="0"/>
-                    </a:p>
-                  </a:txBody>
-                  <a:tcPr/>
-                </a:tc>
-                <a:tc hMerge="1">
-                  <a:txBody>
-                    <a:bodyPr/>
-                    <a:lstStyle/>
-                    <a:p>
-                      <a:pPr marL="0" marR="0" lvl="0" indent="0" algn="l" defTabSz="457200" rtl="0" eaLnBrk="1" fontAlgn="auto" latinLnBrk="0" hangingPunct="1">
-                        <a:lnSpc>
-                          <a:spcPct val="100000"/>
-                        </a:lnSpc>
-                        <a:spcBef>
-                          <a:spcPts val="0"/>
-                        </a:spcBef>
-                        <a:spcAft>
-                          <a:spcPts val="0"/>
-                        </a:spcAft>
-                        <a:buClrTx/>
-                        <a:buSzTx/>
-                        <a:buFontTx/>
-                        <a:buNone/>
-                        <a:tabLst/>
-                        <a:defRPr/>
-                      </a:pPr>
-                      <a:endParaRPr lang="fr-FR" sz="1600" dirty="0"/>
-                    </a:p>
-                  </a:txBody>
-                  <a:tcPr/>
-                </a:tc>
-                <a:extLst>
-                  <a:ext uri="{0D108BD9-81ED-4DB2-BD59-A6C34878D82A}">
-                    <a16:rowId xmlns:a16="http://schemas.microsoft.com/office/drawing/2014/main" val="2208591341"/>
-                  </a:ext>
-                </a:extLst>
-              </a:tr>
-              <a:tr h="370840">
-                <a:tc>
-                  <a:txBody>
-                    <a:bodyPr/>
-                    <a:lstStyle/>
-                    <a:p>
-                      <a:endParaRPr lang="fr-FR" sz="1600" dirty="0"/>
-                    </a:p>
-                  </a:txBody>
-                  <a:tcPr>
-                    <a:lnL w="12700" cap="flat" cmpd="sng" algn="ctr">
-                      <a:solidFill>
-                        <a:schemeClr val="accent4">
-                          <a:lumMod val="40000"/>
-                          <a:lumOff val="60000"/>
-                        </a:schemeClr>
-                      </a:solidFill>
-                      <a:prstDash val="solid"/>
-                      <a:round/>
-                      <a:headEnd type="none" w="med" len="med"/>
-                      <a:tailEnd type="none" w="med" len="med"/>
-                    </a:lnL>
-                    <a:lnR w="12700" cap="flat" cmpd="sng" algn="ctr">
-                      <a:solidFill>
-                        <a:schemeClr val="accent4">
-                          <a:lumMod val="40000"/>
-                          <a:lumOff val="60000"/>
-                        </a:schemeClr>
-                      </a:solidFill>
-                      <a:prstDash val="solid"/>
-                      <a:round/>
-                      <a:headEnd type="none" w="med" len="med"/>
-                      <a:tailEnd type="none" w="med" len="med"/>
-                    </a:lnR>
-                    <a:lnT w="12700" cap="flat" cmpd="sng" algn="ctr">
-                      <a:solidFill>
-                        <a:schemeClr val="accent4">
-                          <a:lumMod val="40000"/>
-                          <a:lumOff val="60000"/>
-                        </a:schemeClr>
-                      </a:solidFill>
-                      <a:prstDash val="solid"/>
-                      <a:round/>
-                      <a:headEnd type="none" w="med" len="med"/>
-                      <a:tailEnd type="none" w="med" len="med"/>
-                    </a:lnT>
-                    <a:lnB w="12700" cap="flat" cmpd="sng" algn="ctr">
-                      <a:solidFill>
-                        <a:schemeClr val="accent4">
-                          <a:lumMod val="40000"/>
-                          <a:lumOff val="60000"/>
-                        </a:schemeClr>
-                      </a:solidFill>
-                      <a:prstDash val="solid"/>
-                      <a:round/>
-                      <a:headEnd type="none" w="med" len="med"/>
-                      <a:tailEnd type="none" w="med" len="med"/>
-                    </a:lnB>
-                  </a:tcPr>
-                </a:tc>
-                <a:tc gridSpan="4">
-                  <a:txBody>
-                    <a:bodyPr/>
-                    <a:lstStyle/>
-                    <a:p>
-                      <a:pPr algn="ctr"/>
-                      <a:r>
-                        <a:rPr lang="fr-FR" sz="1600" dirty="0"/>
-                        <a:t>Maquette</a:t>
-                      </a:r>
-                    </a:p>
-                  </a:txBody>
-                  <a:tcPr anchor="ctr">
-                    <a:lnL w="12700" cap="flat" cmpd="sng" algn="ctr">
-                      <a:solidFill>
-                        <a:schemeClr val="accent4">
-                          <a:lumMod val="40000"/>
-                          <a:lumOff val="60000"/>
-                        </a:schemeClr>
-                      </a:solidFill>
-                      <a:prstDash val="solid"/>
-                      <a:round/>
-                      <a:headEnd type="none" w="med" len="med"/>
-                      <a:tailEnd type="none" w="med" len="med"/>
-                    </a:lnL>
-                    <a:lnR w="12700" cap="flat" cmpd="sng" algn="ctr">
-                      <a:solidFill>
-                        <a:schemeClr val="accent4">
-                          <a:lumMod val="40000"/>
-                          <a:lumOff val="60000"/>
-                        </a:schemeClr>
-                      </a:solidFill>
-                      <a:prstDash val="solid"/>
-                      <a:round/>
-                      <a:headEnd type="none" w="med" len="med"/>
-                      <a:tailEnd type="none" w="med" len="med"/>
-                    </a:lnR>
-                    <a:lnT w="12700" cap="flat" cmpd="sng" algn="ctr">
-                      <a:solidFill>
-                        <a:schemeClr val="accent4">
-                          <a:lumMod val="40000"/>
-                          <a:lumOff val="60000"/>
-                        </a:schemeClr>
-                      </a:solidFill>
-                      <a:prstDash val="solid"/>
-                      <a:round/>
-                      <a:headEnd type="none" w="med" len="med"/>
-                      <a:tailEnd type="none" w="med" len="med"/>
-                    </a:lnT>
-                    <a:lnB w="12700" cap="flat" cmpd="sng" algn="ctr">
-                      <a:solidFill>
-                        <a:schemeClr val="accent4">
-                          <a:lumMod val="40000"/>
-                          <a:lumOff val="60000"/>
-                        </a:schemeClr>
-                      </a:solidFill>
-                      <a:prstDash val="solid"/>
-                      <a:round/>
-                      <a:headEnd type="none" w="med" len="med"/>
-                      <a:tailEnd type="none" w="med" len="med"/>
-                    </a:lnB>
-                  </a:tcPr>
-                </a:tc>
-                <a:tc hMerge="1">
-                  <a:txBody>
-                    <a:bodyPr/>
-                    <a:lstStyle/>
-                    <a:p>
-                      <a:pPr algn="ctr"/>
-                      <a:endParaRPr lang="fr-FR" sz="1600" dirty="0"/>
-                    </a:p>
-                  </a:txBody>
-                  <a:tcPr anchor="ctr"/>
-                </a:tc>
-                <a:tc hMerge="1">
-                  <a:txBody>
-                    <a:bodyPr/>
-                    <a:lstStyle/>
-                    <a:p>
-                      <a:pPr algn="ctr"/>
-                      <a:endParaRPr lang="fr-FR" sz="1600" dirty="0"/>
-                    </a:p>
-                  </a:txBody>
-                  <a:tcPr anchor="ctr"/>
-                </a:tc>
-                <a:tc hMerge="1">
-                  <a:txBody>
-                    <a:bodyPr/>
-                    <a:lstStyle/>
-                    <a:p>
-                      <a:pPr algn="ctr"/>
-                      <a:endParaRPr lang="fr-FR" sz="1600" dirty="0"/>
-                    </a:p>
-                  </a:txBody>
-                  <a:tcPr anchor="ctr"/>
-                </a:tc>
-                <a:extLst>
-                  <a:ext uri="{0D108BD9-81ED-4DB2-BD59-A6C34878D82A}">
-                    <a16:rowId xmlns:a16="http://schemas.microsoft.com/office/drawing/2014/main" val="1942722107"/>
-                  </a:ext>
-                </a:extLst>
-              </a:tr>
-              <a:tr h="370840">
-                <a:tc>
-                  <a:txBody>
-                    <a:bodyPr/>
-                    <a:lstStyle/>
-                    <a:p>
-                      <a:endParaRPr lang="fr-FR" sz="1600" dirty="0"/>
-                    </a:p>
-                  </a:txBody>
-                  <a:tcPr>
-                    <a:lnL w="12700" cap="flat" cmpd="sng" algn="ctr">
-                      <a:solidFill>
-                        <a:schemeClr val="accent4">
-                          <a:lumMod val="40000"/>
-                          <a:lumOff val="60000"/>
-                        </a:schemeClr>
-                      </a:solidFill>
-                      <a:prstDash val="solid"/>
-                      <a:round/>
-                      <a:headEnd type="none" w="med" len="med"/>
-                      <a:tailEnd type="none" w="med" len="med"/>
-                    </a:lnL>
-                    <a:lnR w="12700" cap="flat" cmpd="sng" algn="ctr">
-                      <a:solidFill>
-                        <a:schemeClr val="accent4">
-                          <a:lumMod val="40000"/>
-                          <a:lumOff val="60000"/>
-                        </a:schemeClr>
-                      </a:solidFill>
-                      <a:prstDash val="solid"/>
-                      <a:round/>
-                      <a:headEnd type="none" w="med" len="med"/>
-                      <a:tailEnd type="none" w="med" len="med"/>
-                    </a:lnR>
-                    <a:lnT w="12700" cap="flat" cmpd="sng" algn="ctr">
-                      <a:solidFill>
-                        <a:schemeClr val="accent4">
-                          <a:lumMod val="40000"/>
-                          <a:lumOff val="60000"/>
-                        </a:schemeClr>
-                      </a:solidFill>
-                      <a:prstDash val="solid"/>
-                      <a:round/>
-                      <a:headEnd type="none" w="med" len="med"/>
-                      <a:tailEnd type="none" w="med" len="med"/>
-                    </a:lnT>
-                    <a:lnB w="12700" cap="flat" cmpd="sng" algn="ctr">
-                      <a:solidFill>
-                        <a:schemeClr val="accent4">
-                          <a:lumMod val="40000"/>
-                          <a:lumOff val="60000"/>
-                        </a:schemeClr>
-                      </a:solidFill>
-                      <a:prstDash val="solid"/>
-                      <a:round/>
-                      <a:headEnd type="none" w="med" len="med"/>
-                      <a:tailEnd type="none" w="med" len="med"/>
-                    </a:lnB>
-                  </a:tcPr>
-                </a:tc>
-                <a:tc>
-                  <a:txBody>
-                    <a:bodyPr/>
-                    <a:lstStyle/>
-                    <a:p>
-                      <a:pPr marL="0" marR="0" lvl="0" indent="0" algn="l" defTabSz="457200" rtl="0" eaLnBrk="1" fontAlgn="auto" latinLnBrk="0" hangingPunct="1">
-                        <a:lnSpc>
-                          <a:spcPct val="100000"/>
-                        </a:lnSpc>
-                        <a:spcBef>
-                          <a:spcPts val="0"/>
-                        </a:spcBef>
-                        <a:spcAft>
-                          <a:spcPts val="0"/>
-                        </a:spcAft>
-                        <a:buClrTx/>
-                        <a:buSzTx/>
-                        <a:buFontTx/>
-                        <a:buNone/>
-                        <a:tabLst/>
-                        <a:defRPr/>
-                      </a:pPr>
-                      <a:r>
-                        <a:rPr lang="fr-FR" sz="1800" dirty="0" err="1"/>
-                        <a:t>Arboressence</a:t>
-                      </a:r>
-                      <a:endParaRPr lang="fr-FR" sz="1800" dirty="0"/>
-                    </a:p>
-                    <a:p>
-                      <a:endParaRPr lang="fr-FR" dirty="0"/>
-                    </a:p>
-                  </a:txBody>
-                  <a:tcPr anchor="ctr">
-                    <a:lnL w="12700" cap="flat" cmpd="sng" algn="ctr">
-                      <a:solidFill>
-                        <a:schemeClr val="accent4">
-                          <a:lumMod val="40000"/>
-                          <a:lumOff val="60000"/>
-                        </a:schemeClr>
-                      </a:solidFill>
-                      <a:prstDash val="solid"/>
-                      <a:round/>
-                      <a:headEnd type="none" w="med" len="med"/>
-                      <a:tailEnd type="none" w="med" len="med"/>
-                    </a:lnL>
-                    <a:lnR w="12700" cap="flat" cmpd="sng" algn="ctr">
-                      <a:solidFill>
-                        <a:schemeClr val="accent4">
-                          <a:lumMod val="40000"/>
-                          <a:lumOff val="60000"/>
-                        </a:schemeClr>
-                      </a:solidFill>
-                      <a:prstDash val="solid"/>
-                      <a:round/>
-                      <a:headEnd type="none" w="med" len="med"/>
-                      <a:tailEnd type="none" w="med" len="med"/>
-                    </a:lnR>
-                    <a:lnT w="12700" cap="flat" cmpd="sng" algn="ctr">
-                      <a:solidFill>
-                        <a:schemeClr val="accent4">
-                          <a:lumMod val="40000"/>
-                          <a:lumOff val="60000"/>
-                        </a:schemeClr>
-                      </a:solidFill>
-                      <a:prstDash val="solid"/>
-                      <a:round/>
-                      <a:headEnd type="none" w="med" len="med"/>
-                      <a:tailEnd type="none" w="med" len="med"/>
-                    </a:lnT>
-                    <a:lnB w="12700" cap="flat" cmpd="sng" algn="ctr">
-                      <a:solidFill>
-                        <a:schemeClr val="accent4">
-                          <a:lumMod val="40000"/>
-                          <a:lumOff val="60000"/>
-                        </a:schemeClr>
-                      </a:solidFill>
-                      <a:prstDash val="solid"/>
-                      <a:round/>
-                      <a:headEnd type="none" w="med" len="med"/>
-                      <a:tailEnd type="none" w="med" len="med"/>
-                    </a:lnB>
-                  </a:tcPr>
-                </a:tc>
-                <a:tc>
-                  <a:txBody>
-                    <a:bodyPr/>
-                    <a:lstStyle/>
-                    <a:p>
-                      <a:endParaRPr lang="fr-FR" dirty="0"/>
-                    </a:p>
-                  </a:txBody>
-                  <a:tcPr>
-                    <a:lnL w="12700" cap="flat" cmpd="sng" algn="ctr">
-                      <a:solidFill>
-                        <a:schemeClr val="accent4">
-                          <a:lumMod val="40000"/>
-                          <a:lumOff val="60000"/>
-                        </a:schemeClr>
-                      </a:solidFill>
-                      <a:prstDash val="solid"/>
-                      <a:round/>
-                      <a:headEnd type="none" w="med" len="med"/>
-                      <a:tailEnd type="none" w="med" len="med"/>
-                    </a:lnL>
-                    <a:lnR w="12700" cap="flat" cmpd="sng" algn="ctr">
-                      <a:solidFill>
-                        <a:schemeClr val="accent4">
-                          <a:lumMod val="40000"/>
-                          <a:lumOff val="60000"/>
-                        </a:schemeClr>
-                      </a:solidFill>
-                      <a:prstDash val="solid"/>
-                      <a:round/>
-                      <a:headEnd type="none" w="med" len="med"/>
-                      <a:tailEnd type="none" w="med" len="med"/>
-                    </a:lnR>
-                    <a:lnT w="12700" cap="flat" cmpd="sng" algn="ctr">
-                      <a:solidFill>
-                        <a:schemeClr val="accent4">
-                          <a:lumMod val="40000"/>
-                          <a:lumOff val="60000"/>
-                        </a:schemeClr>
-                      </a:solidFill>
-                      <a:prstDash val="solid"/>
-                      <a:round/>
-                      <a:headEnd type="none" w="med" len="med"/>
-                      <a:tailEnd type="none" w="med" len="med"/>
-                    </a:lnT>
-                    <a:lnB w="12700" cap="flat" cmpd="sng" algn="ctr">
-                      <a:solidFill>
-                        <a:schemeClr val="accent4">
-                          <a:lumMod val="40000"/>
-                          <a:lumOff val="60000"/>
-                        </a:schemeClr>
-                      </a:solidFill>
-                      <a:prstDash val="solid"/>
-                      <a:round/>
-                      <a:headEnd type="none" w="med" len="med"/>
-                      <a:tailEnd type="none" w="med" len="med"/>
-                    </a:lnB>
-                  </a:tcPr>
-                </a:tc>
-                <a:tc>
-                  <a:txBody>
-                    <a:bodyPr/>
-                    <a:lstStyle/>
-                    <a:p>
-                      <a:endParaRPr lang="fr-FR"/>
-                    </a:p>
-                  </a:txBody>
-                  <a:tcPr>
-                    <a:lnL w="12700" cap="flat" cmpd="sng" algn="ctr">
-                      <a:solidFill>
-                        <a:schemeClr val="accent4">
-                          <a:lumMod val="40000"/>
-                          <a:lumOff val="60000"/>
-                        </a:schemeClr>
-                      </a:solidFill>
-                      <a:prstDash val="solid"/>
-                      <a:round/>
-                      <a:headEnd type="none" w="med" len="med"/>
-                      <a:tailEnd type="none" w="med" len="med"/>
-                    </a:lnL>
-                    <a:lnR w="12700" cap="flat" cmpd="sng" algn="ctr">
-                      <a:solidFill>
-                        <a:schemeClr val="accent4">
-                          <a:lumMod val="40000"/>
-                          <a:lumOff val="60000"/>
-                        </a:schemeClr>
-                      </a:solidFill>
-                      <a:prstDash val="solid"/>
-                      <a:round/>
-                      <a:headEnd type="none" w="med" len="med"/>
-                      <a:tailEnd type="none" w="med" len="med"/>
-                    </a:lnR>
-                    <a:lnT w="12700" cap="flat" cmpd="sng" algn="ctr">
-                      <a:solidFill>
-                        <a:schemeClr val="accent4">
-                          <a:lumMod val="40000"/>
-                          <a:lumOff val="60000"/>
-                        </a:schemeClr>
-                      </a:solidFill>
-                      <a:prstDash val="solid"/>
-                      <a:round/>
-                      <a:headEnd type="none" w="med" len="med"/>
-                      <a:tailEnd type="none" w="med" len="med"/>
-                    </a:lnT>
-                    <a:lnB w="12700" cap="flat" cmpd="sng" algn="ctr">
-                      <a:solidFill>
-                        <a:schemeClr val="accent4">
-                          <a:lumMod val="40000"/>
-                          <a:lumOff val="60000"/>
-                        </a:schemeClr>
-                      </a:solidFill>
-                      <a:prstDash val="solid"/>
-                      <a:round/>
-                      <a:headEnd type="none" w="med" len="med"/>
-                      <a:tailEnd type="none" w="med" len="med"/>
-                    </a:lnB>
-                  </a:tcPr>
-                </a:tc>
-                <a:tc>
-                  <a:txBody>
-                    <a:bodyPr/>
-                    <a:lstStyle/>
-                    <a:p>
-                      <a:endParaRPr lang="fr-FR" dirty="0"/>
-                    </a:p>
-                  </a:txBody>
-                  <a:tcPr>
-                    <a:lnL w="12700" cap="flat" cmpd="sng" algn="ctr">
-                      <a:solidFill>
-                        <a:schemeClr val="accent4">
-                          <a:lumMod val="40000"/>
-                          <a:lumOff val="60000"/>
-                        </a:schemeClr>
-                      </a:solidFill>
-                      <a:prstDash val="solid"/>
-                      <a:round/>
-                      <a:headEnd type="none" w="med" len="med"/>
-                      <a:tailEnd type="none" w="med" len="med"/>
-                    </a:lnL>
-                    <a:lnR w="12700" cap="flat" cmpd="sng" algn="ctr">
-                      <a:solidFill>
-                        <a:schemeClr val="accent4">
-                          <a:lumMod val="40000"/>
-                          <a:lumOff val="60000"/>
-                        </a:schemeClr>
-                      </a:solidFill>
-                      <a:prstDash val="solid"/>
-                      <a:round/>
-                      <a:headEnd type="none" w="med" len="med"/>
-                      <a:tailEnd type="none" w="med" len="med"/>
-                    </a:lnR>
-                    <a:lnT w="12700" cap="flat" cmpd="sng" algn="ctr">
-                      <a:solidFill>
-                        <a:schemeClr val="accent4">
-                          <a:lumMod val="40000"/>
-                          <a:lumOff val="60000"/>
-                        </a:schemeClr>
-                      </a:solidFill>
-                      <a:prstDash val="solid"/>
-                      <a:round/>
-                      <a:headEnd type="none" w="med" len="med"/>
-                      <a:tailEnd type="none" w="med" len="med"/>
-                    </a:lnT>
-                    <a:lnB w="12700" cap="flat" cmpd="sng" algn="ctr">
-                      <a:solidFill>
-                        <a:schemeClr val="accent4">
-                          <a:lumMod val="40000"/>
-                          <a:lumOff val="60000"/>
-                        </a:schemeClr>
-                      </a:solidFill>
-                      <a:prstDash val="solid"/>
-                      <a:round/>
-                      <a:headEnd type="none" w="med" len="med"/>
-                      <a:tailEnd type="none" w="med" len="med"/>
-                    </a:lnB>
-                  </a:tcPr>
-                </a:tc>
-                <a:extLst>
-                  <a:ext uri="{0D108BD9-81ED-4DB2-BD59-A6C34878D82A}">
-                    <a16:rowId xmlns:a16="http://schemas.microsoft.com/office/drawing/2014/main" val="10001"/>
-                  </a:ext>
-                </a:extLst>
-              </a:tr>
-              <a:tr h="370840">
-                <a:tc>
-                  <a:txBody>
-                    <a:bodyPr/>
-                    <a:lstStyle/>
-                    <a:p>
-                      <a:endParaRPr lang="fr-FR" sz="1600" dirty="0"/>
-                    </a:p>
-                  </a:txBody>
-                  <a:tcPr>
-                    <a:lnL w="12700" cap="flat" cmpd="sng" algn="ctr">
-                      <a:solidFill>
-                        <a:schemeClr val="accent4">
-                          <a:lumMod val="40000"/>
-                          <a:lumOff val="60000"/>
-                        </a:schemeClr>
-                      </a:solidFill>
-                      <a:prstDash val="solid"/>
-                      <a:round/>
-                      <a:headEnd type="none" w="med" len="med"/>
-                      <a:tailEnd type="none" w="med" len="med"/>
-                    </a:lnL>
-                    <a:lnR w="12700" cap="flat" cmpd="sng" algn="ctr">
-                      <a:solidFill>
-                        <a:schemeClr val="accent4">
-                          <a:lumMod val="40000"/>
-                          <a:lumOff val="60000"/>
-                        </a:schemeClr>
-                      </a:solidFill>
-                      <a:prstDash val="solid"/>
-                      <a:round/>
-                      <a:headEnd type="none" w="med" len="med"/>
-                      <a:tailEnd type="none" w="med" len="med"/>
-                    </a:lnR>
-                    <a:lnT w="12700" cap="flat" cmpd="sng" algn="ctr">
-                      <a:solidFill>
-                        <a:schemeClr val="accent4">
-                          <a:lumMod val="40000"/>
-                          <a:lumOff val="60000"/>
-                        </a:schemeClr>
-                      </a:solidFill>
-                      <a:prstDash val="solid"/>
-                      <a:round/>
-                      <a:headEnd type="none" w="med" len="med"/>
-                      <a:tailEnd type="none" w="med" len="med"/>
-                    </a:lnT>
-                    <a:lnB w="12700" cap="flat" cmpd="sng" algn="ctr">
-                      <a:solidFill>
-                        <a:schemeClr val="accent4">
-                          <a:lumMod val="40000"/>
-                          <a:lumOff val="60000"/>
-                        </a:schemeClr>
-                      </a:solidFill>
-                      <a:prstDash val="solid"/>
-                      <a:round/>
-                      <a:headEnd type="none" w="med" len="med"/>
-                      <a:tailEnd type="none" w="med" len="med"/>
-                    </a:lnB>
-                  </a:tcPr>
-                </a:tc>
-                <a:tc>
-                  <a:txBody>
-                    <a:bodyPr/>
-                    <a:lstStyle/>
-                    <a:p>
-                      <a:pPr marL="0" marR="0" lvl="0" indent="0" algn="l" defTabSz="457200" rtl="0" eaLnBrk="1" fontAlgn="auto" latinLnBrk="0" hangingPunct="1">
-                        <a:lnSpc>
-                          <a:spcPct val="100000"/>
-                        </a:lnSpc>
-                        <a:spcBef>
-                          <a:spcPts val="0"/>
-                        </a:spcBef>
-                        <a:spcAft>
-                          <a:spcPts val="0"/>
-                        </a:spcAft>
-                        <a:buClrTx/>
-                        <a:buSzTx/>
-                        <a:buFontTx/>
-                        <a:buNone/>
-                        <a:tabLst/>
-                        <a:defRPr/>
-                      </a:pPr>
-                      <a:endParaRPr lang="fr-FR" sz="1600" dirty="0"/>
-                    </a:p>
-                  </a:txBody>
-                  <a:tcPr>
-                    <a:lnL w="12700" cap="flat" cmpd="sng" algn="ctr">
-                      <a:solidFill>
-                        <a:schemeClr val="accent4">
-                          <a:lumMod val="40000"/>
-                          <a:lumOff val="60000"/>
-                        </a:schemeClr>
-                      </a:solidFill>
-                      <a:prstDash val="solid"/>
-                      <a:round/>
-                      <a:headEnd type="none" w="med" len="med"/>
-                      <a:tailEnd type="none" w="med" len="med"/>
-                    </a:lnL>
-                    <a:lnR w="12700" cap="flat" cmpd="sng" algn="ctr">
-                      <a:solidFill>
-                        <a:schemeClr val="accent4">
-                          <a:lumMod val="40000"/>
-                          <a:lumOff val="60000"/>
-                        </a:schemeClr>
-                      </a:solidFill>
-                      <a:prstDash val="solid"/>
-                      <a:round/>
-                      <a:headEnd type="none" w="med" len="med"/>
-                      <a:tailEnd type="none" w="med" len="med"/>
-                    </a:lnR>
-                    <a:lnT w="12700" cap="flat" cmpd="sng" algn="ctr">
-                      <a:solidFill>
-                        <a:schemeClr val="accent4">
-                          <a:lumMod val="40000"/>
-                          <a:lumOff val="60000"/>
-                        </a:schemeClr>
-                      </a:solidFill>
-                      <a:prstDash val="solid"/>
-                      <a:round/>
-                      <a:headEnd type="none" w="med" len="med"/>
-                      <a:tailEnd type="none" w="med" len="med"/>
-                    </a:lnT>
-                    <a:lnB w="12700" cap="flat" cmpd="sng" algn="ctr">
-                      <a:solidFill>
-                        <a:schemeClr val="accent4">
-                          <a:lumMod val="40000"/>
-                          <a:lumOff val="60000"/>
-                        </a:schemeClr>
-                      </a:solidFill>
-                      <a:prstDash val="solid"/>
-                      <a:round/>
-                      <a:headEnd type="none" w="med" len="med"/>
-                      <a:tailEnd type="none" w="med" len="med"/>
-                    </a:lnB>
-                  </a:tcPr>
-                </a:tc>
-                <a:tc>
-                  <a:txBody>
-                    <a:bodyPr/>
-                    <a:lstStyle/>
-                    <a:p>
-                      <a:r>
-                        <a:rPr lang="fr-FR" sz="1600" dirty="0"/>
-                        <a:t>Structure HTML</a:t>
-                      </a:r>
-                    </a:p>
-                  </a:txBody>
-                  <a:tcPr>
-                    <a:lnL w="12700" cap="flat" cmpd="sng" algn="ctr">
-                      <a:solidFill>
-                        <a:schemeClr val="accent4">
-                          <a:lumMod val="40000"/>
-                          <a:lumOff val="60000"/>
-                        </a:schemeClr>
-                      </a:solidFill>
-                      <a:prstDash val="solid"/>
-                      <a:round/>
-                      <a:headEnd type="none" w="med" len="med"/>
-                      <a:tailEnd type="none" w="med" len="med"/>
-                    </a:lnL>
-                    <a:lnR w="12700" cap="flat" cmpd="sng" algn="ctr">
-                      <a:solidFill>
-                        <a:schemeClr val="accent4">
-                          <a:lumMod val="40000"/>
-                          <a:lumOff val="60000"/>
-                        </a:schemeClr>
-                      </a:solidFill>
-                      <a:prstDash val="solid"/>
-                      <a:round/>
-                      <a:headEnd type="none" w="med" len="med"/>
-                      <a:tailEnd type="none" w="med" len="med"/>
-                    </a:lnR>
-                    <a:lnT w="12700" cap="flat" cmpd="sng" algn="ctr">
-                      <a:solidFill>
-                        <a:schemeClr val="accent4">
-                          <a:lumMod val="40000"/>
-                          <a:lumOff val="60000"/>
-                        </a:schemeClr>
-                      </a:solidFill>
-                      <a:prstDash val="solid"/>
-                      <a:round/>
-                      <a:headEnd type="none" w="med" len="med"/>
-                      <a:tailEnd type="none" w="med" len="med"/>
-                    </a:lnT>
-                    <a:lnB w="12700" cap="flat" cmpd="sng" algn="ctr">
-                      <a:solidFill>
-                        <a:schemeClr val="accent4">
-                          <a:lumMod val="40000"/>
-                          <a:lumOff val="60000"/>
-                        </a:schemeClr>
-                      </a:solidFill>
-                      <a:prstDash val="solid"/>
-                      <a:round/>
-                      <a:headEnd type="none" w="med" len="med"/>
-                      <a:tailEnd type="none" w="med" len="med"/>
-                    </a:lnB>
-                  </a:tcPr>
-                </a:tc>
-                <a:tc>
-                  <a:txBody>
-                    <a:bodyPr/>
-                    <a:lstStyle/>
-                    <a:p>
-                      <a:endParaRPr lang="fr-FR" sz="1600" dirty="0"/>
-                    </a:p>
-                  </a:txBody>
-                  <a:tcPr>
-                    <a:lnL w="12700" cap="flat" cmpd="sng" algn="ctr">
-                      <a:solidFill>
-                        <a:schemeClr val="accent4">
-                          <a:lumMod val="40000"/>
-                          <a:lumOff val="60000"/>
-                        </a:schemeClr>
-                      </a:solidFill>
-                      <a:prstDash val="solid"/>
-                      <a:round/>
-                      <a:headEnd type="none" w="med" len="med"/>
-                      <a:tailEnd type="none" w="med" len="med"/>
-                    </a:lnL>
-                    <a:lnR w="12700" cap="flat" cmpd="sng" algn="ctr">
-                      <a:solidFill>
-                        <a:schemeClr val="accent4">
-                          <a:lumMod val="40000"/>
-                          <a:lumOff val="60000"/>
-                        </a:schemeClr>
-                      </a:solidFill>
-                      <a:prstDash val="solid"/>
-                      <a:round/>
-                      <a:headEnd type="none" w="med" len="med"/>
-                      <a:tailEnd type="none" w="med" len="med"/>
-                    </a:lnR>
-                    <a:lnT w="12700" cap="flat" cmpd="sng" algn="ctr">
-                      <a:solidFill>
-                        <a:schemeClr val="accent4">
-                          <a:lumMod val="40000"/>
-                          <a:lumOff val="60000"/>
-                        </a:schemeClr>
-                      </a:solidFill>
-                      <a:prstDash val="solid"/>
-                      <a:round/>
-                      <a:headEnd type="none" w="med" len="med"/>
-                      <a:tailEnd type="none" w="med" len="med"/>
-                    </a:lnT>
-                    <a:lnB w="12700" cap="flat" cmpd="sng" algn="ctr">
-                      <a:solidFill>
-                        <a:schemeClr val="accent4">
-                          <a:lumMod val="40000"/>
-                          <a:lumOff val="60000"/>
-                        </a:schemeClr>
-                      </a:solidFill>
-                      <a:prstDash val="solid"/>
-                      <a:round/>
-                      <a:headEnd type="none" w="med" len="med"/>
-                      <a:tailEnd type="none" w="med" len="med"/>
-                    </a:lnB>
-                  </a:tcPr>
-                </a:tc>
-                <a:tc>
-                  <a:txBody>
-                    <a:bodyPr/>
-                    <a:lstStyle/>
-                    <a:p>
-                      <a:r>
-                        <a:rPr lang="fr-FR" sz="1600" dirty="0"/>
-                        <a:t>Structure HTML</a:t>
-                      </a:r>
-                    </a:p>
-                  </a:txBody>
-                  <a:tcPr>
-                    <a:lnL w="12700" cap="flat" cmpd="sng" algn="ctr">
-                      <a:solidFill>
-                        <a:schemeClr val="accent4">
-                          <a:lumMod val="40000"/>
-                          <a:lumOff val="60000"/>
-                        </a:schemeClr>
-                      </a:solidFill>
-                      <a:prstDash val="solid"/>
-                      <a:round/>
-                      <a:headEnd type="none" w="med" len="med"/>
-                      <a:tailEnd type="none" w="med" len="med"/>
-                    </a:lnL>
-                    <a:lnR w="12700" cap="flat" cmpd="sng" algn="ctr">
-                      <a:solidFill>
-                        <a:schemeClr val="accent4">
-                          <a:lumMod val="40000"/>
-                          <a:lumOff val="60000"/>
-                        </a:schemeClr>
-                      </a:solidFill>
-                      <a:prstDash val="solid"/>
-                      <a:round/>
-                      <a:headEnd type="none" w="med" len="med"/>
-                      <a:tailEnd type="none" w="med" len="med"/>
-                    </a:lnR>
-                    <a:lnT w="12700" cap="flat" cmpd="sng" algn="ctr">
-                      <a:solidFill>
-                        <a:schemeClr val="accent4">
-                          <a:lumMod val="40000"/>
-                          <a:lumOff val="60000"/>
-                        </a:schemeClr>
-                      </a:solidFill>
-                      <a:prstDash val="solid"/>
-                      <a:round/>
-                      <a:headEnd type="none" w="med" len="med"/>
-                      <a:tailEnd type="none" w="med" len="med"/>
-                    </a:lnT>
-                    <a:lnB w="12700" cap="flat" cmpd="sng" algn="ctr">
-                      <a:solidFill>
-                        <a:schemeClr val="accent4">
-                          <a:lumMod val="40000"/>
-                          <a:lumOff val="60000"/>
-                        </a:schemeClr>
-                      </a:solidFill>
-                      <a:prstDash val="solid"/>
-                      <a:round/>
-                      <a:headEnd type="none" w="med" len="med"/>
-                      <a:tailEnd type="none" w="med" len="med"/>
-                    </a:lnB>
-                  </a:tcPr>
-                </a:tc>
-                <a:extLst>
-                  <a:ext uri="{0D108BD9-81ED-4DB2-BD59-A6C34878D82A}">
-                    <a16:rowId xmlns:a16="http://schemas.microsoft.com/office/drawing/2014/main" val="10002"/>
-                  </a:ext>
-                </a:extLst>
-              </a:tr>
-              <a:tr h="370840">
-                <a:tc>
-                  <a:txBody>
-                    <a:bodyPr/>
-                    <a:lstStyle/>
-                    <a:p>
-                      <a:endParaRPr lang="fr-FR" sz="1600" dirty="0"/>
-                    </a:p>
-                  </a:txBody>
-                  <a:tcPr>
-                    <a:lnL w="12700" cap="flat" cmpd="sng" algn="ctr">
-                      <a:solidFill>
-                        <a:schemeClr val="accent4">
-                          <a:lumMod val="40000"/>
-                          <a:lumOff val="60000"/>
-                        </a:schemeClr>
-                      </a:solidFill>
-                      <a:prstDash val="solid"/>
-                      <a:round/>
-                      <a:headEnd type="none" w="med" len="med"/>
-                      <a:tailEnd type="none" w="med" len="med"/>
-                    </a:lnL>
-                    <a:lnR w="12700" cap="flat" cmpd="sng" algn="ctr">
-                      <a:solidFill>
-                        <a:schemeClr val="accent4">
-                          <a:lumMod val="40000"/>
-                          <a:lumOff val="60000"/>
-                        </a:schemeClr>
-                      </a:solidFill>
-                      <a:prstDash val="solid"/>
-                      <a:round/>
-                      <a:headEnd type="none" w="med" len="med"/>
-                      <a:tailEnd type="none" w="med" len="med"/>
-                    </a:lnR>
-                    <a:lnT w="12700" cap="flat" cmpd="sng" algn="ctr">
-                      <a:solidFill>
-                        <a:schemeClr val="accent4">
-                          <a:lumMod val="40000"/>
-                          <a:lumOff val="60000"/>
-                        </a:schemeClr>
-                      </a:solidFill>
-                      <a:prstDash val="solid"/>
-                      <a:round/>
-                      <a:headEnd type="none" w="med" len="med"/>
-                      <a:tailEnd type="none" w="med" len="med"/>
-                    </a:lnT>
-                    <a:lnB w="12700" cap="flat" cmpd="sng" algn="ctr">
-                      <a:solidFill>
-                        <a:schemeClr val="accent4">
-                          <a:lumMod val="40000"/>
-                          <a:lumOff val="60000"/>
-                        </a:schemeClr>
-                      </a:solidFill>
-                      <a:prstDash val="solid"/>
-                      <a:round/>
-                      <a:headEnd type="none" w="med" len="med"/>
-                      <a:tailEnd type="none" w="med" len="med"/>
-                    </a:lnB>
-                  </a:tcPr>
-                </a:tc>
-                <a:tc>
-                  <a:txBody>
-                    <a:bodyPr/>
-                    <a:lstStyle/>
-                    <a:p>
-                      <a:endParaRPr lang="fr-FR" sz="1600" dirty="0"/>
-                    </a:p>
-                  </a:txBody>
-                  <a:tcPr>
-                    <a:lnL w="12700" cap="flat" cmpd="sng" algn="ctr">
-                      <a:solidFill>
-                        <a:schemeClr val="accent4">
-                          <a:lumMod val="40000"/>
-                          <a:lumOff val="60000"/>
-                        </a:schemeClr>
-                      </a:solidFill>
-                      <a:prstDash val="solid"/>
-                      <a:round/>
-                      <a:headEnd type="none" w="med" len="med"/>
-                      <a:tailEnd type="none" w="med" len="med"/>
-                    </a:lnL>
-                    <a:lnR w="12700" cap="flat" cmpd="sng" algn="ctr">
-                      <a:solidFill>
-                        <a:schemeClr val="accent4">
-                          <a:lumMod val="40000"/>
-                          <a:lumOff val="60000"/>
-                        </a:schemeClr>
-                      </a:solidFill>
-                      <a:prstDash val="solid"/>
-                      <a:round/>
-                      <a:headEnd type="none" w="med" len="med"/>
-                      <a:tailEnd type="none" w="med" len="med"/>
-                    </a:lnR>
-                    <a:lnT w="12700" cap="flat" cmpd="sng" algn="ctr">
-                      <a:solidFill>
-                        <a:schemeClr val="accent4">
-                          <a:lumMod val="40000"/>
-                          <a:lumOff val="60000"/>
-                        </a:schemeClr>
-                      </a:solidFill>
-                      <a:prstDash val="solid"/>
-                      <a:round/>
-                      <a:headEnd type="none" w="med" len="med"/>
-                      <a:tailEnd type="none" w="med" len="med"/>
-                    </a:lnT>
-                    <a:lnB w="12700" cap="flat" cmpd="sng" algn="ctr">
-                      <a:solidFill>
-                        <a:schemeClr val="accent4">
-                          <a:lumMod val="40000"/>
-                          <a:lumOff val="60000"/>
-                        </a:schemeClr>
-                      </a:solidFill>
-                      <a:prstDash val="solid"/>
-                      <a:round/>
-                      <a:headEnd type="none" w="med" len="med"/>
-                      <a:tailEnd type="none" w="med" len="med"/>
-                    </a:lnB>
-                  </a:tcPr>
-                </a:tc>
-                <a:tc>
-                  <a:txBody>
-                    <a:bodyPr/>
-                    <a:lstStyle/>
-                    <a:p>
-                      <a:pPr marL="0" marR="0" lvl="0" indent="0" algn="l" defTabSz="457200" rtl="0" eaLnBrk="1" fontAlgn="auto" latinLnBrk="0" hangingPunct="1">
-                        <a:lnSpc>
-                          <a:spcPct val="100000"/>
-                        </a:lnSpc>
-                        <a:spcBef>
-                          <a:spcPts val="0"/>
-                        </a:spcBef>
-                        <a:spcAft>
-                          <a:spcPts val="0"/>
-                        </a:spcAft>
-                        <a:buClrTx/>
-                        <a:buSzTx/>
-                        <a:buFontTx/>
-                        <a:buNone/>
-                        <a:tabLst/>
-                        <a:defRPr/>
-                      </a:pPr>
-                      <a:r>
-                        <a:rPr lang="fr-FR" sz="1600" dirty="0"/>
-                        <a:t>Charte et éléments graphiques</a:t>
-                      </a:r>
-                    </a:p>
-                  </a:txBody>
-                  <a:tcPr>
-                    <a:lnL w="12700" cap="flat" cmpd="sng" algn="ctr">
-                      <a:solidFill>
-                        <a:schemeClr val="accent4">
-                          <a:lumMod val="40000"/>
-                          <a:lumOff val="60000"/>
-                        </a:schemeClr>
-                      </a:solidFill>
-                      <a:prstDash val="solid"/>
-                      <a:round/>
-                      <a:headEnd type="none" w="med" len="med"/>
-                      <a:tailEnd type="none" w="med" len="med"/>
-                    </a:lnL>
-                    <a:lnR w="12700" cap="flat" cmpd="sng" algn="ctr">
-                      <a:solidFill>
-                        <a:schemeClr val="accent4">
-                          <a:lumMod val="40000"/>
-                          <a:lumOff val="60000"/>
-                        </a:schemeClr>
-                      </a:solidFill>
-                      <a:prstDash val="solid"/>
-                      <a:round/>
-                      <a:headEnd type="none" w="med" len="med"/>
-                      <a:tailEnd type="none" w="med" len="med"/>
-                    </a:lnR>
-                    <a:lnT w="12700" cap="flat" cmpd="sng" algn="ctr">
-                      <a:solidFill>
-                        <a:schemeClr val="accent4">
-                          <a:lumMod val="40000"/>
-                          <a:lumOff val="60000"/>
-                        </a:schemeClr>
-                      </a:solidFill>
-                      <a:prstDash val="solid"/>
-                      <a:round/>
-                      <a:headEnd type="none" w="med" len="med"/>
-                      <a:tailEnd type="none" w="med" len="med"/>
-                    </a:lnT>
-                    <a:lnB w="12700" cap="flat" cmpd="sng" algn="ctr">
-                      <a:solidFill>
-                        <a:schemeClr val="accent4">
-                          <a:lumMod val="40000"/>
-                          <a:lumOff val="60000"/>
-                        </a:schemeClr>
-                      </a:solidFill>
-                      <a:prstDash val="solid"/>
-                      <a:round/>
-                      <a:headEnd type="none" w="med" len="med"/>
-                      <a:tailEnd type="none" w="med" len="med"/>
-                    </a:lnB>
-                  </a:tcPr>
-                </a:tc>
-                <a:tc>
-                  <a:txBody>
-                    <a:bodyPr/>
-                    <a:lstStyle/>
-                    <a:p>
-                      <a:pPr marL="0" marR="0" lvl="0" indent="0" algn="l" defTabSz="457200" rtl="0" eaLnBrk="1" fontAlgn="auto" latinLnBrk="0" hangingPunct="1">
-                        <a:lnSpc>
-                          <a:spcPct val="100000"/>
-                        </a:lnSpc>
-                        <a:spcBef>
-                          <a:spcPts val="0"/>
-                        </a:spcBef>
-                        <a:spcAft>
-                          <a:spcPts val="0"/>
-                        </a:spcAft>
-                        <a:buClrTx/>
-                        <a:buSzTx/>
-                        <a:buFontTx/>
-                        <a:buNone/>
-                        <a:tabLst/>
-                        <a:defRPr/>
-                      </a:pPr>
-                      <a:endParaRPr lang="fr-FR" sz="1600" dirty="0"/>
-                    </a:p>
-                  </a:txBody>
-                  <a:tcPr>
-                    <a:lnL w="12700" cap="flat" cmpd="sng" algn="ctr">
-                      <a:solidFill>
-                        <a:schemeClr val="accent4">
-                          <a:lumMod val="40000"/>
-                          <a:lumOff val="60000"/>
-                        </a:schemeClr>
-                      </a:solidFill>
-                      <a:prstDash val="solid"/>
-                      <a:round/>
-                      <a:headEnd type="none" w="med" len="med"/>
-                      <a:tailEnd type="none" w="med" len="med"/>
-                    </a:lnL>
-                    <a:lnR w="12700" cap="flat" cmpd="sng" algn="ctr">
-                      <a:solidFill>
-                        <a:schemeClr val="accent4">
-                          <a:lumMod val="40000"/>
-                          <a:lumOff val="60000"/>
-                        </a:schemeClr>
-                      </a:solidFill>
-                      <a:prstDash val="solid"/>
-                      <a:round/>
-                      <a:headEnd type="none" w="med" len="med"/>
-                      <a:tailEnd type="none" w="med" len="med"/>
-                    </a:lnR>
-                    <a:lnT w="12700" cap="flat" cmpd="sng" algn="ctr">
-                      <a:solidFill>
-                        <a:schemeClr val="accent4">
-                          <a:lumMod val="40000"/>
-                          <a:lumOff val="60000"/>
-                        </a:schemeClr>
-                      </a:solidFill>
-                      <a:prstDash val="solid"/>
-                      <a:round/>
-                      <a:headEnd type="none" w="med" len="med"/>
-                      <a:tailEnd type="none" w="med" len="med"/>
-                    </a:lnT>
-                    <a:lnB w="12700" cap="flat" cmpd="sng" algn="ctr">
-                      <a:solidFill>
-                        <a:schemeClr val="accent4">
-                          <a:lumMod val="40000"/>
-                          <a:lumOff val="60000"/>
-                        </a:schemeClr>
-                      </a:solidFill>
-                      <a:prstDash val="solid"/>
-                      <a:round/>
-                      <a:headEnd type="none" w="med" len="med"/>
-                      <a:tailEnd type="none" w="med" len="med"/>
-                    </a:lnB>
-                  </a:tcPr>
-                </a:tc>
-                <a:tc>
-                  <a:txBody>
-                    <a:bodyPr/>
-                    <a:lstStyle/>
-                    <a:p>
-                      <a:pPr marL="0" marR="0" lvl="0" indent="0" algn="l" defTabSz="457200" rtl="0" eaLnBrk="1" fontAlgn="auto" latinLnBrk="0" hangingPunct="1">
-                        <a:lnSpc>
-                          <a:spcPct val="100000"/>
-                        </a:lnSpc>
-                        <a:spcBef>
-                          <a:spcPts val="0"/>
-                        </a:spcBef>
-                        <a:spcAft>
-                          <a:spcPts val="0"/>
-                        </a:spcAft>
-                        <a:buClrTx/>
-                        <a:buSzTx/>
-                        <a:buFontTx/>
-                        <a:buNone/>
-                        <a:tabLst/>
-                        <a:defRPr/>
-                      </a:pPr>
-                      <a:endParaRPr lang="fr-FR" sz="1600" dirty="0"/>
-                    </a:p>
-                  </a:txBody>
-                  <a:tcPr>
-                    <a:lnL w="12700" cap="flat" cmpd="sng" algn="ctr">
-                      <a:solidFill>
-                        <a:schemeClr val="accent4">
-                          <a:lumMod val="40000"/>
-                          <a:lumOff val="60000"/>
-                        </a:schemeClr>
-                      </a:solidFill>
-                      <a:prstDash val="solid"/>
-                      <a:round/>
-                      <a:headEnd type="none" w="med" len="med"/>
-                      <a:tailEnd type="none" w="med" len="med"/>
-                    </a:lnL>
-                    <a:lnR w="12700" cap="flat" cmpd="sng" algn="ctr">
-                      <a:solidFill>
-                        <a:schemeClr val="accent4">
-                          <a:lumMod val="40000"/>
-                          <a:lumOff val="60000"/>
-                        </a:schemeClr>
-                      </a:solidFill>
-                      <a:prstDash val="solid"/>
-                      <a:round/>
-                      <a:headEnd type="none" w="med" len="med"/>
-                      <a:tailEnd type="none" w="med" len="med"/>
-                    </a:lnR>
-                    <a:lnT w="12700" cap="flat" cmpd="sng" algn="ctr">
-                      <a:solidFill>
-                        <a:schemeClr val="accent4">
-                          <a:lumMod val="40000"/>
-                          <a:lumOff val="60000"/>
-                        </a:schemeClr>
-                      </a:solidFill>
-                      <a:prstDash val="solid"/>
-                      <a:round/>
-                      <a:headEnd type="none" w="med" len="med"/>
-                      <a:tailEnd type="none" w="med" len="med"/>
-                    </a:lnT>
-                    <a:lnB w="12700" cap="flat" cmpd="sng" algn="ctr">
-                      <a:solidFill>
-                        <a:schemeClr val="accent4">
-                          <a:lumMod val="40000"/>
-                          <a:lumOff val="60000"/>
-                        </a:schemeClr>
-                      </a:solidFill>
-                      <a:prstDash val="solid"/>
-                      <a:round/>
-                      <a:headEnd type="none" w="med" len="med"/>
-                      <a:tailEnd type="none" w="med" len="med"/>
-                    </a:lnB>
-                  </a:tcPr>
-                </a:tc>
-                <a:extLst>
-                  <a:ext uri="{0D108BD9-81ED-4DB2-BD59-A6C34878D82A}">
-                    <a16:rowId xmlns:a16="http://schemas.microsoft.com/office/drawing/2014/main" val="10003"/>
-                  </a:ext>
-                </a:extLst>
-              </a:tr>
-            </a:tbl>
-          </a:graphicData>
-        </a:graphic>
-      </p:graphicFrame>
-      <p:sp>
-        <p:nvSpPr>
-          <p:cNvPr id="7" name="Rectangle 6">
-            <a:extLst>
-              <a:ext uri="{FF2B5EF4-FFF2-40B4-BE49-F238E27FC236}">
-                <a16:creationId xmlns:a16="http://schemas.microsoft.com/office/drawing/2014/main" id="{39B26A85-07EA-45DC-8540-A49522CDABC9}"/>
-              </a:ext>
-            </a:extLst>
-          </p:cNvPr>
-          <p:cNvSpPr/>
-          <p:nvPr/>
-        </p:nvSpPr>
-        <p:spPr>
-          <a:xfrm>
-            <a:off x="10050463" y="4178618"/>
-            <a:ext cx="2211387" cy="352742"/>
-          </a:xfrm>
-          <a:prstGeom prst="rect">
-            <a:avLst/>
-          </a:prstGeom>
-          <a:noFill/>
-          <a:ln>
-            <a:solidFill>
-              <a:schemeClr val="accent3">
-                <a:lumMod val="40000"/>
-                <a:lumOff val="60000"/>
-              </a:schemeClr>
-            </a:solidFill>
-          </a:ln>
-        </p:spPr>
-        <p:style>
-          <a:lnRef idx="2">
-            <a:schemeClr val="accent1">
-              <a:shade val="50000"/>
-            </a:schemeClr>
-          </a:lnRef>
-          <a:fillRef idx="1">
-            <a:schemeClr val="accent1"/>
-          </a:fillRef>
-          <a:effectRef idx="0">
-            <a:schemeClr val="accent1"/>
-          </a:effectRef>
-          <a:fontRef idx="minor">
-            <a:schemeClr val="lt1"/>
-          </a:fontRef>
-        </p:style>
-        <p:txBody>
-          <a:bodyPr rtlCol="0" anchor="ctr"/>
-          <a:lstStyle/>
-          <a:p>
-            <a:pPr algn="ctr"/>
-            <a:endParaRPr lang="fr-FR"/>
-          </a:p>
-        </p:txBody>
-      </p:sp>
-      <p:sp>
-        <p:nvSpPr>
-          <p:cNvPr id="8" name="Rectangle 7">
-            <a:extLst>
-              <a:ext uri="{FF2B5EF4-FFF2-40B4-BE49-F238E27FC236}">
-                <a16:creationId xmlns:a16="http://schemas.microsoft.com/office/drawing/2014/main" id="{FA29DB6F-80F8-47C6-8CDC-72E5E9A60285}"/>
-              </a:ext>
-            </a:extLst>
-          </p:cNvPr>
-          <p:cNvSpPr/>
-          <p:nvPr/>
-        </p:nvSpPr>
-        <p:spPr>
-          <a:xfrm>
-            <a:off x="10085045" y="6029513"/>
-            <a:ext cx="2211387" cy="168087"/>
-          </a:xfrm>
-          <a:prstGeom prst="rect">
-            <a:avLst/>
-          </a:prstGeom>
-          <a:noFill/>
-          <a:ln>
-            <a:solidFill>
-              <a:schemeClr val="accent3">
-                <a:lumMod val="40000"/>
-                <a:lumOff val="60000"/>
-              </a:schemeClr>
-            </a:solidFill>
-          </a:ln>
-        </p:spPr>
-        <p:style>
-          <a:lnRef idx="2">
-            <a:schemeClr val="accent1">
-              <a:shade val="50000"/>
-            </a:schemeClr>
-          </a:lnRef>
-          <a:fillRef idx="1">
-            <a:schemeClr val="accent1"/>
-          </a:fillRef>
-          <a:effectRef idx="0">
-            <a:schemeClr val="accent1"/>
-          </a:effectRef>
-          <a:fontRef idx="minor">
-            <a:schemeClr val="lt1"/>
-          </a:fontRef>
-        </p:style>
-        <p:txBody>
-          <a:bodyPr rtlCol="0" anchor="ctr"/>
-          <a:lstStyle/>
-          <a:p>
-            <a:pPr algn="ctr"/>
-            <a:endParaRPr lang="fr-FR"/>
-          </a:p>
-        </p:txBody>
-      </p:sp>
-    </p:spTree>
-    <p:extLst>
-      <p:ext uri="{BB962C8B-B14F-4D97-AF65-F5344CB8AC3E}">
-        <p14:creationId xmlns:p14="http://schemas.microsoft.com/office/powerpoint/2010/main" val="2925713804"/>
-      </p:ext>
-    </p:extLst>
-  </p:cSld>
-  <p:clrMapOvr>
-    <a:masterClrMapping/>
-  </p:clrMapOvr>
-  <mc:AlternateContent xmlns:mc="http://schemas.openxmlformats.org/markup-compatibility/2006" xmlns:p14="http://schemas.microsoft.com/office/powerpoint/2010/main">
-    <mc:Choice Requires="p14">
-      <p:transition spd="slow">
-        <p14:prism isContent="1"/>
-      </p:transition>
-    </mc:Choice>
-    <mc:Fallback xmlns="">
-      <p:transition spd="slow">
-        <p:fade/>
-      </p:transition>
-    </mc:Fallback>
-  </mc:AlternateContent>
-  <p:timing>
-    <p:tnLst>
-      <p:par>
-        <p:cTn id="1" dur="indefinite" restart="never" nodeType="tmRoot">
-          <p:childTnLst>
-            <p:seq concurrent="1" nextAc="seek">
-              <p:cTn id="2" dur="indefinite" nodeType="mainSeq">
-                <p:childTnLst>
-                  <p:par>
-                    <p:cTn id="3" fill="hold">
-                      <p:stCondLst>
-                        <p:cond delay="indefinite"/>
-                        <p:cond evt="onBegin" delay="0">
-                          <p:tn val="2"/>
-                        </p:cond>
-                      </p:stCondLst>
-                      <p:childTnLst>
-                        <p:par>
-                          <p:cTn id="4" fill="hold">
-                            <p:stCondLst>
-                              <p:cond delay="0"/>
-                            </p:stCondLst>
-                            <p:childTnLst>
-                              <p:par>
-                                <p:cTn id="5" presetID="22" presetClass="entr" presetSubtype="8" fill="hold" grpId="0" nodeType="afterEffect">
-                                  <p:stCondLst>
-                                    <p:cond delay="0"/>
-                                  </p:stCondLst>
-                                  <p:childTnLst>
-                                    <p:set>
-                                      <p:cBhvr>
-                                        <p:cTn id="6" dur="1" fill="hold">
-                                          <p:stCondLst>
-                                            <p:cond delay="0"/>
-                                          </p:stCondLst>
-                                        </p:cTn>
-                                        <p:tgtEl>
-                                          <p:spTgt spid="7"/>
-                                        </p:tgtEl>
-                                        <p:attrNameLst>
-                                          <p:attrName>style.visibility</p:attrName>
-                                        </p:attrNameLst>
-                                      </p:cBhvr>
-                                      <p:to>
-                                        <p:strVal val="visible"/>
-                                      </p:to>
-                                    </p:set>
-                                    <p:animEffect transition="in" filter="wipe(left)">
-                                      <p:cBhvr>
-                                        <p:cTn id="7" dur="500"/>
-                                        <p:tgtEl>
-                                          <p:spTgt spid="7"/>
-                                        </p:tgtEl>
-                                      </p:cBhvr>
-                                    </p:animEffect>
-                                  </p:childTnLst>
-                                </p:cTn>
-                              </p:par>
-                            </p:childTnLst>
-                          </p:cTn>
-                        </p:par>
-                        <p:par>
-                          <p:cTn id="8" fill="hold">
-                            <p:stCondLst>
-                              <p:cond delay="500"/>
-                            </p:stCondLst>
-                            <p:childTnLst>
-                              <p:par>
-                                <p:cTn id="9" presetID="22" presetClass="entr" presetSubtype="8" fill="hold" grpId="0" nodeType="afterEffect">
-                                  <p:stCondLst>
-                                    <p:cond delay="0"/>
-                                  </p:stCondLst>
-                                  <p:childTnLst>
-                                    <p:set>
-                                      <p:cBhvr>
-                                        <p:cTn id="10" dur="1" fill="hold">
-                                          <p:stCondLst>
-                                            <p:cond delay="0"/>
-                                          </p:stCondLst>
-                                        </p:cTn>
-                                        <p:tgtEl>
-                                          <p:spTgt spid="8"/>
-                                        </p:tgtEl>
-                                        <p:attrNameLst>
-                                          <p:attrName>style.visibility</p:attrName>
-                                        </p:attrNameLst>
-                                      </p:cBhvr>
-                                      <p:to>
-                                        <p:strVal val="visible"/>
-                                      </p:to>
-                                    </p:set>
-                                    <p:animEffect transition="in" filter="wipe(left)">
-                                      <p:cBhvr>
-                                        <p:cTn id="11" dur="500"/>
-                                        <p:tgtEl>
-                                          <p:spTgt spid="8"/>
-                                        </p:tgtEl>
-                                      </p:cBhvr>
-                                    </p:animEffect>
-                                  </p:childTnLst>
-                                </p:cTn>
-                              </p:par>
-                            </p:childTnLst>
-                          </p:cTn>
-                        </p:par>
-                      </p:childTnLst>
-                    </p:cTn>
-                  </p:par>
-                </p:childTnLst>
-              </p:cTn>
-              <p:prevCondLst>
-                <p:cond evt="onPrev" delay="0">
-                  <p:tgtEl>
-                    <p:sldTgt/>
-                  </p:tgtEl>
-                </p:cond>
-              </p:prevCondLst>
-              <p:nextCondLst>
-                <p:cond evt="onNext" delay="0">
-                  <p:tgtEl>
-                    <p:sldTgt/>
-                  </p:tgtEl>
-                </p:cond>
-              </p:nextCondLst>
-            </p:seq>
-          </p:childTnLst>
-        </p:cTn>
-      </p:par>
-    </p:tnLst>
-    <p:bldLst>
-      <p:bldP spid="7" grpId="0" animBg="1"/>
-      <p:bldP spid="8" grpId="0" animBg="1"/>
-    </p:bldLst>
-  </p:timing>
-</p:sld>
-</file>
-
-<file path=ppt/slides/slide11.xml><?xml version="1.0" encoding="utf-8"?>
-<p:sld xmlns:a="http://schemas.openxmlformats.org/drawingml/2006/main" xmlns:r="http://schemas.openxmlformats.org/officeDocument/2006/relationships" xmlns:p="http://schemas.openxmlformats.org/presentationml/2006/main">
-  <p:cSld>
-    <p:spTree>
-      <p:nvGrpSpPr>
-        <p:cNvPr id="1" name=""/>
-        <p:cNvGrpSpPr/>
-        <p:nvPr/>
-      </p:nvGrpSpPr>
-      <p:grpSpPr>
-        <a:xfrm>
-          <a:off x="0" y="0"/>
-          <a:ext cx="0" cy="0"/>
-          <a:chOff x="0" y="0"/>
-          <a:chExt cx="0" cy="0"/>
-        </a:xfrm>
-      </p:grpSpPr>
-      <p:sp>
-        <p:nvSpPr>
-          <p:cNvPr id="2" name="Titre 1"/>
-          <p:cNvSpPr>
-            <a:spLocks noGrp="1"/>
-          </p:cNvSpPr>
-          <p:nvPr>
-            <p:ph type="title"/>
-          </p:nvPr>
-        </p:nvSpPr>
-        <p:spPr/>
-        <p:txBody>
-          <a:bodyPr/>
-          <a:lstStyle/>
-          <a:p>
-            <a:r>
-              <a:rPr lang="fr-FR" dirty="0"/>
-              <a:t>Organisation</a:t>
-            </a:r>
-          </a:p>
-        </p:txBody>
-      </p:sp>
-      <p:sp>
-        <p:nvSpPr>
-          <p:cNvPr id="6" name="Espace réservé du numéro de diapositive 5"/>
-          <p:cNvSpPr>
-            <a:spLocks noGrp="1"/>
-          </p:cNvSpPr>
-          <p:nvPr>
-            <p:ph type="sldNum" sz="quarter" idx="12"/>
-          </p:nvPr>
-        </p:nvSpPr>
-        <p:spPr/>
-        <p:txBody>
-          <a:bodyPr/>
-          <a:lstStyle/>
-          <a:p>
-            <a:fld id="{7BE797E4-F3FA-4BDF-9347-AB349281AA8F}" type="slidenum">
-              <a:rPr lang="fr-FR" smtClean="0"/>
-              <a:t>11</a:t>
-            </a:fld>
-            <a:endParaRPr lang="fr-FR"/>
-          </a:p>
-        </p:txBody>
-      </p:sp>
       <p:sp>
         <p:nvSpPr>
           <p:cNvPr id="7" name="Rectangle 6">
@@ -13818,7 +11556,7 @@
 </p:sld>
 </file>
 
-<file path=ppt/slides/slide12.xml><?xml version="1.0" encoding="utf-8"?>
+<file path=ppt/slides/slide11.xml><?xml version="1.0" encoding="utf-8"?>
 <p:sld xmlns:a="http://schemas.openxmlformats.org/drawingml/2006/main" xmlns:r="http://schemas.openxmlformats.org/officeDocument/2006/relationships" xmlns:p="http://schemas.openxmlformats.org/presentationml/2006/main">
   <p:cSld>
     <p:spTree>
@@ -13859,12 +11597,18 @@
       </p:sp>
       <p:sp>
         <p:nvSpPr>
-          <p:cNvPr id="3" name="Espace réservé du contenu 2"/>
+          <p:cNvPr id="4" name="Espace réservé du texte 3">
+            <a:extLst>
+              <a:ext uri="{FF2B5EF4-FFF2-40B4-BE49-F238E27FC236}">
+                <a16:creationId xmlns:a16="http://schemas.microsoft.com/office/drawing/2014/main" id="{59049994-70B5-4425-942F-0E4F32E8159E}"/>
+              </a:ext>
+            </a:extLst>
+          </p:cNvPr>
           <p:cNvSpPr>
             <a:spLocks noGrp="1"/>
           </p:cNvSpPr>
           <p:nvPr>
-            <p:ph idx="1"/>
+            <p:ph type="body" idx="1"/>
           </p:nvPr>
         </p:nvSpPr>
         <p:spPr/>
@@ -13893,7 +11637,7 @@
           <a:p>
             <a:fld id="{7BE797E4-F3FA-4BDF-9347-AB349281AA8F}" type="slidenum">
               <a:rPr lang="fr-FR" smtClean="0"/>
-              <a:t>12</a:t>
+              <a:t>11</a:t>
             </a:fld>
             <a:endParaRPr lang="fr-FR"/>
           </a:p>
@@ -15121,34 +12865,6 @@
       </p:sp>
       <p:sp>
         <p:nvSpPr>
-          <p:cNvPr id="3" name="Espace réservé du contenu 2"/>
-          <p:cNvSpPr>
-            <a:spLocks noGrp="1"/>
-          </p:cNvSpPr>
-          <p:nvPr>
-            <p:ph idx="1"/>
-          </p:nvPr>
-        </p:nvSpPr>
-        <p:spPr/>
-        <p:txBody>
-          <a:bodyPr>
-            <a:normAutofit/>
-          </a:bodyPr>
-          <a:lstStyle/>
-          <a:p>
-            <a:pPr>
-              <a:buFont typeface="Courier New" panose="02070309020205020404" pitchFamily="49" charset="0"/>
-              <a:buChar char="o"/>
-            </a:pPr>
-            <a:r>
-              <a:rPr lang="fr-FR" dirty="0"/>
-              <a:t>ARBORESCENCE</a:t>
-            </a:r>
-          </a:p>
-        </p:txBody>
-      </p:sp>
-      <p:sp>
-        <p:nvSpPr>
           <p:cNvPr id="5" name="Espace réservé du texte 4"/>
           <p:cNvSpPr>
             <a:spLocks noGrp="1"/>
@@ -15363,6 +13079,41 @@
           </a:p>
         </p:txBody>
       </p:sp>
+      <p:pic>
+        <p:nvPicPr>
+          <p:cNvPr id="11" name="Espace réservé du contenu 5">
+            <a:extLst>
+              <a:ext uri="{FF2B5EF4-FFF2-40B4-BE49-F238E27FC236}">
+                <a16:creationId xmlns:a16="http://schemas.microsoft.com/office/drawing/2014/main" id="{01198FC8-894D-4249-B000-AF2D5E029AD6}"/>
+              </a:ext>
+            </a:extLst>
+          </p:cNvPr>
+          <p:cNvPicPr>
+            <a:picLocks noGrp="1" noChangeAspect="1"/>
+          </p:cNvPicPr>
+          <p:nvPr>
+            <p:ph idx="1"/>
+          </p:nvPr>
+        </p:nvPicPr>
+        <p:blipFill>
+          <a:blip r:embed="rId2" cstate="print">
+            <a:extLst>
+              <a:ext uri="{28A0092B-C50C-407E-A947-70E740481C1C}">
+                <a14:useLocalDpi xmlns:a14="http://schemas.microsoft.com/office/drawing/2010/main" val="0"/>
+              </a:ext>
+            </a:extLst>
+          </a:blip>
+          <a:stretch>
+            <a:fillRect/>
+          </a:stretch>
+        </p:blipFill>
+        <p:spPr>
+          <a:xfrm>
+            <a:off x="4784725" y="2244811"/>
+            <a:ext cx="5195888" cy="2977978"/>
+          </a:xfrm>
+        </p:spPr>
+      </p:pic>
     </p:spTree>
     <p:extLst>
       <p:ext uri="{BB962C8B-B14F-4D97-AF65-F5344CB8AC3E}">
@@ -15541,35 +13292,52 @@
       </p:grpSpPr>
       <p:sp>
         <p:nvSpPr>
-          <p:cNvPr id="3" name="Espace réservé du contenu 2"/>
+          <p:cNvPr id="2" name="Titre 1"/>
           <p:cNvSpPr>
             <a:spLocks noGrp="1"/>
           </p:cNvSpPr>
           <p:nvPr>
-            <p:ph idx="1"/>
+            <p:ph type="title"/>
           </p:nvPr>
         </p:nvSpPr>
         <p:spPr/>
         <p:txBody>
-          <a:bodyPr>
-            <a:normAutofit/>
-          </a:bodyPr>
+          <a:bodyPr/>
           <a:lstStyle/>
           <a:p>
-            <a:pPr>
-              <a:buFont typeface="Courier New" panose="02070309020205020404" pitchFamily="49" charset="0"/>
-              <a:buChar char="o"/>
-            </a:pPr>
             <a:r>
               <a:rPr lang="fr-FR" dirty="0"/>
-              <a:t>SCREENS PAGES D’INFO</a:t>
+              <a:t>Choix graphiques et ergonomiques</a:t>
             </a:r>
           </a:p>
         </p:txBody>
       </p:sp>
       <p:sp>
         <p:nvSpPr>
-          <p:cNvPr id="8" name="Espace réservé du numéro de diapositive 7"/>
+          <p:cNvPr id="5" name="Espace réservé du texte 4"/>
+          <p:cNvSpPr>
+            <a:spLocks noGrp="1"/>
+          </p:cNvSpPr>
+          <p:nvPr>
+            <p:ph type="body" sz="half" idx="2"/>
+          </p:nvPr>
+        </p:nvSpPr>
+        <p:spPr/>
+        <p:txBody>
+          <a:bodyPr/>
+          <a:lstStyle/>
+          <a:p>
+            <a:pPr marL="285750" indent="-285750">
+              <a:buFont typeface="Courier New" panose="02070309020205020404" pitchFamily="49" charset="0"/>
+              <a:buChar char="o"/>
+            </a:pPr>
+            <a:endParaRPr lang="fr-FR" dirty="0"/>
+          </a:p>
+        </p:txBody>
+      </p:sp>
+      <p:sp>
+        <p:nvSpPr>
+          <p:cNvPr id="7" name="Espace réservé du numéro de diapositive 6"/>
           <p:cNvSpPr>
             <a:spLocks noGrp="1"/>
           </p:cNvSpPr>
@@ -15592,134 +13360,10 @@
       </p:sp>
       <p:sp>
         <p:nvSpPr>
-          <p:cNvPr id="14" name="Titre 1">
+          <p:cNvPr id="8" name="Rectangle 7">
             <a:extLst>
               <a:ext uri="{FF2B5EF4-FFF2-40B4-BE49-F238E27FC236}">
-                <a16:creationId xmlns:a16="http://schemas.microsoft.com/office/drawing/2014/main" id="{39DF0781-89A0-49E2-A592-023DCA0F23E5}"/>
-              </a:ext>
-            </a:extLst>
-          </p:cNvPr>
-          <p:cNvSpPr>
-            <a:spLocks noGrp="1"/>
-          </p:cNvSpPr>
-          <p:nvPr>
-            <p:ph type="title"/>
-          </p:nvPr>
-        </p:nvSpPr>
-        <p:spPr>
-          <a:xfrm>
-            <a:off x="1154953" y="338720"/>
-            <a:ext cx="3401064" cy="1447800"/>
-          </a:xfrm>
-        </p:spPr>
-        <p:txBody>
-          <a:bodyPr>
-            <a:normAutofit/>
-          </a:bodyPr>
-          <a:lstStyle/>
-          <a:p>
-            <a:r>
-              <a:rPr lang="fr-FR" dirty="0"/>
-              <a:t>Objectifs du site</a:t>
-            </a:r>
-          </a:p>
-        </p:txBody>
-      </p:sp>
-      <p:sp>
-        <p:nvSpPr>
-          <p:cNvPr id="15" name="Espace réservé du texte 4">
-            <a:extLst>
-              <a:ext uri="{FF2B5EF4-FFF2-40B4-BE49-F238E27FC236}">
-                <a16:creationId xmlns:a16="http://schemas.microsoft.com/office/drawing/2014/main" id="{97C7C96E-3DC1-4FEC-B3DD-F40AD229BD9B}"/>
-              </a:ext>
-            </a:extLst>
-          </p:cNvPr>
-          <p:cNvSpPr>
-            <a:spLocks noGrp="1"/>
-          </p:cNvSpPr>
-          <p:nvPr>
-            <p:ph type="body" sz="half" idx="2"/>
-          </p:nvPr>
-        </p:nvSpPr>
-        <p:spPr>
-          <a:xfrm>
-            <a:off x="1154953" y="2087671"/>
-            <a:ext cx="3401063" cy="3937208"/>
-          </a:xfrm>
-        </p:spPr>
-        <p:txBody>
-          <a:bodyPr>
-            <a:noAutofit/>
-          </a:bodyPr>
-          <a:lstStyle/>
-          <a:p>
-            <a:pPr>
-              <a:buFont typeface="Courier New" panose="02070309020205020404" pitchFamily="49" charset="0"/>
-              <a:buChar char="o"/>
-            </a:pPr>
-            <a:r>
-              <a:rPr lang="fr-FR" sz="1600" dirty="0"/>
-              <a:t>A quel point voudra (et pourra)-on que la technologie fasse partie de nous ?</a:t>
-            </a:r>
-          </a:p>
-          <a:p>
-            <a:pPr lvl="1">
-              <a:buFont typeface="Courier New" panose="02070309020205020404" pitchFamily="49" charset="0"/>
-              <a:buChar char="o"/>
-            </a:pPr>
-            <a:r>
-              <a:rPr lang="fr-FR" sz="1600" dirty="0"/>
-              <a:t>Pages d’informations de différents points de vues</a:t>
-            </a:r>
-          </a:p>
-          <a:p>
-            <a:pPr lvl="1">
-              <a:buFont typeface="Courier New" panose="02070309020205020404" pitchFamily="49" charset="0"/>
-              <a:buChar char="o"/>
-            </a:pPr>
-            <a:r>
-              <a:rPr lang="fr-FR" sz="1600" dirty="0"/>
-              <a:t>Pages de débat</a:t>
-            </a:r>
-          </a:p>
-          <a:p>
-            <a:pPr>
-              <a:buFont typeface="Courier New" panose="02070309020205020404" pitchFamily="49" charset="0"/>
-              <a:buChar char="o"/>
-            </a:pPr>
-            <a:r>
-              <a:rPr lang="fr-FR" sz="1600" dirty="0"/>
-              <a:t>Visée tout public</a:t>
-            </a:r>
-          </a:p>
-          <a:p>
-            <a:pPr lvl="1">
-              <a:buFont typeface="Courier New" panose="02070309020205020404" pitchFamily="49" charset="0"/>
-              <a:buChar char="o"/>
-            </a:pPr>
-            <a:r>
-              <a:rPr lang="fr-FR" sz="1600" dirty="0"/>
-              <a:t>Débat clair et explicatif, pas de termes/concepts trop complexes</a:t>
-            </a:r>
-          </a:p>
-          <a:p>
-            <a:pPr lvl="1">
-              <a:buFont typeface="Courier New" panose="02070309020205020404" pitchFamily="49" charset="0"/>
-              <a:buChar char="o"/>
-            </a:pPr>
-            <a:r>
-              <a:rPr lang="fr-FR" sz="1600" dirty="0"/>
-              <a:t>Affichage des sources pour les visiteurs plus informés</a:t>
-            </a:r>
-          </a:p>
-        </p:txBody>
-      </p:sp>
-      <p:sp>
-        <p:nvSpPr>
-          <p:cNvPr id="16" name="Rectangle 15">
-            <a:extLst>
-              <a:ext uri="{FF2B5EF4-FFF2-40B4-BE49-F238E27FC236}">
-                <a16:creationId xmlns:a16="http://schemas.microsoft.com/office/drawing/2014/main" id="{C1EBCB75-96A2-4883-95B5-9A1EF3C70C4A}"/>
+                <a16:creationId xmlns:a16="http://schemas.microsoft.com/office/drawing/2014/main" id="{A22BDCF9-FFCF-42B2-8C50-48AC6FF4E652}"/>
               </a:ext>
             </a:extLst>
           </p:cNvPr>
@@ -15728,7 +13372,7 @@
         </p:nvSpPr>
         <p:spPr>
           <a:xfrm>
-            <a:off x="10102532" y="3083112"/>
+            <a:off x="10102532" y="3260912"/>
             <a:ext cx="2211387" cy="168088"/>
           </a:xfrm>
           <a:prstGeom prst="rect">
@@ -15771,10 +13415,10 @@
       </p:sp>
       <p:sp>
         <p:nvSpPr>
-          <p:cNvPr id="17" name="Rectangle 16">
+          <p:cNvPr id="9" name="Rectangle 8">
             <a:extLst>
               <a:ext uri="{FF2B5EF4-FFF2-40B4-BE49-F238E27FC236}">
-                <a16:creationId xmlns:a16="http://schemas.microsoft.com/office/drawing/2014/main" id="{3883E5C6-FF23-4D96-8858-0E5E68ABD592}"/>
+                <a16:creationId xmlns:a16="http://schemas.microsoft.com/office/drawing/2014/main" id="{52077CB2-5EAF-4E00-AE07-FA8A367C2CC0}"/>
               </a:ext>
             </a:extLst>
           </p:cNvPr>
@@ -15783,7 +13427,7 @@
         </p:nvSpPr>
         <p:spPr>
           <a:xfrm>
-            <a:off x="10102532" y="5846633"/>
+            <a:off x="10102532" y="5480873"/>
             <a:ext cx="2211387" cy="168087"/>
           </a:xfrm>
           <a:prstGeom prst="rect">
@@ -15824,10 +13468,45 @@
           </a:p>
         </p:txBody>
       </p:sp>
+      <p:pic>
+        <p:nvPicPr>
+          <p:cNvPr id="12" name="Espace réservé du contenu 5" descr="Une image contenant capture d’écran&#10;&#10;Description générée automatiquement">
+            <a:extLst>
+              <a:ext uri="{FF2B5EF4-FFF2-40B4-BE49-F238E27FC236}">
+                <a16:creationId xmlns:a16="http://schemas.microsoft.com/office/drawing/2014/main" id="{4661C7F8-1DBD-40E2-AF36-809D77D5CE00}"/>
+              </a:ext>
+            </a:extLst>
+          </p:cNvPr>
+          <p:cNvPicPr>
+            <a:picLocks noGrp="1" noChangeAspect="1"/>
+          </p:cNvPicPr>
+          <p:nvPr>
+            <p:ph idx="1"/>
+          </p:nvPr>
+        </p:nvPicPr>
+        <p:blipFill rotWithShape="1">
+          <a:blip r:embed="rId2" cstate="print">
+            <a:extLst>
+              <a:ext uri="{28A0092B-C50C-407E-A947-70E740481C1C}">
+                <a14:useLocalDpi xmlns:a14="http://schemas.microsoft.com/office/drawing/2010/main" val="0"/>
+              </a:ext>
+            </a:extLst>
+          </a:blip>
+          <a:srcRect b="39667"/>
+          <a:stretch/>
+        </p:blipFill>
+        <p:spPr>
+          <a:xfrm>
+            <a:off x="4784725" y="1889339"/>
+            <a:ext cx="5195888" cy="3688922"/>
+          </a:xfrm>
+          <a:effectLst/>
+        </p:spPr>
+      </p:pic>
     </p:spTree>
     <p:extLst>
       <p:ext uri="{BB962C8B-B14F-4D97-AF65-F5344CB8AC3E}">
-        <p14:creationId xmlns:p14="http://schemas.microsoft.com/office/powerpoint/2010/main" val="2297482934"/>
+        <p14:creationId xmlns:p14="http://schemas.microsoft.com/office/powerpoint/2010/main" val="2833213299"/>
       </p:ext>
     </p:extLst>
   </p:cSld>
@@ -15883,7 +13562,7 @@
                                           </p:stCondLst>
                                         </p:cTn>
                                         <p:tgtEl>
-                                          <p:spTgt spid="16"/>
+                                          <p:spTgt spid="8"/>
                                         </p:tgtEl>
                                         <p:attrNameLst>
                                           <p:attrName>style.visibility</p:attrName>
@@ -15897,7 +13576,7 @@
                                       <p:cBhvr>
                                         <p:cTn id="7" dur="500"/>
                                         <p:tgtEl>
-                                          <p:spTgt spid="16"/>
+                                          <p:spTgt spid="8"/>
                                         </p:tgtEl>
                                       </p:cBhvr>
                                     </p:animEffect>
@@ -15927,7 +13606,7 @@
                                           </p:stCondLst>
                                         </p:cTn>
                                         <p:tgtEl>
-                                          <p:spTgt spid="17"/>
+                                          <p:spTgt spid="9"/>
                                         </p:tgtEl>
                                         <p:attrNameLst>
                                           <p:attrName>style.visibility</p:attrName>
@@ -15941,7 +13620,7 @@
                                       <p:cBhvr>
                                         <p:cTn id="11" dur="500"/>
                                         <p:tgtEl>
-                                          <p:spTgt spid="17"/>
+                                          <p:spTgt spid="9"/>
                                         </p:tgtEl>
                                       </p:cBhvr>
                                     </p:animEffect>
@@ -15976,8 +13655,8 @@
       </p:par>
     </p:tnLst>
     <p:bldLst>
-      <p:bldP spid="16" grpId="0" animBg="1"/>
-      <p:bldP spid="17" grpId="0" animBg="1"/>
+      <p:bldP spid="8" grpId="0" animBg="1"/>
+      <p:bldP spid="9" grpId="0" animBg="1"/>
     </p:bldLst>
   </p:timing>
 </p:sld>
@@ -16017,29 +13696,7 @@
           <a:p>
             <a:r>
               <a:rPr lang="fr-FR" dirty="0"/>
-              <a:t>Choix graphiques</a:t>
-            </a:r>
-          </a:p>
-        </p:txBody>
-      </p:sp>
-      <p:sp>
-        <p:nvSpPr>
-          <p:cNvPr id="4" name="Espace réservé du contenu 3"/>
-          <p:cNvSpPr>
-            <a:spLocks noGrp="1"/>
-          </p:cNvSpPr>
-          <p:nvPr>
-            <p:ph idx="1"/>
-          </p:nvPr>
-        </p:nvSpPr>
-        <p:spPr/>
-        <p:txBody>
-          <a:bodyPr/>
-          <a:lstStyle/>
-          <a:p>
-            <a:r>
-              <a:rPr lang="fr-FR" dirty="0"/>
-              <a:t>MAQUETTE</a:t>
+              <a:t>Choix graphiques et ergonomiques</a:t>
             </a:r>
           </a:p>
         </p:txBody>
@@ -16063,10 +13720,7 @@
               <a:buFont typeface="Courier New" panose="02070309020205020404" pitchFamily="49" charset="0"/>
               <a:buChar char="o"/>
             </a:pPr>
-            <a:r>
-              <a:rPr lang="fr-FR" dirty="0"/>
-              <a:t>Logo et images</a:t>
-            </a:r>
+            <a:endParaRPr lang="fr-FR" dirty="0"/>
           </a:p>
         </p:txBody>
       </p:sp>
@@ -16203,10 +13857,48 @@
           </a:p>
         </p:txBody>
       </p:sp>
+      <p:pic>
+        <p:nvPicPr>
+          <p:cNvPr id="10" name="Espace réservé du contenu 5" descr="Une image contenant capture d’écran&#10;&#10;Description générée automatiquement">
+            <a:extLst>
+              <a:ext uri="{FF2B5EF4-FFF2-40B4-BE49-F238E27FC236}">
+                <a16:creationId xmlns:a16="http://schemas.microsoft.com/office/drawing/2014/main" id="{4A09A80A-10A7-465E-BFE2-F9274482FD3E}"/>
+              </a:ext>
+            </a:extLst>
+          </p:cNvPr>
+          <p:cNvPicPr>
+            <a:picLocks noGrp="1" noChangeAspect="1"/>
+          </p:cNvPicPr>
+          <p:nvPr>
+            <p:ph idx="1"/>
+          </p:nvPr>
+        </p:nvPicPr>
+        <p:blipFill rotWithShape="1">
+          <a:blip r:embed="rId2" cstate="print">
+            <a:extLst>
+              <a:ext uri="{28A0092B-C50C-407E-A947-70E740481C1C}">
+                <a14:useLocalDpi xmlns:a14="http://schemas.microsoft.com/office/drawing/2010/main" val="0"/>
+              </a:ext>
+            </a:extLst>
+          </a:blip>
+          <a:srcRect l="-391" t="38511" r="391" b="1156"/>
+          <a:stretch/>
+        </p:blipFill>
+        <p:spPr>
+          <a:xfrm>
+            <a:off x="4784725" y="1889339"/>
+            <a:ext cx="5195888" cy="3688922"/>
+          </a:xfrm>
+          <a:prstGeom prst="rect">
+            <a:avLst/>
+          </a:prstGeom>
+          <a:effectLst/>
+        </p:spPr>
+      </p:pic>
     </p:spTree>
     <p:extLst>
       <p:ext uri="{BB962C8B-B14F-4D97-AF65-F5344CB8AC3E}">
-        <p14:creationId xmlns:p14="http://schemas.microsoft.com/office/powerpoint/2010/main" val="2833213299"/>
+        <p14:creationId xmlns:p14="http://schemas.microsoft.com/office/powerpoint/2010/main" val="2617379473"/>
       </p:ext>
     </p:extLst>
   </p:cSld>
@@ -16396,7 +14088,7 @@
           <a:p>
             <a:r>
               <a:rPr lang="fr-FR" dirty="0"/>
-              <a:t>Choix graphiques</a:t>
+              <a:t>Choix graphiques et ergonomiques</a:t>
             </a:r>
           </a:p>
         </p:txBody>
@@ -16420,10 +14112,7 @@
               <a:buFont typeface="Courier New" panose="02070309020205020404" pitchFamily="49" charset="0"/>
               <a:buChar char="o"/>
             </a:pPr>
-            <a:r>
-              <a:rPr lang="fr-FR" dirty="0"/>
-              <a:t>Couleurs et styles</a:t>
-            </a:r>
+            <a:endParaRPr lang="fr-FR" dirty="0"/>
           </a:p>
         </p:txBody>
       </p:sp>
@@ -16450,34 +14139,41 @@
           </a:p>
         </p:txBody>
       </p:sp>
-      <p:sp>
-        <p:nvSpPr>
-          <p:cNvPr id="4" name="Espace réservé du contenu 3">
+      <p:pic>
+        <p:nvPicPr>
+          <p:cNvPr id="6" name="Espace réservé du contenu 5" descr="Une image contenant capture d’écran&#10;&#10;Description générée automatiquement">
             <a:extLst>
               <a:ext uri="{FF2B5EF4-FFF2-40B4-BE49-F238E27FC236}">
-                <a16:creationId xmlns:a16="http://schemas.microsoft.com/office/drawing/2014/main" id="{CA640B79-49DF-42AD-87B9-309C2BCBF4E3}"/>
+                <a16:creationId xmlns:a16="http://schemas.microsoft.com/office/drawing/2014/main" id="{66B14D13-7A8D-4B56-BE2D-2D792873C48E}"/>
               </a:ext>
             </a:extLst>
           </p:cNvPr>
-          <p:cNvSpPr>
-            <a:spLocks noGrp="1"/>
-          </p:cNvSpPr>
+          <p:cNvPicPr>
+            <a:picLocks noGrp="1" noChangeAspect="1"/>
+          </p:cNvPicPr>
           <p:nvPr>
             <p:ph idx="1"/>
           </p:nvPr>
-        </p:nvSpPr>
-        <p:spPr/>
-        <p:txBody>
-          <a:bodyPr/>
-          <a:lstStyle/>
-          <a:p>
-            <a:r>
-              <a:rPr lang="fr-FR" dirty="0"/>
-              <a:t>maquette</a:t>
-            </a:r>
-          </a:p>
-        </p:txBody>
-      </p:sp>
+        </p:nvPicPr>
+        <p:blipFill rotWithShape="1">
+          <a:blip r:embed="rId3">
+            <a:extLst>
+              <a:ext uri="{28A0092B-C50C-407E-A947-70E740481C1C}">
+                <a14:useLocalDpi xmlns:a14="http://schemas.microsoft.com/office/drawing/2010/main" val="0"/>
+              </a:ext>
+            </a:extLst>
+          </a:blip>
+          <a:srcRect b="48111"/>
+          <a:stretch/>
+        </p:blipFill>
+        <p:spPr>
+          <a:xfrm>
+            <a:off x="4446872" y="1709420"/>
+            <a:ext cx="2211386" cy="3990482"/>
+          </a:xfrm>
+          <a:effectLst/>
+        </p:spPr>
+      </p:pic>
       <p:sp>
         <p:nvSpPr>
           <p:cNvPr id="10" name="Rectangle 9">
@@ -16588,6 +14284,42 @@
           </a:p>
         </p:txBody>
       </p:sp>
+      <p:pic>
+        <p:nvPicPr>
+          <p:cNvPr id="12" name="Espace réservé du contenu 5" descr="Une image contenant capture d’écran&#10;&#10;Description générée automatiquement">
+            <a:extLst>
+              <a:ext uri="{FF2B5EF4-FFF2-40B4-BE49-F238E27FC236}">
+                <a16:creationId xmlns:a16="http://schemas.microsoft.com/office/drawing/2014/main" id="{6DF3E9C0-E5D8-4FAA-BF71-DD4AFE1E154E}"/>
+              </a:ext>
+            </a:extLst>
+          </p:cNvPr>
+          <p:cNvPicPr>
+            <a:picLocks noChangeAspect="1"/>
+          </p:cNvPicPr>
+          <p:nvPr/>
+        </p:nvPicPr>
+        <p:blipFill rotWithShape="1">
+          <a:blip r:embed="rId3">
+            <a:extLst>
+              <a:ext uri="{28A0092B-C50C-407E-A947-70E740481C1C}">
+                <a14:useLocalDpi xmlns:a14="http://schemas.microsoft.com/office/drawing/2010/main" val="0"/>
+              </a:ext>
+            </a:extLst>
+          </a:blip>
+          <a:srcRect t="43333" b="4778"/>
+          <a:stretch/>
+        </p:blipFill>
+        <p:spPr>
+          <a:xfrm>
+            <a:off x="7186615" y="1709420"/>
+            <a:ext cx="2211386" cy="3990482"/>
+          </a:xfrm>
+          <a:prstGeom prst="rect">
+            <a:avLst/>
+          </a:prstGeom>
+          <a:effectLst/>
+        </p:spPr>
+      </p:pic>
     </p:spTree>
     <p:extLst>
       <p:ext uri="{BB962C8B-B14F-4D97-AF65-F5344CB8AC3E}">
@@ -16781,398 +14513,6 @@
           <a:p>
             <a:r>
               <a:rPr lang="fr-FR" dirty="0"/>
-              <a:t>Choix ergonomiques</a:t>
-            </a:r>
-          </a:p>
-        </p:txBody>
-      </p:sp>
-      <p:pic>
-        <p:nvPicPr>
-          <p:cNvPr id="6" name="Espace réservé du contenu 5">
-            <a:extLst>
-              <a:ext uri="{FF2B5EF4-FFF2-40B4-BE49-F238E27FC236}">
-                <a16:creationId xmlns:a16="http://schemas.microsoft.com/office/drawing/2014/main" id="{318F493E-C626-4683-92AA-A84FE9264BF6}"/>
-              </a:ext>
-            </a:extLst>
-          </p:cNvPr>
-          <p:cNvPicPr>
-            <a:picLocks noGrp="1" noChangeAspect="1"/>
-          </p:cNvPicPr>
-          <p:nvPr>
-            <p:ph idx="1"/>
-          </p:nvPr>
-        </p:nvPicPr>
-        <p:blipFill>
-          <a:blip r:embed="rId3" cstate="print">
-            <a:extLst>
-              <a:ext uri="{28A0092B-C50C-407E-A947-70E740481C1C}">
-                <a14:useLocalDpi xmlns:a14="http://schemas.microsoft.com/office/drawing/2010/main" val="0"/>
-              </a:ext>
-            </a:extLst>
-          </a:blip>
-          <a:stretch>
-            <a:fillRect/>
-          </a:stretch>
-        </p:blipFill>
-        <p:spPr>
-          <a:xfrm>
-            <a:off x="4784725" y="2244395"/>
-            <a:ext cx="5195888" cy="2978810"/>
-          </a:xfrm>
-        </p:spPr>
-      </p:pic>
-      <p:sp>
-        <p:nvSpPr>
-          <p:cNvPr id="5" name="Espace réservé du texte 4"/>
-          <p:cNvSpPr>
-            <a:spLocks noGrp="1"/>
-          </p:cNvSpPr>
-          <p:nvPr>
-            <p:ph type="body" sz="half" idx="2"/>
-          </p:nvPr>
-        </p:nvSpPr>
-        <p:spPr/>
-        <p:txBody>
-          <a:bodyPr/>
-          <a:lstStyle/>
-          <a:p>
-            <a:pPr marL="285750" indent="-285750">
-              <a:buFont typeface="Courier New" panose="02070309020205020404" pitchFamily="49" charset="0"/>
-              <a:buChar char="o"/>
-            </a:pPr>
-            <a:r>
-              <a:rPr lang="fr-FR" dirty="0"/>
-              <a:t>Navigation</a:t>
-            </a:r>
-          </a:p>
-        </p:txBody>
-      </p:sp>
-      <p:sp>
-        <p:nvSpPr>
-          <p:cNvPr id="8" name="Espace réservé du numéro de diapositive 7"/>
-          <p:cNvSpPr>
-            <a:spLocks noGrp="1"/>
-          </p:cNvSpPr>
-          <p:nvPr>
-            <p:ph type="sldNum" sz="quarter" idx="12"/>
-          </p:nvPr>
-        </p:nvSpPr>
-        <p:spPr/>
-        <p:txBody>
-          <a:bodyPr/>
-          <a:lstStyle/>
-          <a:p>
-            <a:fld id="{7BE797E4-F3FA-4BDF-9347-AB349281AA8F}" type="slidenum">
-              <a:rPr lang="fr-FR" smtClean="0"/>
-              <a:t>8</a:t>
-            </a:fld>
-            <a:endParaRPr lang="fr-FR"/>
-          </a:p>
-        </p:txBody>
-      </p:sp>
-      <p:sp>
-        <p:nvSpPr>
-          <p:cNvPr id="9" name="Rectangle 8">
-            <a:extLst>
-              <a:ext uri="{FF2B5EF4-FFF2-40B4-BE49-F238E27FC236}">
-                <a16:creationId xmlns:a16="http://schemas.microsoft.com/office/drawing/2014/main" id="{314AB811-3732-4054-99F8-FED0065CCB4D}"/>
-              </a:ext>
-            </a:extLst>
-          </p:cNvPr>
-          <p:cNvSpPr/>
-          <p:nvPr/>
-        </p:nvSpPr>
-        <p:spPr>
-          <a:xfrm>
-            <a:off x="10102532" y="3449320"/>
-            <a:ext cx="2211387" cy="168088"/>
-          </a:xfrm>
-          <a:prstGeom prst="rect">
-            <a:avLst/>
-          </a:prstGeom>
-          <a:noFill/>
-          <a:ln>
-            <a:solidFill>
-              <a:schemeClr val="accent3">
-                <a:lumMod val="40000"/>
-                <a:lumOff val="60000"/>
-              </a:schemeClr>
-            </a:solidFill>
-          </a:ln>
-        </p:spPr>
-        <p:style>
-          <a:lnRef idx="2">
-            <a:schemeClr val="accent1">
-              <a:shade val="50000"/>
-            </a:schemeClr>
-          </a:lnRef>
-          <a:fillRef idx="1">
-            <a:schemeClr val="accent1"/>
-          </a:fillRef>
-          <a:effectRef idx="0">
-            <a:schemeClr val="accent1"/>
-          </a:effectRef>
-          <a:fontRef idx="minor">
-            <a:schemeClr val="lt1"/>
-          </a:fontRef>
-        </p:style>
-        <p:txBody>
-          <a:bodyPr rtlCol="0" anchor="ctr"/>
-          <a:lstStyle/>
-          <a:p>
-            <a:pPr algn="ctr"/>
-            <a:endParaRPr lang="fr-FR"/>
-          </a:p>
-        </p:txBody>
-      </p:sp>
-      <p:sp>
-        <p:nvSpPr>
-          <p:cNvPr id="10" name="Rectangle 9">
-            <a:extLst>
-              <a:ext uri="{FF2B5EF4-FFF2-40B4-BE49-F238E27FC236}">
-                <a16:creationId xmlns:a16="http://schemas.microsoft.com/office/drawing/2014/main" id="{7BDC80F5-AE18-42BC-98CE-FDA5138A5A40}"/>
-              </a:ext>
-            </a:extLst>
-          </p:cNvPr>
-          <p:cNvSpPr/>
-          <p:nvPr/>
-        </p:nvSpPr>
-        <p:spPr>
-          <a:xfrm>
-            <a:off x="10102532" y="5480873"/>
-            <a:ext cx="2211387" cy="168087"/>
-          </a:xfrm>
-          <a:prstGeom prst="rect">
-            <a:avLst/>
-          </a:prstGeom>
-          <a:noFill/>
-          <a:ln>
-            <a:solidFill>
-              <a:schemeClr val="accent3">
-                <a:lumMod val="40000"/>
-                <a:lumOff val="60000"/>
-              </a:schemeClr>
-            </a:solidFill>
-          </a:ln>
-        </p:spPr>
-        <p:style>
-          <a:lnRef idx="2">
-            <a:schemeClr val="accent1">
-              <a:shade val="50000"/>
-            </a:schemeClr>
-          </a:lnRef>
-          <a:fillRef idx="1">
-            <a:schemeClr val="accent1"/>
-          </a:fillRef>
-          <a:effectRef idx="0">
-            <a:schemeClr val="accent1"/>
-          </a:effectRef>
-          <a:fontRef idx="minor">
-            <a:schemeClr val="lt1"/>
-          </a:fontRef>
-        </p:style>
-        <p:txBody>
-          <a:bodyPr rtlCol="0" anchor="ctr"/>
-          <a:lstStyle/>
-          <a:p>
-            <a:pPr algn="ctr"/>
-            <a:endParaRPr lang="fr-FR"/>
-          </a:p>
-        </p:txBody>
-      </p:sp>
-    </p:spTree>
-    <p:extLst>
-      <p:ext uri="{BB962C8B-B14F-4D97-AF65-F5344CB8AC3E}">
-        <p14:creationId xmlns:p14="http://schemas.microsoft.com/office/powerpoint/2010/main" val="3798550824"/>
-      </p:ext>
-    </p:extLst>
-  </p:cSld>
-  <p:clrMapOvr>
-    <a:masterClrMapping/>
-  </p:clrMapOvr>
-  <mc:AlternateContent xmlns:mc="http://schemas.openxmlformats.org/markup-compatibility/2006" xmlns:p14="http://schemas.microsoft.com/office/powerpoint/2010/main">
-    <mc:Choice Requires="p14">
-      <p:transition spd="slow">
-        <p14:prism isContent="1"/>
-      </p:transition>
-    </mc:Choice>
-    <mc:Fallback xmlns="">
-      <p:transition spd="slow">
-        <p:fade/>
-      </p:transition>
-    </mc:Fallback>
-  </mc:AlternateContent>
-  <p:timing>
-    <p:tnLst>
-      <p:par>
-        <p:cTn id="1" dur="indefinite" restart="never" nodeType="tmRoot">
-          <p:childTnLst>
-            <p:seq concurrent="1" nextAc="seek">
-              <p:cTn id="2" dur="indefinite" nodeType="mainSeq">
-                <p:childTnLst>
-                  <p:par>
-                    <p:cTn id="3" fill="hold">
-                      <p:stCondLst>
-                        <p:cond delay="indefinite"/>
-                        <p:cond evt="onBegin" delay="0">
-                          <p:tn val="2"/>
-                        </p:cond>
-                      </p:stCondLst>
-                      <p:childTnLst>
-                        <p:par>
-                          <p:cTn id="4" fill="hold">
-                            <p:stCondLst>
-                              <p:cond delay="0"/>
-                            </p:stCondLst>
-                            <p:childTnLst>
-                              <p:par>
-                                <p:cTn id="5" presetID="22" presetClass="entr" presetSubtype="8" fill="hold" grpId="0" nodeType="afterEffect">
-                                  <p:stCondLst>
-                                    <p:cond delay="0"/>
-                                  </p:stCondLst>
-                                  <p:childTnLst>
-                                    <p:set>
-                                      <p:cBhvr>
-                                        <p:cTn id="6" dur="1" fill="hold">
-                                          <p:stCondLst>
-                                            <p:cond delay="0"/>
-                                          </p:stCondLst>
-                                        </p:cTn>
-                                        <p:tgtEl>
-                                          <p:spTgt spid="9"/>
-                                        </p:tgtEl>
-                                        <p:attrNameLst>
-                                          <p:attrName>style.visibility</p:attrName>
-                                        </p:attrNameLst>
-                                      </p:cBhvr>
-                                      <p:to>
-                                        <p:strVal val="visible"/>
-                                      </p:to>
-                                    </p:set>
-                                    <p:animEffect transition="in" filter="wipe(left)">
-                                      <p:cBhvr>
-                                        <p:cTn id="7" dur="500"/>
-                                        <p:tgtEl>
-                                          <p:spTgt spid="9"/>
-                                        </p:tgtEl>
-                                      </p:cBhvr>
-                                    </p:animEffect>
-                                  </p:childTnLst>
-                                </p:cTn>
-                              </p:par>
-                            </p:childTnLst>
-                          </p:cTn>
-                        </p:par>
-                        <p:par>
-                          <p:cTn id="8" fill="hold">
-                            <p:stCondLst>
-                              <p:cond delay="500"/>
-                            </p:stCondLst>
-                            <p:childTnLst>
-                              <p:par>
-                                <p:cTn id="9" presetID="22" presetClass="entr" presetSubtype="8" fill="hold" grpId="0" nodeType="afterEffect">
-                                  <p:stCondLst>
-                                    <p:cond delay="0"/>
-                                  </p:stCondLst>
-                                  <p:childTnLst>
-                                    <p:set>
-                                      <p:cBhvr>
-                                        <p:cTn id="10" dur="1" fill="hold">
-                                          <p:stCondLst>
-                                            <p:cond delay="0"/>
-                                          </p:stCondLst>
-                                        </p:cTn>
-                                        <p:tgtEl>
-                                          <p:spTgt spid="10"/>
-                                        </p:tgtEl>
-                                        <p:attrNameLst>
-                                          <p:attrName>style.visibility</p:attrName>
-                                        </p:attrNameLst>
-                                      </p:cBhvr>
-                                      <p:to>
-                                        <p:strVal val="visible"/>
-                                      </p:to>
-                                    </p:set>
-                                    <p:animEffect transition="in" filter="wipe(left)">
-                                      <p:cBhvr>
-                                        <p:cTn id="11" dur="500"/>
-                                        <p:tgtEl>
-                                          <p:spTgt spid="10"/>
-                                        </p:tgtEl>
-                                      </p:cBhvr>
-                                    </p:animEffect>
-                                  </p:childTnLst>
-                                </p:cTn>
-                              </p:par>
-                            </p:childTnLst>
-                          </p:cTn>
-                        </p:par>
-                      </p:childTnLst>
-                    </p:cTn>
-                  </p:par>
-                </p:childTnLst>
-              </p:cTn>
-              <p:prevCondLst>
-                <p:cond evt="onPrev" delay="0">
-                  <p:tgtEl>
-                    <p:sldTgt/>
-                  </p:tgtEl>
-                </p:cond>
-              </p:prevCondLst>
-              <p:nextCondLst>
-                <p:cond evt="onNext" delay="0">
-                  <p:tgtEl>
-                    <p:sldTgt/>
-                  </p:tgtEl>
-                </p:cond>
-              </p:nextCondLst>
-            </p:seq>
-          </p:childTnLst>
-        </p:cTn>
-      </p:par>
-    </p:tnLst>
-    <p:bldLst>
-      <p:bldP spid="9" grpId="0" animBg="1"/>
-      <p:bldP spid="10" grpId="0" animBg="1"/>
-    </p:bldLst>
-  </p:timing>
-</p:sld>
-</file>
-
-<file path=ppt/slides/slide9.xml><?xml version="1.0" encoding="utf-8"?>
-<p:sld xmlns:a="http://schemas.openxmlformats.org/drawingml/2006/main" xmlns:r="http://schemas.openxmlformats.org/officeDocument/2006/relationships" xmlns:p="http://schemas.openxmlformats.org/presentationml/2006/main">
-  <p:cSld>
-    <p:spTree>
-      <p:nvGrpSpPr>
-        <p:cNvPr id="1" name=""/>
-        <p:cNvGrpSpPr/>
-        <p:nvPr/>
-      </p:nvGrpSpPr>
-      <p:grpSpPr>
-        <a:xfrm>
-          <a:off x="0" y="0"/>
-          <a:ext cx="0" cy="0"/>
-          <a:chOff x="0" y="0"/>
-          <a:chExt cx="0" cy="0"/>
-        </a:xfrm>
-      </p:grpSpPr>
-      <p:sp>
-        <p:nvSpPr>
-          <p:cNvPr id="2" name="Titre 1"/>
-          <p:cNvSpPr>
-            <a:spLocks noGrp="1"/>
-          </p:cNvSpPr>
-          <p:nvPr>
-            <p:ph type="title"/>
-          </p:nvPr>
-        </p:nvSpPr>
-        <p:spPr/>
-        <p:txBody>
-          <a:bodyPr/>
-          <a:lstStyle/>
-          <a:p>
-            <a:r>
-              <a:rPr lang="fr-FR" dirty="0"/>
               <a:t>Organisation</a:t>
             </a:r>
           </a:p>
@@ -19101,7 +16441,7 @@
           <a:p>
             <a:fld id="{7BE797E4-F3FA-4BDF-9347-AB349281AA8F}" type="slidenum">
               <a:rPr lang="fr-FR" smtClean="0"/>
-              <a:t>9</a:t>
+              <a:t>8</a:t>
             </a:fld>
             <a:endParaRPr lang="fr-FR"/>
           </a:p>
@@ -19371,6 +16711,2114 @@
     <p:bldLst>
       <p:bldP spid="7" grpId="0" animBg="1"/>
       <p:bldP spid="9" grpId="0" animBg="1"/>
+    </p:bldLst>
+  </p:timing>
+</p:sld>
+</file>
+
+<file path=ppt/slides/slide9.xml><?xml version="1.0" encoding="utf-8"?>
+<p:sld xmlns:a="http://schemas.openxmlformats.org/drawingml/2006/main" xmlns:r="http://schemas.openxmlformats.org/officeDocument/2006/relationships" xmlns:p="http://schemas.openxmlformats.org/presentationml/2006/main">
+  <p:cSld>
+    <p:spTree>
+      <p:nvGrpSpPr>
+        <p:cNvPr id="1" name=""/>
+        <p:cNvGrpSpPr/>
+        <p:nvPr/>
+      </p:nvGrpSpPr>
+      <p:grpSpPr>
+        <a:xfrm>
+          <a:off x="0" y="0"/>
+          <a:ext cx="0" cy="0"/>
+          <a:chOff x="0" y="0"/>
+          <a:chExt cx="0" cy="0"/>
+        </a:xfrm>
+      </p:grpSpPr>
+      <p:sp>
+        <p:nvSpPr>
+          <p:cNvPr id="2" name="Titre 1"/>
+          <p:cNvSpPr>
+            <a:spLocks noGrp="1"/>
+          </p:cNvSpPr>
+          <p:nvPr>
+            <p:ph type="title"/>
+          </p:nvPr>
+        </p:nvSpPr>
+        <p:spPr/>
+        <p:txBody>
+          <a:bodyPr/>
+          <a:lstStyle/>
+          <a:p>
+            <a:r>
+              <a:rPr lang="fr-FR" dirty="0"/>
+              <a:t>Organisation</a:t>
+            </a:r>
+          </a:p>
+        </p:txBody>
+      </p:sp>
+      <p:sp>
+        <p:nvSpPr>
+          <p:cNvPr id="6" name="Espace réservé du numéro de diapositive 5"/>
+          <p:cNvSpPr>
+            <a:spLocks noGrp="1"/>
+          </p:cNvSpPr>
+          <p:nvPr>
+            <p:ph type="sldNum" sz="quarter" idx="12"/>
+          </p:nvPr>
+        </p:nvSpPr>
+        <p:spPr/>
+        <p:txBody>
+          <a:bodyPr/>
+          <a:lstStyle/>
+          <a:p>
+            <a:fld id="{7BE797E4-F3FA-4BDF-9347-AB349281AA8F}" type="slidenum">
+              <a:rPr lang="fr-FR" smtClean="0"/>
+              <a:t>9</a:t>
+            </a:fld>
+            <a:endParaRPr lang="fr-FR"/>
+          </a:p>
+        </p:txBody>
+      </p:sp>
+      <p:graphicFrame>
+        <p:nvGraphicFramePr>
+          <p:cNvPr id="10" name="Espace réservé du contenu 9"/>
+          <p:cNvGraphicFramePr>
+            <a:graphicFrameLocks noGrp="1"/>
+          </p:cNvGraphicFramePr>
+          <p:nvPr>
+            <p:ph idx="1"/>
+            <p:extLst>
+              <p:ext uri="{D42A27DB-BD31-4B8C-83A1-F6EECF244321}">
+                <p14:modId xmlns:p14="http://schemas.microsoft.com/office/powerpoint/2010/main" val="1896119014"/>
+              </p:ext>
+            </p:extLst>
+          </p:nvPr>
+        </p:nvGraphicFramePr>
+        <p:xfrm>
+          <a:off x="1001713" y="2052638"/>
+          <a:ext cx="8947150" cy="3154680"/>
+        </p:xfrm>
+        <a:graphic>
+          <a:graphicData uri="http://schemas.openxmlformats.org/drawingml/2006/table">
+            <a:tbl>
+              <a:tblPr firstRow="1" firstCol="1" bandRow="1">
+                <a:tableStyleId>{D27102A9-8310-4765-A935-A1911B00CA55}</a:tableStyleId>
+              </a:tblPr>
+              <a:tblGrid>
+                <a:gridCol w="1789430">
+                  <a:extLst>
+                    <a:ext uri="{9D8B030D-6E8A-4147-A177-3AD203B41FA5}">
+                      <a16:colId xmlns:a16="http://schemas.microsoft.com/office/drawing/2014/main" val="20000"/>
+                    </a:ext>
+                  </a:extLst>
+                </a:gridCol>
+                <a:gridCol w="1789430">
+                  <a:extLst>
+                    <a:ext uri="{9D8B030D-6E8A-4147-A177-3AD203B41FA5}">
+                      <a16:colId xmlns:a16="http://schemas.microsoft.com/office/drawing/2014/main" val="20001"/>
+                    </a:ext>
+                  </a:extLst>
+                </a:gridCol>
+                <a:gridCol w="1789430">
+                  <a:extLst>
+                    <a:ext uri="{9D8B030D-6E8A-4147-A177-3AD203B41FA5}">
+                      <a16:colId xmlns:a16="http://schemas.microsoft.com/office/drawing/2014/main" val="20002"/>
+                    </a:ext>
+                  </a:extLst>
+                </a:gridCol>
+                <a:gridCol w="1789430">
+                  <a:extLst>
+                    <a:ext uri="{9D8B030D-6E8A-4147-A177-3AD203B41FA5}">
+                      <a16:colId xmlns:a16="http://schemas.microsoft.com/office/drawing/2014/main" val="20003"/>
+                    </a:ext>
+                  </a:extLst>
+                </a:gridCol>
+                <a:gridCol w="1789430">
+                  <a:extLst>
+                    <a:ext uri="{9D8B030D-6E8A-4147-A177-3AD203B41FA5}">
+                      <a16:colId xmlns:a16="http://schemas.microsoft.com/office/drawing/2014/main" val="20004"/>
+                    </a:ext>
+                  </a:extLst>
+                </a:gridCol>
+              </a:tblGrid>
+              <a:tr h="370840">
+                <a:tc>
+                  <a:txBody>
+                    <a:bodyPr/>
+                    <a:lstStyle/>
+                    <a:p>
+                      <a:endParaRPr lang="fr-FR" sz="1600" dirty="0"/>
+                    </a:p>
+                  </a:txBody>
+                  <a:tcPr>
+                    <a:lnL w="12700" cap="flat" cmpd="sng" algn="ctr">
+                      <a:solidFill>
+                        <a:schemeClr val="accent4">
+                          <a:lumMod val="40000"/>
+                          <a:lumOff val="60000"/>
+                        </a:schemeClr>
+                      </a:solidFill>
+                      <a:prstDash val="solid"/>
+                      <a:round/>
+                      <a:headEnd type="none" w="med" len="med"/>
+                      <a:tailEnd type="none" w="med" len="med"/>
+                    </a:lnL>
+                    <a:lnR w="12700" cap="flat" cmpd="sng" algn="ctr">
+                      <a:solidFill>
+                        <a:schemeClr val="accent4">
+                          <a:lumMod val="40000"/>
+                          <a:lumOff val="60000"/>
+                        </a:schemeClr>
+                      </a:solidFill>
+                      <a:prstDash val="solid"/>
+                      <a:round/>
+                      <a:headEnd type="none" w="med" len="med"/>
+                      <a:tailEnd type="none" w="med" len="med"/>
+                    </a:lnR>
+                    <a:lnT w="12700" cap="flat" cmpd="sng" algn="ctr">
+                      <a:solidFill>
+                        <a:schemeClr val="accent4">
+                          <a:lumMod val="40000"/>
+                          <a:lumOff val="60000"/>
+                        </a:schemeClr>
+                      </a:solidFill>
+                      <a:prstDash val="solid"/>
+                      <a:round/>
+                      <a:headEnd type="none" w="med" len="med"/>
+                      <a:tailEnd type="none" w="med" len="med"/>
+                    </a:lnT>
+                    <a:lnB w="12700" cap="flat" cmpd="sng" algn="ctr">
+                      <a:solidFill>
+                        <a:schemeClr val="accent4">
+                          <a:lumMod val="40000"/>
+                          <a:lumOff val="60000"/>
+                        </a:schemeClr>
+                      </a:solidFill>
+                      <a:prstDash val="solid"/>
+                      <a:round/>
+                      <a:headEnd type="none" w="med" len="med"/>
+                      <a:tailEnd type="none" w="med" len="med"/>
+                    </a:lnB>
+                  </a:tcPr>
+                </a:tc>
+                <a:tc>
+                  <a:txBody>
+                    <a:bodyPr/>
+                    <a:lstStyle/>
+                    <a:p>
+                      <a:r>
+                        <a:rPr lang="fr-FR" sz="1600" dirty="0"/>
+                        <a:t>Fei</a:t>
+                      </a:r>
+                      <a:r>
+                        <a:rPr lang="fr-FR" sz="1600" baseline="0" dirty="0"/>
+                        <a:t> MENG</a:t>
+                      </a:r>
+                      <a:endParaRPr lang="fr-FR" sz="1600" dirty="0"/>
+                    </a:p>
+                  </a:txBody>
+                  <a:tcPr>
+                    <a:lnL w="12700" cap="flat" cmpd="sng" algn="ctr">
+                      <a:solidFill>
+                        <a:schemeClr val="accent4">
+                          <a:lumMod val="40000"/>
+                          <a:lumOff val="60000"/>
+                        </a:schemeClr>
+                      </a:solidFill>
+                      <a:prstDash val="solid"/>
+                      <a:round/>
+                      <a:headEnd type="none" w="med" len="med"/>
+                      <a:tailEnd type="none" w="med" len="med"/>
+                    </a:lnL>
+                    <a:lnR w="12700" cap="flat" cmpd="sng" algn="ctr">
+                      <a:solidFill>
+                        <a:schemeClr val="accent4">
+                          <a:lumMod val="40000"/>
+                          <a:lumOff val="60000"/>
+                        </a:schemeClr>
+                      </a:solidFill>
+                      <a:prstDash val="solid"/>
+                      <a:round/>
+                      <a:headEnd type="none" w="med" len="med"/>
+                      <a:tailEnd type="none" w="med" len="med"/>
+                    </a:lnR>
+                    <a:lnT w="12700" cap="flat" cmpd="sng" algn="ctr">
+                      <a:solidFill>
+                        <a:schemeClr val="accent4">
+                          <a:lumMod val="40000"/>
+                          <a:lumOff val="60000"/>
+                        </a:schemeClr>
+                      </a:solidFill>
+                      <a:prstDash val="solid"/>
+                      <a:round/>
+                      <a:headEnd type="none" w="med" len="med"/>
+                      <a:tailEnd type="none" w="med" len="med"/>
+                    </a:lnT>
+                    <a:lnB w="12700" cap="flat" cmpd="sng" algn="ctr">
+                      <a:solidFill>
+                        <a:schemeClr val="accent4">
+                          <a:lumMod val="40000"/>
+                          <a:lumOff val="60000"/>
+                        </a:schemeClr>
+                      </a:solidFill>
+                      <a:prstDash val="solid"/>
+                      <a:round/>
+                      <a:headEnd type="none" w="med" len="med"/>
+                      <a:tailEnd type="none" w="med" len="med"/>
+                    </a:lnB>
+                  </a:tcPr>
+                </a:tc>
+                <a:tc>
+                  <a:txBody>
+                    <a:bodyPr/>
+                    <a:lstStyle/>
+                    <a:p>
+                      <a:r>
+                        <a:rPr lang="fr-FR" sz="1600" dirty="0"/>
+                        <a:t>Walid</a:t>
+                      </a:r>
+                      <a:r>
+                        <a:rPr lang="fr-FR" sz="1600" baseline="0" dirty="0"/>
+                        <a:t> EL KHAOUA</a:t>
+                      </a:r>
+                      <a:endParaRPr lang="fr-FR" sz="1600" dirty="0"/>
+                    </a:p>
+                  </a:txBody>
+                  <a:tcPr>
+                    <a:lnL w="12700" cap="flat" cmpd="sng" algn="ctr">
+                      <a:solidFill>
+                        <a:schemeClr val="accent4">
+                          <a:lumMod val="40000"/>
+                          <a:lumOff val="60000"/>
+                        </a:schemeClr>
+                      </a:solidFill>
+                      <a:prstDash val="solid"/>
+                      <a:round/>
+                      <a:headEnd type="none" w="med" len="med"/>
+                      <a:tailEnd type="none" w="med" len="med"/>
+                    </a:lnL>
+                    <a:lnR w="12700" cap="flat" cmpd="sng" algn="ctr">
+                      <a:solidFill>
+                        <a:schemeClr val="accent4">
+                          <a:lumMod val="40000"/>
+                          <a:lumOff val="60000"/>
+                        </a:schemeClr>
+                      </a:solidFill>
+                      <a:prstDash val="solid"/>
+                      <a:round/>
+                      <a:headEnd type="none" w="med" len="med"/>
+                      <a:tailEnd type="none" w="med" len="med"/>
+                    </a:lnR>
+                    <a:lnT w="12700" cap="flat" cmpd="sng" algn="ctr">
+                      <a:solidFill>
+                        <a:schemeClr val="accent4">
+                          <a:lumMod val="40000"/>
+                          <a:lumOff val="60000"/>
+                        </a:schemeClr>
+                      </a:solidFill>
+                      <a:prstDash val="solid"/>
+                      <a:round/>
+                      <a:headEnd type="none" w="med" len="med"/>
+                      <a:tailEnd type="none" w="med" len="med"/>
+                    </a:lnT>
+                    <a:lnB w="12700" cap="flat" cmpd="sng" algn="ctr">
+                      <a:solidFill>
+                        <a:schemeClr val="accent4">
+                          <a:lumMod val="40000"/>
+                          <a:lumOff val="60000"/>
+                        </a:schemeClr>
+                      </a:solidFill>
+                      <a:prstDash val="solid"/>
+                      <a:round/>
+                      <a:headEnd type="none" w="med" len="med"/>
+                      <a:tailEnd type="none" w="med" len="med"/>
+                    </a:lnB>
+                  </a:tcPr>
+                </a:tc>
+                <a:tc>
+                  <a:txBody>
+                    <a:bodyPr/>
+                    <a:lstStyle/>
+                    <a:p>
+                      <a:r>
+                        <a:rPr lang="fr-FR" sz="1600" dirty="0"/>
+                        <a:t>Chloé HENRY</a:t>
+                      </a:r>
+                    </a:p>
+                  </a:txBody>
+                  <a:tcPr>
+                    <a:lnL w="12700" cap="flat" cmpd="sng" algn="ctr">
+                      <a:solidFill>
+                        <a:schemeClr val="accent4">
+                          <a:lumMod val="40000"/>
+                          <a:lumOff val="60000"/>
+                        </a:schemeClr>
+                      </a:solidFill>
+                      <a:prstDash val="solid"/>
+                      <a:round/>
+                      <a:headEnd type="none" w="med" len="med"/>
+                      <a:tailEnd type="none" w="med" len="med"/>
+                    </a:lnL>
+                    <a:lnR w="12700" cap="flat" cmpd="sng" algn="ctr">
+                      <a:solidFill>
+                        <a:schemeClr val="accent4">
+                          <a:lumMod val="40000"/>
+                          <a:lumOff val="60000"/>
+                        </a:schemeClr>
+                      </a:solidFill>
+                      <a:prstDash val="solid"/>
+                      <a:round/>
+                      <a:headEnd type="none" w="med" len="med"/>
+                      <a:tailEnd type="none" w="med" len="med"/>
+                    </a:lnR>
+                    <a:lnT w="12700" cap="flat" cmpd="sng" algn="ctr">
+                      <a:solidFill>
+                        <a:schemeClr val="accent4">
+                          <a:lumMod val="40000"/>
+                          <a:lumOff val="60000"/>
+                        </a:schemeClr>
+                      </a:solidFill>
+                      <a:prstDash val="solid"/>
+                      <a:round/>
+                      <a:headEnd type="none" w="med" len="med"/>
+                      <a:tailEnd type="none" w="med" len="med"/>
+                    </a:lnT>
+                    <a:lnB w="12700" cap="flat" cmpd="sng" algn="ctr">
+                      <a:solidFill>
+                        <a:schemeClr val="accent4">
+                          <a:lumMod val="40000"/>
+                          <a:lumOff val="60000"/>
+                        </a:schemeClr>
+                      </a:solidFill>
+                      <a:prstDash val="solid"/>
+                      <a:round/>
+                      <a:headEnd type="none" w="med" len="med"/>
+                      <a:tailEnd type="none" w="med" len="med"/>
+                    </a:lnB>
+                  </a:tcPr>
+                </a:tc>
+                <a:tc>
+                  <a:txBody>
+                    <a:bodyPr/>
+                    <a:lstStyle/>
+                    <a:p>
+                      <a:r>
+                        <a:rPr lang="fr-FR" sz="1600" dirty="0"/>
+                        <a:t>Quentin AVRAIN</a:t>
+                      </a:r>
+                    </a:p>
+                  </a:txBody>
+                  <a:tcPr>
+                    <a:lnL w="12700" cap="flat" cmpd="sng" algn="ctr">
+                      <a:solidFill>
+                        <a:schemeClr val="accent4">
+                          <a:lumMod val="40000"/>
+                          <a:lumOff val="60000"/>
+                        </a:schemeClr>
+                      </a:solidFill>
+                      <a:prstDash val="solid"/>
+                      <a:round/>
+                      <a:headEnd type="none" w="med" len="med"/>
+                      <a:tailEnd type="none" w="med" len="med"/>
+                    </a:lnL>
+                    <a:lnR w="12700" cap="flat" cmpd="sng" algn="ctr">
+                      <a:solidFill>
+                        <a:schemeClr val="accent4">
+                          <a:lumMod val="40000"/>
+                          <a:lumOff val="60000"/>
+                        </a:schemeClr>
+                      </a:solidFill>
+                      <a:prstDash val="solid"/>
+                      <a:round/>
+                      <a:headEnd type="none" w="med" len="med"/>
+                      <a:tailEnd type="none" w="med" len="med"/>
+                    </a:lnR>
+                    <a:lnT w="12700" cap="flat" cmpd="sng" algn="ctr">
+                      <a:solidFill>
+                        <a:schemeClr val="accent4">
+                          <a:lumMod val="40000"/>
+                          <a:lumOff val="60000"/>
+                        </a:schemeClr>
+                      </a:solidFill>
+                      <a:prstDash val="solid"/>
+                      <a:round/>
+                      <a:headEnd type="none" w="med" len="med"/>
+                      <a:tailEnd type="none" w="med" len="med"/>
+                    </a:lnT>
+                    <a:lnB w="12700" cap="flat" cmpd="sng" algn="ctr">
+                      <a:solidFill>
+                        <a:schemeClr val="accent4">
+                          <a:lumMod val="40000"/>
+                          <a:lumOff val="60000"/>
+                        </a:schemeClr>
+                      </a:solidFill>
+                      <a:prstDash val="solid"/>
+                      <a:round/>
+                      <a:headEnd type="none" w="med" len="med"/>
+                      <a:tailEnd type="none" w="med" len="med"/>
+                    </a:lnB>
+                  </a:tcPr>
+                </a:tc>
+                <a:extLst>
+                  <a:ext uri="{0D108BD9-81ED-4DB2-BD59-A6C34878D82A}">
+                    <a16:rowId xmlns:a16="http://schemas.microsoft.com/office/drawing/2014/main" val="10000"/>
+                  </a:ext>
+                </a:extLst>
+              </a:tr>
+              <a:tr h="370840">
+                <a:tc>
+                  <a:txBody>
+                    <a:bodyPr/>
+                    <a:lstStyle/>
+                    <a:p>
+                      <a:r>
+                        <a:rPr lang="fr-FR" sz="1600" dirty="0"/>
+                        <a:t>Création du site</a:t>
+                      </a:r>
+                    </a:p>
+                  </a:txBody>
+                  <a:tcPr>
+                    <a:lnL w="12700" cap="flat" cmpd="sng" algn="ctr">
+                      <a:solidFill>
+                        <a:schemeClr val="accent4">
+                          <a:lumMod val="40000"/>
+                          <a:lumOff val="60000"/>
+                        </a:schemeClr>
+                      </a:solidFill>
+                      <a:prstDash val="solid"/>
+                      <a:round/>
+                      <a:headEnd type="none" w="med" len="med"/>
+                      <a:tailEnd type="none" w="med" len="med"/>
+                    </a:lnL>
+                    <a:lnR w="12700" cap="flat" cmpd="sng" algn="ctr">
+                      <a:solidFill>
+                        <a:schemeClr val="accent4">
+                          <a:lumMod val="40000"/>
+                          <a:lumOff val="60000"/>
+                        </a:schemeClr>
+                      </a:solidFill>
+                      <a:prstDash val="solid"/>
+                      <a:round/>
+                      <a:headEnd type="none" w="med" len="med"/>
+                      <a:tailEnd type="none" w="med" len="med"/>
+                    </a:lnR>
+                    <a:lnT w="12700" cap="flat" cmpd="sng" algn="ctr">
+                      <a:solidFill>
+                        <a:schemeClr val="accent4">
+                          <a:lumMod val="40000"/>
+                          <a:lumOff val="60000"/>
+                        </a:schemeClr>
+                      </a:solidFill>
+                      <a:prstDash val="solid"/>
+                      <a:round/>
+                      <a:headEnd type="none" w="med" len="med"/>
+                      <a:tailEnd type="none" w="med" len="med"/>
+                    </a:lnT>
+                    <a:lnB w="12700" cap="flat" cmpd="sng" algn="ctr">
+                      <a:solidFill>
+                        <a:schemeClr val="accent4">
+                          <a:lumMod val="40000"/>
+                          <a:lumOff val="60000"/>
+                        </a:schemeClr>
+                      </a:solidFill>
+                      <a:prstDash val="solid"/>
+                      <a:round/>
+                      <a:headEnd type="none" w="med" len="med"/>
+                      <a:tailEnd type="none" w="med" len="med"/>
+                    </a:lnB>
+                  </a:tcPr>
+                </a:tc>
+                <a:tc gridSpan="4">
+                  <a:txBody>
+                    <a:bodyPr/>
+                    <a:lstStyle/>
+                    <a:p>
+                      <a:pPr algn="ctr"/>
+                      <a:r>
+                        <a:rPr lang="fr-FR" sz="1600" dirty="0"/>
+                        <a:t>(prévu)</a:t>
+                      </a:r>
+                      <a:r>
+                        <a:rPr lang="fr-FR" sz="1600" baseline="0" dirty="0"/>
+                        <a:t> : code</a:t>
+                      </a:r>
+                      <a:endParaRPr lang="fr-FR" sz="1600" dirty="0"/>
+                    </a:p>
+                  </a:txBody>
+                  <a:tcPr anchor="ctr">
+                    <a:lnL w="12700" cap="flat" cmpd="sng" algn="ctr">
+                      <a:solidFill>
+                        <a:schemeClr val="accent4">
+                          <a:lumMod val="40000"/>
+                          <a:lumOff val="60000"/>
+                        </a:schemeClr>
+                      </a:solidFill>
+                      <a:prstDash val="solid"/>
+                      <a:round/>
+                      <a:headEnd type="none" w="med" len="med"/>
+                      <a:tailEnd type="none" w="med" len="med"/>
+                    </a:lnL>
+                    <a:lnR w="12700" cap="flat" cmpd="sng" algn="ctr">
+                      <a:solidFill>
+                        <a:schemeClr val="accent4">
+                          <a:lumMod val="40000"/>
+                          <a:lumOff val="60000"/>
+                        </a:schemeClr>
+                      </a:solidFill>
+                      <a:prstDash val="solid"/>
+                      <a:round/>
+                      <a:headEnd type="none" w="med" len="med"/>
+                      <a:tailEnd type="none" w="med" len="med"/>
+                    </a:lnR>
+                    <a:lnT w="12700" cap="flat" cmpd="sng" algn="ctr">
+                      <a:solidFill>
+                        <a:schemeClr val="accent4">
+                          <a:lumMod val="40000"/>
+                          <a:lumOff val="60000"/>
+                        </a:schemeClr>
+                      </a:solidFill>
+                      <a:prstDash val="solid"/>
+                      <a:round/>
+                      <a:headEnd type="none" w="med" len="med"/>
+                      <a:tailEnd type="none" w="med" len="med"/>
+                    </a:lnT>
+                    <a:lnB w="12700" cap="flat" cmpd="sng" algn="ctr">
+                      <a:solidFill>
+                        <a:schemeClr val="accent4">
+                          <a:lumMod val="40000"/>
+                          <a:lumOff val="60000"/>
+                        </a:schemeClr>
+                      </a:solidFill>
+                      <a:prstDash val="solid"/>
+                      <a:round/>
+                      <a:headEnd type="none" w="med" len="med"/>
+                      <a:tailEnd type="none" w="med" len="med"/>
+                    </a:lnB>
+                  </a:tcPr>
+                </a:tc>
+                <a:tc hMerge="1">
+                  <a:txBody>
+                    <a:bodyPr/>
+                    <a:lstStyle/>
+                    <a:p>
+                      <a:pPr marL="0" marR="0" lvl="0" indent="0" algn="l" defTabSz="457200" rtl="0" eaLnBrk="1" fontAlgn="auto" latinLnBrk="0" hangingPunct="1">
+                        <a:lnSpc>
+                          <a:spcPct val="100000"/>
+                        </a:lnSpc>
+                        <a:spcBef>
+                          <a:spcPts val="0"/>
+                        </a:spcBef>
+                        <a:spcAft>
+                          <a:spcPts val="0"/>
+                        </a:spcAft>
+                        <a:buClrTx/>
+                        <a:buSzTx/>
+                        <a:buFontTx/>
+                        <a:buNone/>
+                        <a:tabLst/>
+                        <a:defRPr/>
+                      </a:pPr>
+                      <a:endParaRPr lang="fr-FR" sz="1600" dirty="0"/>
+                    </a:p>
+                  </a:txBody>
+                  <a:tcPr/>
+                </a:tc>
+                <a:tc hMerge="1">
+                  <a:txBody>
+                    <a:bodyPr/>
+                    <a:lstStyle/>
+                    <a:p>
+                      <a:pPr marL="0" marR="0" lvl="0" indent="0" algn="l" defTabSz="457200" rtl="0" eaLnBrk="1" fontAlgn="auto" latinLnBrk="0" hangingPunct="1">
+                        <a:lnSpc>
+                          <a:spcPct val="100000"/>
+                        </a:lnSpc>
+                        <a:spcBef>
+                          <a:spcPts val="0"/>
+                        </a:spcBef>
+                        <a:spcAft>
+                          <a:spcPts val="0"/>
+                        </a:spcAft>
+                        <a:buClrTx/>
+                        <a:buSzTx/>
+                        <a:buFontTx/>
+                        <a:buNone/>
+                        <a:tabLst/>
+                        <a:defRPr/>
+                      </a:pPr>
+                      <a:endParaRPr lang="fr-FR" sz="1600" dirty="0"/>
+                    </a:p>
+                  </a:txBody>
+                  <a:tcPr/>
+                </a:tc>
+                <a:tc hMerge="1">
+                  <a:txBody>
+                    <a:bodyPr/>
+                    <a:lstStyle/>
+                    <a:p>
+                      <a:pPr marL="0" marR="0" lvl="0" indent="0" algn="l" defTabSz="457200" rtl="0" eaLnBrk="1" fontAlgn="auto" latinLnBrk="0" hangingPunct="1">
+                        <a:lnSpc>
+                          <a:spcPct val="100000"/>
+                        </a:lnSpc>
+                        <a:spcBef>
+                          <a:spcPts val="0"/>
+                        </a:spcBef>
+                        <a:spcAft>
+                          <a:spcPts val="0"/>
+                        </a:spcAft>
+                        <a:buClrTx/>
+                        <a:buSzTx/>
+                        <a:buFontTx/>
+                        <a:buNone/>
+                        <a:tabLst/>
+                        <a:defRPr/>
+                      </a:pPr>
+                      <a:endParaRPr lang="fr-FR" sz="1600" dirty="0"/>
+                    </a:p>
+                  </a:txBody>
+                  <a:tcPr/>
+                </a:tc>
+                <a:extLst>
+                  <a:ext uri="{0D108BD9-81ED-4DB2-BD59-A6C34878D82A}">
+                    <a16:rowId xmlns:a16="http://schemas.microsoft.com/office/drawing/2014/main" val="2208591341"/>
+                  </a:ext>
+                </a:extLst>
+              </a:tr>
+              <a:tr h="370840">
+                <a:tc>
+                  <a:txBody>
+                    <a:bodyPr/>
+                    <a:lstStyle/>
+                    <a:p>
+                      <a:endParaRPr lang="fr-FR" sz="1600" dirty="0"/>
+                    </a:p>
+                  </a:txBody>
+                  <a:tcPr>
+                    <a:lnL w="12700" cap="flat" cmpd="sng" algn="ctr">
+                      <a:solidFill>
+                        <a:schemeClr val="accent4">
+                          <a:lumMod val="40000"/>
+                          <a:lumOff val="60000"/>
+                        </a:schemeClr>
+                      </a:solidFill>
+                      <a:prstDash val="solid"/>
+                      <a:round/>
+                      <a:headEnd type="none" w="med" len="med"/>
+                      <a:tailEnd type="none" w="med" len="med"/>
+                    </a:lnL>
+                    <a:lnR w="12700" cap="flat" cmpd="sng" algn="ctr">
+                      <a:solidFill>
+                        <a:schemeClr val="accent4">
+                          <a:lumMod val="40000"/>
+                          <a:lumOff val="60000"/>
+                        </a:schemeClr>
+                      </a:solidFill>
+                      <a:prstDash val="solid"/>
+                      <a:round/>
+                      <a:headEnd type="none" w="med" len="med"/>
+                      <a:tailEnd type="none" w="med" len="med"/>
+                    </a:lnR>
+                    <a:lnT w="12700" cap="flat" cmpd="sng" algn="ctr">
+                      <a:solidFill>
+                        <a:schemeClr val="accent4">
+                          <a:lumMod val="40000"/>
+                          <a:lumOff val="60000"/>
+                        </a:schemeClr>
+                      </a:solidFill>
+                      <a:prstDash val="solid"/>
+                      <a:round/>
+                      <a:headEnd type="none" w="med" len="med"/>
+                      <a:tailEnd type="none" w="med" len="med"/>
+                    </a:lnT>
+                    <a:lnB w="12700" cap="flat" cmpd="sng" algn="ctr">
+                      <a:solidFill>
+                        <a:schemeClr val="accent4">
+                          <a:lumMod val="40000"/>
+                          <a:lumOff val="60000"/>
+                        </a:schemeClr>
+                      </a:solidFill>
+                      <a:prstDash val="solid"/>
+                      <a:round/>
+                      <a:headEnd type="none" w="med" len="med"/>
+                      <a:tailEnd type="none" w="med" len="med"/>
+                    </a:lnB>
+                  </a:tcPr>
+                </a:tc>
+                <a:tc gridSpan="4">
+                  <a:txBody>
+                    <a:bodyPr/>
+                    <a:lstStyle/>
+                    <a:p>
+                      <a:pPr algn="ctr"/>
+                      <a:r>
+                        <a:rPr lang="fr-FR" sz="1600" dirty="0"/>
+                        <a:t>Maquette</a:t>
+                      </a:r>
+                    </a:p>
+                  </a:txBody>
+                  <a:tcPr anchor="ctr">
+                    <a:lnL w="12700" cap="flat" cmpd="sng" algn="ctr">
+                      <a:solidFill>
+                        <a:schemeClr val="accent4">
+                          <a:lumMod val="40000"/>
+                          <a:lumOff val="60000"/>
+                        </a:schemeClr>
+                      </a:solidFill>
+                      <a:prstDash val="solid"/>
+                      <a:round/>
+                      <a:headEnd type="none" w="med" len="med"/>
+                      <a:tailEnd type="none" w="med" len="med"/>
+                    </a:lnL>
+                    <a:lnR w="12700" cap="flat" cmpd="sng" algn="ctr">
+                      <a:solidFill>
+                        <a:schemeClr val="accent4">
+                          <a:lumMod val="40000"/>
+                          <a:lumOff val="60000"/>
+                        </a:schemeClr>
+                      </a:solidFill>
+                      <a:prstDash val="solid"/>
+                      <a:round/>
+                      <a:headEnd type="none" w="med" len="med"/>
+                      <a:tailEnd type="none" w="med" len="med"/>
+                    </a:lnR>
+                    <a:lnT w="12700" cap="flat" cmpd="sng" algn="ctr">
+                      <a:solidFill>
+                        <a:schemeClr val="accent4">
+                          <a:lumMod val="40000"/>
+                          <a:lumOff val="60000"/>
+                        </a:schemeClr>
+                      </a:solidFill>
+                      <a:prstDash val="solid"/>
+                      <a:round/>
+                      <a:headEnd type="none" w="med" len="med"/>
+                      <a:tailEnd type="none" w="med" len="med"/>
+                    </a:lnT>
+                    <a:lnB w="12700" cap="flat" cmpd="sng" algn="ctr">
+                      <a:solidFill>
+                        <a:schemeClr val="accent4">
+                          <a:lumMod val="40000"/>
+                          <a:lumOff val="60000"/>
+                        </a:schemeClr>
+                      </a:solidFill>
+                      <a:prstDash val="solid"/>
+                      <a:round/>
+                      <a:headEnd type="none" w="med" len="med"/>
+                      <a:tailEnd type="none" w="med" len="med"/>
+                    </a:lnB>
+                  </a:tcPr>
+                </a:tc>
+                <a:tc hMerge="1">
+                  <a:txBody>
+                    <a:bodyPr/>
+                    <a:lstStyle/>
+                    <a:p>
+                      <a:pPr algn="ctr"/>
+                      <a:endParaRPr lang="fr-FR" sz="1600" dirty="0"/>
+                    </a:p>
+                  </a:txBody>
+                  <a:tcPr anchor="ctr"/>
+                </a:tc>
+                <a:tc hMerge="1">
+                  <a:txBody>
+                    <a:bodyPr/>
+                    <a:lstStyle/>
+                    <a:p>
+                      <a:pPr algn="ctr"/>
+                      <a:endParaRPr lang="fr-FR" sz="1600" dirty="0"/>
+                    </a:p>
+                  </a:txBody>
+                  <a:tcPr anchor="ctr"/>
+                </a:tc>
+                <a:tc hMerge="1">
+                  <a:txBody>
+                    <a:bodyPr/>
+                    <a:lstStyle/>
+                    <a:p>
+                      <a:pPr algn="ctr"/>
+                      <a:endParaRPr lang="fr-FR" sz="1600" dirty="0"/>
+                    </a:p>
+                  </a:txBody>
+                  <a:tcPr anchor="ctr"/>
+                </a:tc>
+                <a:extLst>
+                  <a:ext uri="{0D108BD9-81ED-4DB2-BD59-A6C34878D82A}">
+                    <a16:rowId xmlns:a16="http://schemas.microsoft.com/office/drawing/2014/main" val="1942722107"/>
+                  </a:ext>
+                </a:extLst>
+              </a:tr>
+              <a:tr h="370840">
+                <a:tc>
+                  <a:txBody>
+                    <a:bodyPr/>
+                    <a:lstStyle/>
+                    <a:p>
+                      <a:endParaRPr lang="fr-FR" sz="1600" dirty="0"/>
+                    </a:p>
+                  </a:txBody>
+                  <a:tcPr>
+                    <a:lnL w="12700" cap="flat" cmpd="sng" algn="ctr">
+                      <a:solidFill>
+                        <a:schemeClr val="accent4">
+                          <a:lumMod val="40000"/>
+                          <a:lumOff val="60000"/>
+                        </a:schemeClr>
+                      </a:solidFill>
+                      <a:prstDash val="solid"/>
+                      <a:round/>
+                      <a:headEnd type="none" w="med" len="med"/>
+                      <a:tailEnd type="none" w="med" len="med"/>
+                    </a:lnL>
+                    <a:lnR w="12700" cap="flat" cmpd="sng" algn="ctr">
+                      <a:solidFill>
+                        <a:schemeClr val="accent4">
+                          <a:lumMod val="40000"/>
+                          <a:lumOff val="60000"/>
+                        </a:schemeClr>
+                      </a:solidFill>
+                      <a:prstDash val="solid"/>
+                      <a:round/>
+                      <a:headEnd type="none" w="med" len="med"/>
+                      <a:tailEnd type="none" w="med" len="med"/>
+                    </a:lnR>
+                    <a:lnT w="12700" cap="flat" cmpd="sng" algn="ctr">
+                      <a:solidFill>
+                        <a:schemeClr val="accent4">
+                          <a:lumMod val="40000"/>
+                          <a:lumOff val="60000"/>
+                        </a:schemeClr>
+                      </a:solidFill>
+                      <a:prstDash val="solid"/>
+                      <a:round/>
+                      <a:headEnd type="none" w="med" len="med"/>
+                      <a:tailEnd type="none" w="med" len="med"/>
+                    </a:lnT>
+                    <a:lnB w="12700" cap="flat" cmpd="sng" algn="ctr">
+                      <a:solidFill>
+                        <a:schemeClr val="accent4">
+                          <a:lumMod val="40000"/>
+                          <a:lumOff val="60000"/>
+                        </a:schemeClr>
+                      </a:solidFill>
+                      <a:prstDash val="solid"/>
+                      <a:round/>
+                      <a:headEnd type="none" w="med" len="med"/>
+                      <a:tailEnd type="none" w="med" len="med"/>
+                    </a:lnB>
+                  </a:tcPr>
+                </a:tc>
+                <a:tc>
+                  <a:txBody>
+                    <a:bodyPr/>
+                    <a:lstStyle/>
+                    <a:p>
+                      <a:pPr marL="0" marR="0" lvl="0" indent="0" algn="l" defTabSz="457200" rtl="0" eaLnBrk="1" fontAlgn="auto" latinLnBrk="0" hangingPunct="1">
+                        <a:lnSpc>
+                          <a:spcPct val="100000"/>
+                        </a:lnSpc>
+                        <a:spcBef>
+                          <a:spcPts val="0"/>
+                        </a:spcBef>
+                        <a:spcAft>
+                          <a:spcPts val="0"/>
+                        </a:spcAft>
+                        <a:buClrTx/>
+                        <a:buSzTx/>
+                        <a:buFontTx/>
+                        <a:buNone/>
+                        <a:tabLst/>
+                        <a:defRPr/>
+                      </a:pPr>
+                      <a:r>
+                        <a:rPr lang="fr-FR" sz="1800" dirty="0" err="1"/>
+                        <a:t>Arboressence</a:t>
+                      </a:r>
+                      <a:endParaRPr lang="fr-FR" sz="1800" dirty="0"/>
+                    </a:p>
+                    <a:p>
+                      <a:endParaRPr lang="fr-FR" dirty="0"/>
+                    </a:p>
+                  </a:txBody>
+                  <a:tcPr anchor="ctr">
+                    <a:lnL w="12700" cap="flat" cmpd="sng" algn="ctr">
+                      <a:solidFill>
+                        <a:schemeClr val="accent4">
+                          <a:lumMod val="40000"/>
+                          <a:lumOff val="60000"/>
+                        </a:schemeClr>
+                      </a:solidFill>
+                      <a:prstDash val="solid"/>
+                      <a:round/>
+                      <a:headEnd type="none" w="med" len="med"/>
+                      <a:tailEnd type="none" w="med" len="med"/>
+                    </a:lnL>
+                    <a:lnR w="12700" cap="flat" cmpd="sng" algn="ctr">
+                      <a:solidFill>
+                        <a:schemeClr val="accent4">
+                          <a:lumMod val="40000"/>
+                          <a:lumOff val="60000"/>
+                        </a:schemeClr>
+                      </a:solidFill>
+                      <a:prstDash val="solid"/>
+                      <a:round/>
+                      <a:headEnd type="none" w="med" len="med"/>
+                      <a:tailEnd type="none" w="med" len="med"/>
+                    </a:lnR>
+                    <a:lnT w="12700" cap="flat" cmpd="sng" algn="ctr">
+                      <a:solidFill>
+                        <a:schemeClr val="accent4">
+                          <a:lumMod val="40000"/>
+                          <a:lumOff val="60000"/>
+                        </a:schemeClr>
+                      </a:solidFill>
+                      <a:prstDash val="solid"/>
+                      <a:round/>
+                      <a:headEnd type="none" w="med" len="med"/>
+                      <a:tailEnd type="none" w="med" len="med"/>
+                    </a:lnT>
+                    <a:lnB w="12700" cap="flat" cmpd="sng" algn="ctr">
+                      <a:solidFill>
+                        <a:schemeClr val="accent4">
+                          <a:lumMod val="40000"/>
+                          <a:lumOff val="60000"/>
+                        </a:schemeClr>
+                      </a:solidFill>
+                      <a:prstDash val="solid"/>
+                      <a:round/>
+                      <a:headEnd type="none" w="med" len="med"/>
+                      <a:tailEnd type="none" w="med" len="med"/>
+                    </a:lnB>
+                  </a:tcPr>
+                </a:tc>
+                <a:tc>
+                  <a:txBody>
+                    <a:bodyPr/>
+                    <a:lstStyle/>
+                    <a:p>
+                      <a:endParaRPr lang="fr-FR" dirty="0"/>
+                    </a:p>
+                  </a:txBody>
+                  <a:tcPr>
+                    <a:lnL w="12700" cap="flat" cmpd="sng" algn="ctr">
+                      <a:solidFill>
+                        <a:schemeClr val="accent4">
+                          <a:lumMod val="40000"/>
+                          <a:lumOff val="60000"/>
+                        </a:schemeClr>
+                      </a:solidFill>
+                      <a:prstDash val="solid"/>
+                      <a:round/>
+                      <a:headEnd type="none" w="med" len="med"/>
+                      <a:tailEnd type="none" w="med" len="med"/>
+                    </a:lnL>
+                    <a:lnR w="12700" cap="flat" cmpd="sng" algn="ctr">
+                      <a:solidFill>
+                        <a:schemeClr val="accent4">
+                          <a:lumMod val="40000"/>
+                          <a:lumOff val="60000"/>
+                        </a:schemeClr>
+                      </a:solidFill>
+                      <a:prstDash val="solid"/>
+                      <a:round/>
+                      <a:headEnd type="none" w="med" len="med"/>
+                      <a:tailEnd type="none" w="med" len="med"/>
+                    </a:lnR>
+                    <a:lnT w="12700" cap="flat" cmpd="sng" algn="ctr">
+                      <a:solidFill>
+                        <a:schemeClr val="accent4">
+                          <a:lumMod val="40000"/>
+                          <a:lumOff val="60000"/>
+                        </a:schemeClr>
+                      </a:solidFill>
+                      <a:prstDash val="solid"/>
+                      <a:round/>
+                      <a:headEnd type="none" w="med" len="med"/>
+                      <a:tailEnd type="none" w="med" len="med"/>
+                    </a:lnT>
+                    <a:lnB w="12700" cap="flat" cmpd="sng" algn="ctr">
+                      <a:solidFill>
+                        <a:schemeClr val="accent4">
+                          <a:lumMod val="40000"/>
+                          <a:lumOff val="60000"/>
+                        </a:schemeClr>
+                      </a:solidFill>
+                      <a:prstDash val="solid"/>
+                      <a:round/>
+                      <a:headEnd type="none" w="med" len="med"/>
+                      <a:tailEnd type="none" w="med" len="med"/>
+                    </a:lnB>
+                  </a:tcPr>
+                </a:tc>
+                <a:tc>
+                  <a:txBody>
+                    <a:bodyPr/>
+                    <a:lstStyle/>
+                    <a:p>
+                      <a:endParaRPr lang="fr-FR"/>
+                    </a:p>
+                  </a:txBody>
+                  <a:tcPr>
+                    <a:lnL w="12700" cap="flat" cmpd="sng" algn="ctr">
+                      <a:solidFill>
+                        <a:schemeClr val="accent4">
+                          <a:lumMod val="40000"/>
+                          <a:lumOff val="60000"/>
+                        </a:schemeClr>
+                      </a:solidFill>
+                      <a:prstDash val="solid"/>
+                      <a:round/>
+                      <a:headEnd type="none" w="med" len="med"/>
+                      <a:tailEnd type="none" w="med" len="med"/>
+                    </a:lnL>
+                    <a:lnR w="12700" cap="flat" cmpd="sng" algn="ctr">
+                      <a:solidFill>
+                        <a:schemeClr val="accent4">
+                          <a:lumMod val="40000"/>
+                          <a:lumOff val="60000"/>
+                        </a:schemeClr>
+                      </a:solidFill>
+                      <a:prstDash val="solid"/>
+                      <a:round/>
+                      <a:headEnd type="none" w="med" len="med"/>
+                      <a:tailEnd type="none" w="med" len="med"/>
+                    </a:lnR>
+                    <a:lnT w="12700" cap="flat" cmpd="sng" algn="ctr">
+                      <a:solidFill>
+                        <a:schemeClr val="accent4">
+                          <a:lumMod val="40000"/>
+                          <a:lumOff val="60000"/>
+                        </a:schemeClr>
+                      </a:solidFill>
+                      <a:prstDash val="solid"/>
+                      <a:round/>
+                      <a:headEnd type="none" w="med" len="med"/>
+                      <a:tailEnd type="none" w="med" len="med"/>
+                    </a:lnT>
+                    <a:lnB w="12700" cap="flat" cmpd="sng" algn="ctr">
+                      <a:solidFill>
+                        <a:schemeClr val="accent4">
+                          <a:lumMod val="40000"/>
+                          <a:lumOff val="60000"/>
+                        </a:schemeClr>
+                      </a:solidFill>
+                      <a:prstDash val="solid"/>
+                      <a:round/>
+                      <a:headEnd type="none" w="med" len="med"/>
+                      <a:tailEnd type="none" w="med" len="med"/>
+                    </a:lnB>
+                  </a:tcPr>
+                </a:tc>
+                <a:tc>
+                  <a:txBody>
+                    <a:bodyPr/>
+                    <a:lstStyle/>
+                    <a:p>
+                      <a:endParaRPr lang="fr-FR" dirty="0"/>
+                    </a:p>
+                  </a:txBody>
+                  <a:tcPr>
+                    <a:lnL w="12700" cap="flat" cmpd="sng" algn="ctr">
+                      <a:solidFill>
+                        <a:schemeClr val="accent4">
+                          <a:lumMod val="40000"/>
+                          <a:lumOff val="60000"/>
+                        </a:schemeClr>
+                      </a:solidFill>
+                      <a:prstDash val="solid"/>
+                      <a:round/>
+                      <a:headEnd type="none" w="med" len="med"/>
+                      <a:tailEnd type="none" w="med" len="med"/>
+                    </a:lnL>
+                    <a:lnR w="12700" cap="flat" cmpd="sng" algn="ctr">
+                      <a:solidFill>
+                        <a:schemeClr val="accent4">
+                          <a:lumMod val="40000"/>
+                          <a:lumOff val="60000"/>
+                        </a:schemeClr>
+                      </a:solidFill>
+                      <a:prstDash val="solid"/>
+                      <a:round/>
+                      <a:headEnd type="none" w="med" len="med"/>
+                      <a:tailEnd type="none" w="med" len="med"/>
+                    </a:lnR>
+                    <a:lnT w="12700" cap="flat" cmpd="sng" algn="ctr">
+                      <a:solidFill>
+                        <a:schemeClr val="accent4">
+                          <a:lumMod val="40000"/>
+                          <a:lumOff val="60000"/>
+                        </a:schemeClr>
+                      </a:solidFill>
+                      <a:prstDash val="solid"/>
+                      <a:round/>
+                      <a:headEnd type="none" w="med" len="med"/>
+                      <a:tailEnd type="none" w="med" len="med"/>
+                    </a:lnT>
+                    <a:lnB w="12700" cap="flat" cmpd="sng" algn="ctr">
+                      <a:solidFill>
+                        <a:schemeClr val="accent4">
+                          <a:lumMod val="40000"/>
+                          <a:lumOff val="60000"/>
+                        </a:schemeClr>
+                      </a:solidFill>
+                      <a:prstDash val="solid"/>
+                      <a:round/>
+                      <a:headEnd type="none" w="med" len="med"/>
+                      <a:tailEnd type="none" w="med" len="med"/>
+                    </a:lnB>
+                  </a:tcPr>
+                </a:tc>
+                <a:extLst>
+                  <a:ext uri="{0D108BD9-81ED-4DB2-BD59-A6C34878D82A}">
+                    <a16:rowId xmlns:a16="http://schemas.microsoft.com/office/drawing/2014/main" val="10001"/>
+                  </a:ext>
+                </a:extLst>
+              </a:tr>
+              <a:tr h="370840">
+                <a:tc>
+                  <a:txBody>
+                    <a:bodyPr/>
+                    <a:lstStyle/>
+                    <a:p>
+                      <a:endParaRPr lang="fr-FR" sz="1600" dirty="0"/>
+                    </a:p>
+                  </a:txBody>
+                  <a:tcPr>
+                    <a:lnL w="12700" cap="flat" cmpd="sng" algn="ctr">
+                      <a:solidFill>
+                        <a:schemeClr val="accent4">
+                          <a:lumMod val="40000"/>
+                          <a:lumOff val="60000"/>
+                        </a:schemeClr>
+                      </a:solidFill>
+                      <a:prstDash val="solid"/>
+                      <a:round/>
+                      <a:headEnd type="none" w="med" len="med"/>
+                      <a:tailEnd type="none" w="med" len="med"/>
+                    </a:lnL>
+                    <a:lnR w="12700" cap="flat" cmpd="sng" algn="ctr">
+                      <a:solidFill>
+                        <a:schemeClr val="accent4">
+                          <a:lumMod val="40000"/>
+                          <a:lumOff val="60000"/>
+                        </a:schemeClr>
+                      </a:solidFill>
+                      <a:prstDash val="solid"/>
+                      <a:round/>
+                      <a:headEnd type="none" w="med" len="med"/>
+                      <a:tailEnd type="none" w="med" len="med"/>
+                    </a:lnR>
+                    <a:lnT w="12700" cap="flat" cmpd="sng" algn="ctr">
+                      <a:solidFill>
+                        <a:schemeClr val="accent4">
+                          <a:lumMod val="40000"/>
+                          <a:lumOff val="60000"/>
+                        </a:schemeClr>
+                      </a:solidFill>
+                      <a:prstDash val="solid"/>
+                      <a:round/>
+                      <a:headEnd type="none" w="med" len="med"/>
+                      <a:tailEnd type="none" w="med" len="med"/>
+                    </a:lnT>
+                    <a:lnB w="12700" cap="flat" cmpd="sng" algn="ctr">
+                      <a:solidFill>
+                        <a:schemeClr val="accent4">
+                          <a:lumMod val="40000"/>
+                          <a:lumOff val="60000"/>
+                        </a:schemeClr>
+                      </a:solidFill>
+                      <a:prstDash val="solid"/>
+                      <a:round/>
+                      <a:headEnd type="none" w="med" len="med"/>
+                      <a:tailEnd type="none" w="med" len="med"/>
+                    </a:lnB>
+                  </a:tcPr>
+                </a:tc>
+                <a:tc>
+                  <a:txBody>
+                    <a:bodyPr/>
+                    <a:lstStyle/>
+                    <a:p>
+                      <a:pPr marL="0" marR="0" lvl="0" indent="0" algn="l" defTabSz="457200" rtl="0" eaLnBrk="1" fontAlgn="auto" latinLnBrk="0" hangingPunct="1">
+                        <a:lnSpc>
+                          <a:spcPct val="100000"/>
+                        </a:lnSpc>
+                        <a:spcBef>
+                          <a:spcPts val="0"/>
+                        </a:spcBef>
+                        <a:spcAft>
+                          <a:spcPts val="0"/>
+                        </a:spcAft>
+                        <a:buClrTx/>
+                        <a:buSzTx/>
+                        <a:buFontTx/>
+                        <a:buNone/>
+                        <a:tabLst/>
+                        <a:defRPr/>
+                      </a:pPr>
+                      <a:endParaRPr lang="fr-FR" sz="1600" dirty="0"/>
+                    </a:p>
+                  </a:txBody>
+                  <a:tcPr>
+                    <a:lnL w="12700" cap="flat" cmpd="sng" algn="ctr">
+                      <a:solidFill>
+                        <a:schemeClr val="accent4">
+                          <a:lumMod val="40000"/>
+                          <a:lumOff val="60000"/>
+                        </a:schemeClr>
+                      </a:solidFill>
+                      <a:prstDash val="solid"/>
+                      <a:round/>
+                      <a:headEnd type="none" w="med" len="med"/>
+                      <a:tailEnd type="none" w="med" len="med"/>
+                    </a:lnL>
+                    <a:lnR w="12700" cap="flat" cmpd="sng" algn="ctr">
+                      <a:solidFill>
+                        <a:schemeClr val="accent4">
+                          <a:lumMod val="40000"/>
+                          <a:lumOff val="60000"/>
+                        </a:schemeClr>
+                      </a:solidFill>
+                      <a:prstDash val="solid"/>
+                      <a:round/>
+                      <a:headEnd type="none" w="med" len="med"/>
+                      <a:tailEnd type="none" w="med" len="med"/>
+                    </a:lnR>
+                    <a:lnT w="12700" cap="flat" cmpd="sng" algn="ctr">
+                      <a:solidFill>
+                        <a:schemeClr val="accent4">
+                          <a:lumMod val="40000"/>
+                          <a:lumOff val="60000"/>
+                        </a:schemeClr>
+                      </a:solidFill>
+                      <a:prstDash val="solid"/>
+                      <a:round/>
+                      <a:headEnd type="none" w="med" len="med"/>
+                      <a:tailEnd type="none" w="med" len="med"/>
+                    </a:lnT>
+                    <a:lnB w="12700" cap="flat" cmpd="sng" algn="ctr">
+                      <a:solidFill>
+                        <a:schemeClr val="accent4">
+                          <a:lumMod val="40000"/>
+                          <a:lumOff val="60000"/>
+                        </a:schemeClr>
+                      </a:solidFill>
+                      <a:prstDash val="solid"/>
+                      <a:round/>
+                      <a:headEnd type="none" w="med" len="med"/>
+                      <a:tailEnd type="none" w="med" len="med"/>
+                    </a:lnB>
+                  </a:tcPr>
+                </a:tc>
+                <a:tc>
+                  <a:txBody>
+                    <a:bodyPr/>
+                    <a:lstStyle/>
+                    <a:p>
+                      <a:r>
+                        <a:rPr lang="fr-FR" sz="1600" dirty="0"/>
+                        <a:t>Structure HTML</a:t>
+                      </a:r>
+                    </a:p>
+                  </a:txBody>
+                  <a:tcPr>
+                    <a:lnL w="12700" cap="flat" cmpd="sng" algn="ctr">
+                      <a:solidFill>
+                        <a:schemeClr val="accent4">
+                          <a:lumMod val="40000"/>
+                          <a:lumOff val="60000"/>
+                        </a:schemeClr>
+                      </a:solidFill>
+                      <a:prstDash val="solid"/>
+                      <a:round/>
+                      <a:headEnd type="none" w="med" len="med"/>
+                      <a:tailEnd type="none" w="med" len="med"/>
+                    </a:lnL>
+                    <a:lnR w="12700" cap="flat" cmpd="sng" algn="ctr">
+                      <a:solidFill>
+                        <a:schemeClr val="accent4">
+                          <a:lumMod val="40000"/>
+                          <a:lumOff val="60000"/>
+                        </a:schemeClr>
+                      </a:solidFill>
+                      <a:prstDash val="solid"/>
+                      <a:round/>
+                      <a:headEnd type="none" w="med" len="med"/>
+                      <a:tailEnd type="none" w="med" len="med"/>
+                    </a:lnR>
+                    <a:lnT w="12700" cap="flat" cmpd="sng" algn="ctr">
+                      <a:solidFill>
+                        <a:schemeClr val="accent4">
+                          <a:lumMod val="40000"/>
+                          <a:lumOff val="60000"/>
+                        </a:schemeClr>
+                      </a:solidFill>
+                      <a:prstDash val="solid"/>
+                      <a:round/>
+                      <a:headEnd type="none" w="med" len="med"/>
+                      <a:tailEnd type="none" w="med" len="med"/>
+                    </a:lnT>
+                    <a:lnB w="12700" cap="flat" cmpd="sng" algn="ctr">
+                      <a:solidFill>
+                        <a:schemeClr val="accent4">
+                          <a:lumMod val="40000"/>
+                          <a:lumOff val="60000"/>
+                        </a:schemeClr>
+                      </a:solidFill>
+                      <a:prstDash val="solid"/>
+                      <a:round/>
+                      <a:headEnd type="none" w="med" len="med"/>
+                      <a:tailEnd type="none" w="med" len="med"/>
+                    </a:lnB>
+                  </a:tcPr>
+                </a:tc>
+                <a:tc>
+                  <a:txBody>
+                    <a:bodyPr/>
+                    <a:lstStyle/>
+                    <a:p>
+                      <a:endParaRPr lang="fr-FR" sz="1600" dirty="0"/>
+                    </a:p>
+                  </a:txBody>
+                  <a:tcPr>
+                    <a:lnL w="12700" cap="flat" cmpd="sng" algn="ctr">
+                      <a:solidFill>
+                        <a:schemeClr val="accent4">
+                          <a:lumMod val="40000"/>
+                          <a:lumOff val="60000"/>
+                        </a:schemeClr>
+                      </a:solidFill>
+                      <a:prstDash val="solid"/>
+                      <a:round/>
+                      <a:headEnd type="none" w="med" len="med"/>
+                      <a:tailEnd type="none" w="med" len="med"/>
+                    </a:lnL>
+                    <a:lnR w="12700" cap="flat" cmpd="sng" algn="ctr">
+                      <a:solidFill>
+                        <a:schemeClr val="accent4">
+                          <a:lumMod val="40000"/>
+                          <a:lumOff val="60000"/>
+                        </a:schemeClr>
+                      </a:solidFill>
+                      <a:prstDash val="solid"/>
+                      <a:round/>
+                      <a:headEnd type="none" w="med" len="med"/>
+                      <a:tailEnd type="none" w="med" len="med"/>
+                    </a:lnR>
+                    <a:lnT w="12700" cap="flat" cmpd="sng" algn="ctr">
+                      <a:solidFill>
+                        <a:schemeClr val="accent4">
+                          <a:lumMod val="40000"/>
+                          <a:lumOff val="60000"/>
+                        </a:schemeClr>
+                      </a:solidFill>
+                      <a:prstDash val="solid"/>
+                      <a:round/>
+                      <a:headEnd type="none" w="med" len="med"/>
+                      <a:tailEnd type="none" w="med" len="med"/>
+                    </a:lnT>
+                    <a:lnB w="12700" cap="flat" cmpd="sng" algn="ctr">
+                      <a:solidFill>
+                        <a:schemeClr val="accent4">
+                          <a:lumMod val="40000"/>
+                          <a:lumOff val="60000"/>
+                        </a:schemeClr>
+                      </a:solidFill>
+                      <a:prstDash val="solid"/>
+                      <a:round/>
+                      <a:headEnd type="none" w="med" len="med"/>
+                      <a:tailEnd type="none" w="med" len="med"/>
+                    </a:lnB>
+                  </a:tcPr>
+                </a:tc>
+                <a:tc>
+                  <a:txBody>
+                    <a:bodyPr/>
+                    <a:lstStyle/>
+                    <a:p>
+                      <a:r>
+                        <a:rPr lang="fr-FR" sz="1600" dirty="0"/>
+                        <a:t>Structure HTML</a:t>
+                      </a:r>
+                    </a:p>
+                  </a:txBody>
+                  <a:tcPr>
+                    <a:lnL w="12700" cap="flat" cmpd="sng" algn="ctr">
+                      <a:solidFill>
+                        <a:schemeClr val="accent4">
+                          <a:lumMod val="40000"/>
+                          <a:lumOff val="60000"/>
+                        </a:schemeClr>
+                      </a:solidFill>
+                      <a:prstDash val="solid"/>
+                      <a:round/>
+                      <a:headEnd type="none" w="med" len="med"/>
+                      <a:tailEnd type="none" w="med" len="med"/>
+                    </a:lnL>
+                    <a:lnR w="12700" cap="flat" cmpd="sng" algn="ctr">
+                      <a:solidFill>
+                        <a:schemeClr val="accent4">
+                          <a:lumMod val="40000"/>
+                          <a:lumOff val="60000"/>
+                        </a:schemeClr>
+                      </a:solidFill>
+                      <a:prstDash val="solid"/>
+                      <a:round/>
+                      <a:headEnd type="none" w="med" len="med"/>
+                      <a:tailEnd type="none" w="med" len="med"/>
+                    </a:lnR>
+                    <a:lnT w="12700" cap="flat" cmpd="sng" algn="ctr">
+                      <a:solidFill>
+                        <a:schemeClr val="accent4">
+                          <a:lumMod val="40000"/>
+                          <a:lumOff val="60000"/>
+                        </a:schemeClr>
+                      </a:solidFill>
+                      <a:prstDash val="solid"/>
+                      <a:round/>
+                      <a:headEnd type="none" w="med" len="med"/>
+                      <a:tailEnd type="none" w="med" len="med"/>
+                    </a:lnT>
+                    <a:lnB w="12700" cap="flat" cmpd="sng" algn="ctr">
+                      <a:solidFill>
+                        <a:schemeClr val="accent4">
+                          <a:lumMod val="40000"/>
+                          <a:lumOff val="60000"/>
+                        </a:schemeClr>
+                      </a:solidFill>
+                      <a:prstDash val="solid"/>
+                      <a:round/>
+                      <a:headEnd type="none" w="med" len="med"/>
+                      <a:tailEnd type="none" w="med" len="med"/>
+                    </a:lnB>
+                  </a:tcPr>
+                </a:tc>
+                <a:extLst>
+                  <a:ext uri="{0D108BD9-81ED-4DB2-BD59-A6C34878D82A}">
+                    <a16:rowId xmlns:a16="http://schemas.microsoft.com/office/drawing/2014/main" val="10002"/>
+                  </a:ext>
+                </a:extLst>
+              </a:tr>
+              <a:tr h="370840">
+                <a:tc>
+                  <a:txBody>
+                    <a:bodyPr/>
+                    <a:lstStyle/>
+                    <a:p>
+                      <a:endParaRPr lang="fr-FR" sz="1600" dirty="0"/>
+                    </a:p>
+                  </a:txBody>
+                  <a:tcPr>
+                    <a:lnL w="12700" cap="flat" cmpd="sng" algn="ctr">
+                      <a:solidFill>
+                        <a:schemeClr val="accent4">
+                          <a:lumMod val="40000"/>
+                          <a:lumOff val="60000"/>
+                        </a:schemeClr>
+                      </a:solidFill>
+                      <a:prstDash val="solid"/>
+                      <a:round/>
+                      <a:headEnd type="none" w="med" len="med"/>
+                      <a:tailEnd type="none" w="med" len="med"/>
+                    </a:lnL>
+                    <a:lnR w="12700" cap="flat" cmpd="sng" algn="ctr">
+                      <a:solidFill>
+                        <a:schemeClr val="accent4">
+                          <a:lumMod val="40000"/>
+                          <a:lumOff val="60000"/>
+                        </a:schemeClr>
+                      </a:solidFill>
+                      <a:prstDash val="solid"/>
+                      <a:round/>
+                      <a:headEnd type="none" w="med" len="med"/>
+                      <a:tailEnd type="none" w="med" len="med"/>
+                    </a:lnR>
+                    <a:lnT w="12700" cap="flat" cmpd="sng" algn="ctr">
+                      <a:solidFill>
+                        <a:schemeClr val="accent4">
+                          <a:lumMod val="40000"/>
+                          <a:lumOff val="60000"/>
+                        </a:schemeClr>
+                      </a:solidFill>
+                      <a:prstDash val="solid"/>
+                      <a:round/>
+                      <a:headEnd type="none" w="med" len="med"/>
+                      <a:tailEnd type="none" w="med" len="med"/>
+                    </a:lnT>
+                    <a:lnB w="12700" cap="flat" cmpd="sng" algn="ctr">
+                      <a:solidFill>
+                        <a:schemeClr val="accent4">
+                          <a:lumMod val="40000"/>
+                          <a:lumOff val="60000"/>
+                        </a:schemeClr>
+                      </a:solidFill>
+                      <a:prstDash val="solid"/>
+                      <a:round/>
+                      <a:headEnd type="none" w="med" len="med"/>
+                      <a:tailEnd type="none" w="med" len="med"/>
+                    </a:lnB>
+                  </a:tcPr>
+                </a:tc>
+                <a:tc>
+                  <a:txBody>
+                    <a:bodyPr/>
+                    <a:lstStyle/>
+                    <a:p>
+                      <a:endParaRPr lang="fr-FR" sz="1600" dirty="0"/>
+                    </a:p>
+                  </a:txBody>
+                  <a:tcPr>
+                    <a:lnL w="12700" cap="flat" cmpd="sng" algn="ctr">
+                      <a:solidFill>
+                        <a:schemeClr val="accent4">
+                          <a:lumMod val="40000"/>
+                          <a:lumOff val="60000"/>
+                        </a:schemeClr>
+                      </a:solidFill>
+                      <a:prstDash val="solid"/>
+                      <a:round/>
+                      <a:headEnd type="none" w="med" len="med"/>
+                      <a:tailEnd type="none" w="med" len="med"/>
+                    </a:lnL>
+                    <a:lnR w="12700" cap="flat" cmpd="sng" algn="ctr">
+                      <a:solidFill>
+                        <a:schemeClr val="accent4">
+                          <a:lumMod val="40000"/>
+                          <a:lumOff val="60000"/>
+                        </a:schemeClr>
+                      </a:solidFill>
+                      <a:prstDash val="solid"/>
+                      <a:round/>
+                      <a:headEnd type="none" w="med" len="med"/>
+                      <a:tailEnd type="none" w="med" len="med"/>
+                    </a:lnR>
+                    <a:lnT w="12700" cap="flat" cmpd="sng" algn="ctr">
+                      <a:solidFill>
+                        <a:schemeClr val="accent4">
+                          <a:lumMod val="40000"/>
+                          <a:lumOff val="60000"/>
+                        </a:schemeClr>
+                      </a:solidFill>
+                      <a:prstDash val="solid"/>
+                      <a:round/>
+                      <a:headEnd type="none" w="med" len="med"/>
+                      <a:tailEnd type="none" w="med" len="med"/>
+                    </a:lnT>
+                    <a:lnB w="12700" cap="flat" cmpd="sng" algn="ctr">
+                      <a:solidFill>
+                        <a:schemeClr val="accent4">
+                          <a:lumMod val="40000"/>
+                          <a:lumOff val="60000"/>
+                        </a:schemeClr>
+                      </a:solidFill>
+                      <a:prstDash val="solid"/>
+                      <a:round/>
+                      <a:headEnd type="none" w="med" len="med"/>
+                      <a:tailEnd type="none" w="med" len="med"/>
+                    </a:lnB>
+                  </a:tcPr>
+                </a:tc>
+                <a:tc>
+                  <a:txBody>
+                    <a:bodyPr/>
+                    <a:lstStyle/>
+                    <a:p>
+                      <a:pPr marL="0" marR="0" lvl="0" indent="0" algn="l" defTabSz="457200" rtl="0" eaLnBrk="1" fontAlgn="auto" latinLnBrk="0" hangingPunct="1">
+                        <a:lnSpc>
+                          <a:spcPct val="100000"/>
+                        </a:lnSpc>
+                        <a:spcBef>
+                          <a:spcPts val="0"/>
+                        </a:spcBef>
+                        <a:spcAft>
+                          <a:spcPts val="0"/>
+                        </a:spcAft>
+                        <a:buClrTx/>
+                        <a:buSzTx/>
+                        <a:buFontTx/>
+                        <a:buNone/>
+                        <a:tabLst/>
+                        <a:defRPr/>
+                      </a:pPr>
+                      <a:r>
+                        <a:rPr lang="fr-FR" sz="1600" dirty="0"/>
+                        <a:t>Charte et éléments graphiques</a:t>
+                      </a:r>
+                    </a:p>
+                  </a:txBody>
+                  <a:tcPr>
+                    <a:lnL w="12700" cap="flat" cmpd="sng" algn="ctr">
+                      <a:solidFill>
+                        <a:schemeClr val="accent4">
+                          <a:lumMod val="40000"/>
+                          <a:lumOff val="60000"/>
+                        </a:schemeClr>
+                      </a:solidFill>
+                      <a:prstDash val="solid"/>
+                      <a:round/>
+                      <a:headEnd type="none" w="med" len="med"/>
+                      <a:tailEnd type="none" w="med" len="med"/>
+                    </a:lnL>
+                    <a:lnR w="12700" cap="flat" cmpd="sng" algn="ctr">
+                      <a:solidFill>
+                        <a:schemeClr val="accent4">
+                          <a:lumMod val="40000"/>
+                          <a:lumOff val="60000"/>
+                        </a:schemeClr>
+                      </a:solidFill>
+                      <a:prstDash val="solid"/>
+                      <a:round/>
+                      <a:headEnd type="none" w="med" len="med"/>
+                      <a:tailEnd type="none" w="med" len="med"/>
+                    </a:lnR>
+                    <a:lnT w="12700" cap="flat" cmpd="sng" algn="ctr">
+                      <a:solidFill>
+                        <a:schemeClr val="accent4">
+                          <a:lumMod val="40000"/>
+                          <a:lumOff val="60000"/>
+                        </a:schemeClr>
+                      </a:solidFill>
+                      <a:prstDash val="solid"/>
+                      <a:round/>
+                      <a:headEnd type="none" w="med" len="med"/>
+                      <a:tailEnd type="none" w="med" len="med"/>
+                    </a:lnT>
+                    <a:lnB w="12700" cap="flat" cmpd="sng" algn="ctr">
+                      <a:solidFill>
+                        <a:schemeClr val="accent4">
+                          <a:lumMod val="40000"/>
+                          <a:lumOff val="60000"/>
+                        </a:schemeClr>
+                      </a:solidFill>
+                      <a:prstDash val="solid"/>
+                      <a:round/>
+                      <a:headEnd type="none" w="med" len="med"/>
+                      <a:tailEnd type="none" w="med" len="med"/>
+                    </a:lnB>
+                  </a:tcPr>
+                </a:tc>
+                <a:tc>
+                  <a:txBody>
+                    <a:bodyPr/>
+                    <a:lstStyle/>
+                    <a:p>
+                      <a:pPr marL="0" marR="0" lvl="0" indent="0" algn="l" defTabSz="457200" rtl="0" eaLnBrk="1" fontAlgn="auto" latinLnBrk="0" hangingPunct="1">
+                        <a:lnSpc>
+                          <a:spcPct val="100000"/>
+                        </a:lnSpc>
+                        <a:spcBef>
+                          <a:spcPts val="0"/>
+                        </a:spcBef>
+                        <a:spcAft>
+                          <a:spcPts val="0"/>
+                        </a:spcAft>
+                        <a:buClrTx/>
+                        <a:buSzTx/>
+                        <a:buFontTx/>
+                        <a:buNone/>
+                        <a:tabLst/>
+                        <a:defRPr/>
+                      </a:pPr>
+                      <a:endParaRPr lang="fr-FR" sz="1600" dirty="0"/>
+                    </a:p>
+                  </a:txBody>
+                  <a:tcPr>
+                    <a:lnL w="12700" cap="flat" cmpd="sng" algn="ctr">
+                      <a:solidFill>
+                        <a:schemeClr val="accent4">
+                          <a:lumMod val="40000"/>
+                          <a:lumOff val="60000"/>
+                        </a:schemeClr>
+                      </a:solidFill>
+                      <a:prstDash val="solid"/>
+                      <a:round/>
+                      <a:headEnd type="none" w="med" len="med"/>
+                      <a:tailEnd type="none" w="med" len="med"/>
+                    </a:lnL>
+                    <a:lnR w="12700" cap="flat" cmpd="sng" algn="ctr">
+                      <a:solidFill>
+                        <a:schemeClr val="accent4">
+                          <a:lumMod val="40000"/>
+                          <a:lumOff val="60000"/>
+                        </a:schemeClr>
+                      </a:solidFill>
+                      <a:prstDash val="solid"/>
+                      <a:round/>
+                      <a:headEnd type="none" w="med" len="med"/>
+                      <a:tailEnd type="none" w="med" len="med"/>
+                    </a:lnR>
+                    <a:lnT w="12700" cap="flat" cmpd="sng" algn="ctr">
+                      <a:solidFill>
+                        <a:schemeClr val="accent4">
+                          <a:lumMod val="40000"/>
+                          <a:lumOff val="60000"/>
+                        </a:schemeClr>
+                      </a:solidFill>
+                      <a:prstDash val="solid"/>
+                      <a:round/>
+                      <a:headEnd type="none" w="med" len="med"/>
+                      <a:tailEnd type="none" w="med" len="med"/>
+                    </a:lnT>
+                    <a:lnB w="12700" cap="flat" cmpd="sng" algn="ctr">
+                      <a:solidFill>
+                        <a:schemeClr val="accent4">
+                          <a:lumMod val="40000"/>
+                          <a:lumOff val="60000"/>
+                        </a:schemeClr>
+                      </a:solidFill>
+                      <a:prstDash val="solid"/>
+                      <a:round/>
+                      <a:headEnd type="none" w="med" len="med"/>
+                      <a:tailEnd type="none" w="med" len="med"/>
+                    </a:lnB>
+                  </a:tcPr>
+                </a:tc>
+                <a:tc>
+                  <a:txBody>
+                    <a:bodyPr/>
+                    <a:lstStyle/>
+                    <a:p>
+                      <a:pPr marL="0" marR="0" lvl="0" indent="0" algn="l" defTabSz="457200" rtl="0" eaLnBrk="1" fontAlgn="auto" latinLnBrk="0" hangingPunct="1">
+                        <a:lnSpc>
+                          <a:spcPct val="100000"/>
+                        </a:lnSpc>
+                        <a:spcBef>
+                          <a:spcPts val="0"/>
+                        </a:spcBef>
+                        <a:spcAft>
+                          <a:spcPts val="0"/>
+                        </a:spcAft>
+                        <a:buClrTx/>
+                        <a:buSzTx/>
+                        <a:buFontTx/>
+                        <a:buNone/>
+                        <a:tabLst/>
+                        <a:defRPr/>
+                      </a:pPr>
+                      <a:endParaRPr lang="fr-FR" sz="1600" dirty="0"/>
+                    </a:p>
+                  </a:txBody>
+                  <a:tcPr>
+                    <a:lnL w="12700" cap="flat" cmpd="sng" algn="ctr">
+                      <a:solidFill>
+                        <a:schemeClr val="accent4">
+                          <a:lumMod val="40000"/>
+                          <a:lumOff val="60000"/>
+                        </a:schemeClr>
+                      </a:solidFill>
+                      <a:prstDash val="solid"/>
+                      <a:round/>
+                      <a:headEnd type="none" w="med" len="med"/>
+                      <a:tailEnd type="none" w="med" len="med"/>
+                    </a:lnL>
+                    <a:lnR w="12700" cap="flat" cmpd="sng" algn="ctr">
+                      <a:solidFill>
+                        <a:schemeClr val="accent4">
+                          <a:lumMod val="40000"/>
+                          <a:lumOff val="60000"/>
+                        </a:schemeClr>
+                      </a:solidFill>
+                      <a:prstDash val="solid"/>
+                      <a:round/>
+                      <a:headEnd type="none" w="med" len="med"/>
+                      <a:tailEnd type="none" w="med" len="med"/>
+                    </a:lnR>
+                    <a:lnT w="12700" cap="flat" cmpd="sng" algn="ctr">
+                      <a:solidFill>
+                        <a:schemeClr val="accent4">
+                          <a:lumMod val="40000"/>
+                          <a:lumOff val="60000"/>
+                        </a:schemeClr>
+                      </a:solidFill>
+                      <a:prstDash val="solid"/>
+                      <a:round/>
+                      <a:headEnd type="none" w="med" len="med"/>
+                      <a:tailEnd type="none" w="med" len="med"/>
+                    </a:lnT>
+                    <a:lnB w="12700" cap="flat" cmpd="sng" algn="ctr">
+                      <a:solidFill>
+                        <a:schemeClr val="accent4">
+                          <a:lumMod val="40000"/>
+                          <a:lumOff val="60000"/>
+                        </a:schemeClr>
+                      </a:solidFill>
+                      <a:prstDash val="solid"/>
+                      <a:round/>
+                      <a:headEnd type="none" w="med" len="med"/>
+                      <a:tailEnd type="none" w="med" len="med"/>
+                    </a:lnB>
+                  </a:tcPr>
+                </a:tc>
+                <a:extLst>
+                  <a:ext uri="{0D108BD9-81ED-4DB2-BD59-A6C34878D82A}">
+                    <a16:rowId xmlns:a16="http://schemas.microsoft.com/office/drawing/2014/main" val="10003"/>
+                  </a:ext>
+                </a:extLst>
+              </a:tr>
+            </a:tbl>
+          </a:graphicData>
+        </a:graphic>
+      </p:graphicFrame>
+      <p:sp>
+        <p:nvSpPr>
+          <p:cNvPr id="7" name="Rectangle 6">
+            <a:extLst>
+              <a:ext uri="{FF2B5EF4-FFF2-40B4-BE49-F238E27FC236}">
+                <a16:creationId xmlns:a16="http://schemas.microsoft.com/office/drawing/2014/main" id="{39B26A85-07EA-45DC-8540-A49522CDABC9}"/>
+              </a:ext>
+            </a:extLst>
+          </p:cNvPr>
+          <p:cNvSpPr/>
+          <p:nvPr/>
+        </p:nvSpPr>
+        <p:spPr>
+          <a:xfrm>
+            <a:off x="10050463" y="4178618"/>
+            <a:ext cx="2211387" cy="352742"/>
+          </a:xfrm>
+          <a:prstGeom prst="rect">
+            <a:avLst/>
+          </a:prstGeom>
+          <a:noFill/>
+          <a:ln>
+            <a:solidFill>
+              <a:schemeClr val="accent3">
+                <a:lumMod val="40000"/>
+                <a:lumOff val="60000"/>
+              </a:schemeClr>
+            </a:solidFill>
+          </a:ln>
+        </p:spPr>
+        <p:style>
+          <a:lnRef idx="2">
+            <a:schemeClr val="accent1">
+              <a:shade val="50000"/>
+            </a:schemeClr>
+          </a:lnRef>
+          <a:fillRef idx="1">
+            <a:schemeClr val="accent1"/>
+          </a:fillRef>
+          <a:effectRef idx="0">
+            <a:schemeClr val="accent1"/>
+          </a:effectRef>
+          <a:fontRef idx="minor">
+            <a:schemeClr val="lt1"/>
+          </a:fontRef>
+        </p:style>
+        <p:txBody>
+          <a:bodyPr rtlCol="0" anchor="ctr"/>
+          <a:lstStyle/>
+          <a:p>
+            <a:pPr algn="ctr"/>
+            <a:endParaRPr lang="fr-FR"/>
+          </a:p>
+        </p:txBody>
+      </p:sp>
+      <p:sp>
+        <p:nvSpPr>
+          <p:cNvPr id="8" name="Rectangle 7">
+            <a:extLst>
+              <a:ext uri="{FF2B5EF4-FFF2-40B4-BE49-F238E27FC236}">
+                <a16:creationId xmlns:a16="http://schemas.microsoft.com/office/drawing/2014/main" id="{FA29DB6F-80F8-47C6-8CDC-72E5E9A60285}"/>
+              </a:ext>
+            </a:extLst>
+          </p:cNvPr>
+          <p:cNvSpPr/>
+          <p:nvPr/>
+        </p:nvSpPr>
+        <p:spPr>
+          <a:xfrm>
+            <a:off x="10085045" y="6029513"/>
+            <a:ext cx="2211387" cy="168087"/>
+          </a:xfrm>
+          <a:prstGeom prst="rect">
+            <a:avLst/>
+          </a:prstGeom>
+          <a:noFill/>
+          <a:ln>
+            <a:solidFill>
+              <a:schemeClr val="accent3">
+                <a:lumMod val="40000"/>
+                <a:lumOff val="60000"/>
+              </a:schemeClr>
+            </a:solidFill>
+          </a:ln>
+        </p:spPr>
+        <p:style>
+          <a:lnRef idx="2">
+            <a:schemeClr val="accent1">
+              <a:shade val="50000"/>
+            </a:schemeClr>
+          </a:lnRef>
+          <a:fillRef idx="1">
+            <a:schemeClr val="accent1"/>
+          </a:fillRef>
+          <a:effectRef idx="0">
+            <a:schemeClr val="accent1"/>
+          </a:effectRef>
+          <a:fontRef idx="minor">
+            <a:schemeClr val="lt1"/>
+          </a:fontRef>
+        </p:style>
+        <p:txBody>
+          <a:bodyPr rtlCol="0" anchor="ctr"/>
+          <a:lstStyle/>
+          <a:p>
+            <a:pPr algn="ctr"/>
+            <a:endParaRPr lang="fr-FR"/>
+          </a:p>
+        </p:txBody>
+      </p:sp>
+    </p:spTree>
+    <p:extLst>
+      <p:ext uri="{BB962C8B-B14F-4D97-AF65-F5344CB8AC3E}">
+        <p14:creationId xmlns:p14="http://schemas.microsoft.com/office/powerpoint/2010/main" val="2925713804"/>
+      </p:ext>
+    </p:extLst>
+  </p:cSld>
+  <p:clrMapOvr>
+    <a:masterClrMapping/>
+  </p:clrMapOvr>
+  <mc:AlternateContent xmlns:mc="http://schemas.openxmlformats.org/markup-compatibility/2006" xmlns:p14="http://schemas.microsoft.com/office/powerpoint/2010/main">
+    <mc:Choice Requires="p14">
+      <p:transition spd="slow">
+        <p14:prism isContent="1"/>
+      </p:transition>
+    </mc:Choice>
+    <mc:Fallback xmlns="">
+      <p:transition spd="slow">
+        <p:fade/>
+      </p:transition>
+    </mc:Fallback>
+  </mc:AlternateContent>
+  <p:timing>
+    <p:tnLst>
+      <p:par>
+        <p:cTn id="1" dur="indefinite" restart="never" nodeType="tmRoot">
+          <p:childTnLst>
+            <p:seq concurrent="1" nextAc="seek">
+              <p:cTn id="2" dur="indefinite" nodeType="mainSeq">
+                <p:childTnLst>
+                  <p:par>
+                    <p:cTn id="3" fill="hold">
+                      <p:stCondLst>
+                        <p:cond delay="indefinite"/>
+                        <p:cond evt="onBegin" delay="0">
+                          <p:tn val="2"/>
+                        </p:cond>
+                      </p:stCondLst>
+                      <p:childTnLst>
+                        <p:par>
+                          <p:cTn id="4" fill="hold">
+                            <p:stCondLst>
+                              <p:cond delay="0"/>
+                            </p:stCondLst>
+                            <p:childTnLst>
+                              <p:par>
+                                <p:cTn id="5" presetID="22" presetClass="entr" presetSubtype="8" fill="hold" grpId="0" nodeType="afterEffect">
+                                  <p:stCondLst>
+                                    <p:cond delay="0"/>
+                                  </p:stCondLst>
+                                  <p:childTnLst>
+                                    <p:set>
+                                      <p:cBhvr>
+                                        <p:cTn id="6" dur="1" fill="hold">
+                                          <p:stCondLst>
+                                            <p:cond delay="0"/>
+                                          </p:stCondLst>
+                                        </p:cTn>
+                                        <p:tgtEl>
+                                          <p:spTgt spid="7"/>
+                                        </p:tgtEl>
+                                        <p:attrNameLst>
+                                          <p:attrName>style.visibility</p:attrName>
+                                        </p:attrNameLst>
+                                      </p:cBhvr>
+                                      <p:to>
+                                        <p:strVal val="visible"/>
+                                      </p:to>
+                                    </p:set>
+                                    <p:animEffect transition="in" filter="wipe(left)">
+                                      <p:cBhvr>
+                                        <p:cTn id="7" dur="500"/>
+                                        <p:tgtEl>
+                                          <p:spTgt spid="7"/>
+                                        </p:tgtEl>
+                                      </p:cBhvr>
+                                    </p:animEffect>
+                                  </p:childTnLst>
+                                </p:cTn>
+                              </p:par>
+                            </p:childTnLst>
+                          </p:cTn>
+                        </p:par>
+                        <p:par>
+                          <p:cTn id="8" fill="hold">
+                            <p:stCondLst>
+                              <p:cond delay="500"/>
+                            </p:stCondLst>
+                            <p:childTnLst>
+                              <p:par>
+                                <p:cTn id="9" presetID="22" presetClass="entr" presetSubtype="8" fill="hold" grpId="0" nodeType="afterEffect">
+                                  <p:stCondLst>
+                                    <p:cond delay="0"/>
+                                  </p:stCondLst>
+                                  <p:childTnLst>
+                                    <p:set>
+                                      <p:cBhvr>
+                                        <p:cTn id="10" dur="1" fill="hold">
+                                          <p:stCondLst>
+                                            <p:cond delay="0"/>
+                                          </p:stCondLst>
+                                        </p:cTn>
+                                        <p:tgtEl>
+                                          <p:spTgt spid="8"/>
+                                        </p:tgtEl>
+                                        <p:attrNameLst>
+                                          <p:attrName>style.visibility</p:attrName>
+                                        </p:attrNameLst>
+                                      </p:cBhvr>
+                                      <p:to>
+                                        <p:strVal val="visible"/>
+                                      </p:to>
+                                    </p:set>
+                                    <p:animEffect transition="in" filter="wipe(left)">
+                                      <p:cBhvr>
+                                        <p:cTn id="11" dur="500"/>
+                                        <p:tgtEl>
+                                          <p:spTgt spid="8"/>
+                                        </p:tgtEl>
+                                      </p:cBhvr>
+                                    </p:animEffect>
+                                  </p:childTnLst>
+                                </p:cTn>
+                              </p:par>
+                            </p:childTnLst>
+                          </p:cTn>
+                        </p:par>
+                      </p:childTnLst>
+                    </p:cTn>
+                  </p:par>
+                </p:childTnLst>
+              </p:cTn>
+              <p:prevCondLst>
+                <p:cond evt="onPrev" delay="0">
+                  <p:tgtEl>
+                    <p:sldTgt/>
+                  </p:tgtEl>
+                </p:cond>
+              </p:prevCondLst>
+              <p:nextCondLst>
+                <p:cond evt="onNext" delay="0">
+                  <p:tgtEl>
+                    <p:sldTgt/>
+                  </p:tgtEl>
+                </p:cond>
+              </p:nextCondLst>
+            </p:seq>
+          </p:childTnLst>
+        </p:cTn>
+      </p:par>
+    </p:tnLst>
+    <p:bldLst>
+      <p:bldP spid="7" grpId="0" animBg="1"/>
+      <p:bldP spid="8" grpId="0" animBg="1"/>
     </p:bldLst>
   </p:timing>
 </p:sld>

--- a/soutenance/Soutenance.pptx
+++ b/soutenance/Soutenance.pptx
@@ -134,7 +134,7 @@
 <file path=ppt/revisionInfo.xml><?xml version="1.0" encoding="utf-8"?>
 <p1510:revInfo xmlns:a="http://schemas.openxmlformats.org/drawingml/2006/main" xmlns:r="http://schemas.openxmlformats.org/officeDocument/2006/relationships" xmlns:p1510="http://schemas.microsoft.com/office/powerpoint/2015/10/main">
   <p1510:revLst>
-    <p1510:client id="{79071E21-E6A7-4192-B912-4FE7192CC8A6}" v="205" dt="2019-10-17T13:21:56.249"/>
+    <p1510:client id="{79071E21-E6A7-4192-B912-4FE7192CC8A6}" v="499" dt="2019-10-20T12:20:37.929"/>
   </p1510:revLst>
 </p1510:revInfo>
 </file>
@@ -144,12 +144,12 @@
   <pc:docChgLst>
     <pc:chgData name="Quentin Avrain" userId="8bc872cf632c555a" providerId="LiveId" clId="{79071E21-E6A7-4192-B912-4FE7192CC8A6}"/>
     <pc:docChg chg="undo custSel addSld modSld sldOrd modMainMaster">
-      <pc:chgData name="Quentin Avrain" userId="8bc872cf632c555a" providerId="LiveId" clId="{79071E21-E6A7-4192-B912-4FE7192CC8A6}" dt="2019-10-17T13:21:58.554" v="777" actId="478"/>
+      <pc:chgData name="Quentin Avrain" userId="8bc872cf632c555a" providerId="LiveId" clId="{79071E21-E6A7-4192-B912-4FE7192CC8A6}" dt="2019-10-20T12:20:37.929" v="1079"/>
       <pc:docMkLst>
         <pc:docMk/>
       </pc:docMkLst>
-      <pc:sldChg chg="addSp modSp modAnim">
-        <pc:chgData name="Quentin Avrain" userId="8bc872cf632c555a" providerId="LiveId" clId="{79071E21-E6A7-4192-B912-4FE7192CC8A6}" dt="2019-10-17T12:58:17.861" v="583"/>
+      <pc:sldChg chg="addSp modSp modTransition modAnim">
+        <pc:chgData name="Quentin Avrain" userId="8bc872cf632c555a" providerId="LiveId" clId="{79071E21-E6A7-4192-B912-4FE7192CC8A6}" dt="2019-10-20T12:18:38.630" v="1068"/>
         <pc:sldMkLst>
           <pc:docMk/>
           <pc:sldMk cId="2168469693" sldId="256"/>
@@ -399,7 +399,7 @@
         </pc:graphicFrameChg>
       </pc:sldChg>
       <pc:sldChg chg="addSp delSp modSp modAnim">
-        <pc:chgData name="Quentin Avrain" userId="8bc872cf632c555a" providerId="LiveId" clId="{79071E21-E6A7-4192-B912-4FE7192CC8A6}" dt="2019-10-17T12:59:24.578" v="605"/>
+        <pc:chgData name="Quentin Avrain" userId="8bc872cf632c555a" providerId="LiveId" clId="{79071E21-E6A7-4192-B912-4FE7192CC8A6}" dt="2019-10-20T12:20:37.929" v="1079"/>
         <pc:sldMkLst>
           <pc:docMk/>
           <pc:sldMk cId="2833213299" sldId="269"/>
@@ -4422,7 +4422,7 @@
           <a:p>
             <a:fld id="{9498DD42-5454-4B4C-9868-0F62FA7AD7A7}" type="datetimeFigureOut">
               <a:rPr lang="fr-FR" smtClean="0"/>
-              <a:t>18/10/2019</a:t>
+              <a:t>20/10/2019</a:t>
             </a:fld>
             <a:endParaRPr lang="fr-FR"/>
           </a:p>
@@ -4587,7 +4587,7 @@
           <a:p>
             <a:fld id="{8DFDF153-09B3-4609-96C4-1E4290C745BE}" type="datetimeFigureOut">
               <a:rPr lang="fr-FR" smtClean="0"/>
-              <a:t>18/10/2019</a:t>
+              <a:t>20/10/2019</a:t>
             </a:fld>
             <a:endParaRPr lang="fr-FR"/>
           </a:p>
@@ -11045,13 +11045,13 @@
   <p:clrMapOvr>
     <a:masterClrMapping/>
   </p:clrMapOvr>
-  <mc:AlternateContent xmlns:mc="http://schemas.openxmlformats.org/markup-compatibility/2006" xmlns:p14="http://schemas.microsoft.com/office/powerpoint/2010/main">
-    <mc:Choice Requires="p14">
-      <p:transition spd="slow">
-        <p14:prism isContent="1"/>
+  <mc:AlternateContent xmlns:mc="http://schemas.openxmlformats.org/markup-compatibility/2006">
+    <mc:Choice xmlns:p14="http://schemas.microsoft.com/office/powerpoint/2010/main" Requires="p14">
+      <p:transition spd="slow" p14:dur="10000">
+        <p14:glitter pattern="hexagon"/>
       </p:transition>
     </mc:Choice>
-    <mc:Fallback xmlns="">
+    <mc:Fallback>
       <p:transition spd="slow">
         <p:fade/>
       </p:transition>
